--- a/report/report.pptx
+++ b/report/report.pptx
@@ -283,7 +283,7 @@
           <a:p>
             <a:fld id="{B53C3905-928B-4DA7-B7F4-744EDD307A99}" type="datetimeFigureOut">
               <a:rPr lang="ru-RU" smtClean="0"/>
-              <a:t>25.12.2020</a:t>
+              <a:t>27.12.2020</a:t>
             </a:fld>
             <a:endParaRPr lang="ru-RU"/>
           </a:p>
@@ -481,7 +481,7 @@
           <a:p>
             <a:fld id="{B53C3905-928B-4DA7-B7F4-744EDD307A99}" type="datetimeFigureOut">
               <a:rPr lang="ru-RU" smtClean="0"/>
-              <a:t>25.12.2020</a:t>
+              <a:t>27.12.2020</a:t>
             </a:fld>
             <a:endParaRPr lang="ru-RU"/>
           </a:p>
@@ -689,7 +689,7 @@
           <a:p>
             <a:fld id="{B53C3905-928B-4DA7-B7F4-744EDD307A99}" type="datetimeFigureOut">
               <a:rPr lang="ru-RU" smtClean="0"/>
-              <a:t>25.12.2020</a:t>
+              <a:t>27.12.2020</a:t>
             </a:fld>
             <a:endParaRPr lang="ru-RU"/>
           </a:p>
@@ -887,7 +887,7 @@
           <a:p>
             <a:fld id="{B53C3905-928B-4DA7-B7F4-744EDD307A99}" type="datetimeFigureOut">
               <a:rPr lang="ru-RU" smtClean="0"/>
-              <a:t>25.12.2020</a:t>
+              <a:t>27.12.2020</a:t>
             </a:fld>
             <a:endParaRPr lang="ru-RU"/>
           </a:p>
@@ -1162,7 +1162,7 @@
           <a:p>
             <a:fld id="{B53C3905-928B-4DA7-B7F4-744EDD307A99}" type="datetimeFigureOut">
               <a:rPr lang="ru-RU" smtClean="0"/>
-              <a:t>25.12.2020</a:t>
+              <a:t>27.12.2020</a:t>
             </a:fld>
             <a:endParaRPr lang="ru-RU"/>
           </a:p>
@@ -1427,7 +1427,7 @@
           <a:p>
             <a:fld id="{B53C3905-928B-4DA7-B7F4-744EDD307A99}" type="datetimeFigureOut">
               <a:rPr lang="ru-RU" smtClean="0"/>
-              <a:t>25.12.2020</a:t>
+              <a:t>27.12.2020</a:t>
             </a:fld>
             <a:endParaRPr lang="ru-RU"/>
           </a:p>
@@ -1839,7 +1839,7 @@
           <a:p>
             <a:fld id="{B53C3905-928B-4DA7-B7F4-744EDD307A99}" type="datetimeFigureOut">
               <a:rPr lang="ru-RU" smtClean="0"/>
-              <a:t>25.12.2020</a:t>
+              <a:t>27.12.2020</a:t>
             </a:fld>
             <a:endParaRPr lang="ru-RU"/>
           </a:p>
@@ -1980,7 +1980,7 @@
           <a:p>
             <a:fld id="{B53C3905-928B-4DA7-B7F4-744EDD307A99}" type="datetimeFigureOut">
               <a:rPr lang="ru-RU" smtClean="0"/>
-              <a:t>25.12.2020</a:t>
+              <a:t>27.12.2020</a:t>
             </a:fld>
             <a:endParaRPr lang="ru-RU"/>
           </a:p>
@@ -2093,7 +2093,7 @@
           <a:p>
             <a:fld id="{B53C3905-928B-4DA7-B7F4-744EDD307A99}" type="datetimeFigureOut">
               <a:rPr lang="ru-RU" smtClean="0"/>
-              <a:t>25.12.2020</a:t>
+              <a:t>27.12.2020</a:t>
             </a:fld>
             <a:endParaRPr lang="ru-RU"/>
           </a:p>
@@ -2404,7 +2404,7 @@
           <a:p>
             <a:fld id="{B53C3905-928B-4DA7-B7F4-744EDD307A99}" type="datetimeFigureOut">
               <a:rPr lang="ru-RU" smtClean="0"/>
-              <a:t>25.12.2020</a:t>
+              <a:t>27.12.2020</a:t>
             </a:fld>
             <a:endParaRPr lang="ru-RU"/>
           </a:p>
@@ -2692,7 +2692,7 @@
           <a:p>
             <a:fld id="{B53C3905-928B-4DA7-B7F4-744EDD307A99}" type="datetimeFigureOut">
               <a:rPr lang="ru-RU" smtClean="0"/>
-              <a:t>25.12.2020</a:t>
+              <a:t>27.12.2020</a:t>
             </a:fld>
             <a:endParaRPr lang="ru-RU"/>
           </a:p>
@@ -2933,7 +2933,7 @@
           <a:p>
             <a:fld id="{B53C3905-928B-4DA7-B7F4-744EDD307A99}" type="datetimeFigureOut">
               <a:rPr lang="ru-RU" smtClean="0"/>
-              <a:t>25.12.2020</a:t>
+              <a:t>27.12.2020</a:t>
             </a:fld>
             <a:endParaRPr lang="ru-RU"/>
           </a:p>
@@ -3509,8 +3509,8 @@
         </p:nvSpPr>
         <p:spPr>
           <a:xfrm>
-            <a:off x="2540988" y="2828835"/>
-            <a:ext cx="7110023" cy="1200329"/>
+            <a:off x="2214425" y="2828835"/>
+            <a:ext cx="7763152" cy="1200329"/>
           </a:xfrm>
           <a:prstGeom prst="rect">
             <a:avLst/>
@@ -3545,7 +3545,7 @@
             <a:pPr algn="ctr"/>
             <a:r>
               <a:rPr lang="ru-RU" sz="2400" dirty="0"/>
-              <a:t>делаем вывод, что галактики находятся за </a:t>
+              <a:t>делаем вывод, что планетарные туманности находятся за </a:t>
             </a:r>
           </a:p>
           <a:p>
@@ -4322,7 +4322,7 @@
         </p:nvSpPr>
         <p:spPr>
           <a:xfrm>
-            <a:off x="3136429" y="1589650"/>
+            <a:off x="3136429" y="248530"/>
             <a:ext cx="5919140" cy="523220"/>
           </a:xfrm>
           <a:prstGeom prst="rect">
@@ -4365,14 +4365,14 @@
               <p:nvPr>
                 <p:extLst>
                   <p:ext uri="{D42A27DB-BD31-4B8C-83A1-F6EECF244321}">
-                    <p14:modId xmlns:p14="http://schemas.microsoft.com/office/powerpoint/2010/main" val="486737270"/>
+                    <p14:modId xmlns:p14="http://schemas.microsoft.com/office/powerpoint/2010/main" val="2140448596"/>
                   </p:ext>
                 </p:extLst>
               </p:nvPr>
             </p:nvGraphicFramePr>
             <p:xfrm>
-              <a:off x="3278983" y="2201458"/>
-              <a:ext cx="5553068" cy="3005932"/>
+              <a:off x="3404523" y="860338"/>
+              <a:ext cx="5382951" cy="5369780"/>
             </p:xfrm>
             <a:graphic>
               <a:graphicData uri="http://schemas.openxmlformats.org/drawingml/2006/table">
@@ -4381,21 +4381,21 @@
                     <a:tableStyleId>{5C22544A-7EE6-4342-B048-85BDC9FD1C3A}</a:tableStyleId>
                   </a:tblPr>
                   <a:tblGrid>
-                    <a:gridCol w="1581405">
+                    <a:gridCol w="1590929">
                       <a:extLst>
                         <a:ext uri="{9D8B030D-6E8A-4147-A177-3AD203B41FA5}">
                           <a16:colId xmlns:a16="http://schemas.microsoft.com/office/drawing/2014/main" val="583403390"/>
                         </a:ext>
                       </a:extLst>
                     </a:gridCol>
-                    <a:gridCol w="655984">
+                    <a:gridCol w="738280">
                       <a:extLst>
                         <a:ext uri="{9D8B030D-6E8A-4147-A177-3AD203B41FA5}">
                           <a16:colId xmlns:a16="http://schemas.microsoft.com/office/drawing/2014/main" val="2889791689"/>
                         </a:ext>
                       </a:extLst>
                     </a:gridCol>
-                    <a:gridCol w="1485075">
+                    <a:gridCol w="1223138">
                       <a:extLst>
                         <a:ext uri="{9D8B030D-6E8A-4147-A177-3AD203B41FA5}">
                           <a16:colId xmlns:a16="http://schemas.microsoft.com/office/drawing/2014/main" val="2629724892"/>
@@ -4519,7 +4519,28 @@
                               <a:effectLst/>
                               <a:latin typeface="+mn-lt"/>
                             </a:rPr>
-                            <a:t> (</a:t>
+                            <a:t> </a:t>
+                          </a:r>
+                          <a:r>
+                            <a:rPr lang="ru-RU" sz="1500" u="none" strike="noStrike" dirty="0">
+                              <a:effectLst/>
+                              <a:latin typeface="+mn-lt"/>
+                            </a:rPr>
+                            <a:t>ионизации*</a:t>
+                          </a:r>
+                          <a:r>
+                            <a:rPr lang="ru-RU" sz="1500" u="none" strike="noStrike" baseline="0" dirty="0">
+                              <a:effectLst/>
+                              <a:latin typeface="+mn-lt"/>
+                            </a:rPr>
+                            <a:t> </a:t>
+                          </a:r>
+                          <a:r>
+                            <a:rPr lang="en-US" sz="1500" u="none" strike="noStrike" dirty="0">
+                              <a:effectLst/>
+                              <a:latin typeface="+mn-lt"/>
+                            </a:rPr>
+                            <a:t>(</a:t>
                           </a:r>
                           <a14:m>
                             <m:oMath xmlns:m="http://schemas.openxmlformats.org/officeDocument/2006/math">
@@ -4729,13 +4750,13 @@
                         <a:p>
                           <a:pPr algn="ctr" fontAlgn="ctr"/>
                           <a:r>
-                            <a:rPr lang="ru-RU" sz="1500" u="none" strike="noStrike">
+                            <a:rPr lang="ru-RU" sz="1500" u="none" strike="noStrike" dirty="0">
                               <a:effectLst/>
                               <a:latin typeface="+mn-lt"/>
                             </a:rPr>
                             <a:t>6087</a:t>
                           </a:r>
-                          <a:endParaRPr lang="ru-RU" sz="1500" b="0" i="0" u="none" strike="noStrike">
+                          <a:endParaRPr lang="ru-RU" sz="1500" b="0" i="0" u="none" strike="noStrike" dirty="0">
                             <a:solidFill>
                               <a:srgbClr val="000000"/>
                             </a:solidFill>
@@ -4846,72 +4867,76 @@
                         <a:bodyPr/>
                         <a:lstStyle/>
                         <a:p>
+                          <a:pPr marL="0" marR="0" lvl="0" indent="0" algn="ctr" defTabSz="914400" rtl="0" eaLnBrk="1" fontAlgn="t" latinLnBrk="0" hangingPunct="1">
+                            <a:lnSpc>
+                              <a:spcPct val="100000"/>
+                            </a:lnSpc>
+                            <a:spcBef>
+                              <a:spcPts val="0"/>
+                            </a:spcBef>
+                            <a:spcAft>
+                              <a:spcPts val="0"/>
+                            </a:spcAft>
+                            <a:buClrTx/>
+                            <a:buSzTx/>
+                            <a:buFontTx/>
+                            <a:buNone/>
+                            <a:tabLst/>
+                            <a:defRPr/>
+                          </a:pPr>
+                          <a:r>
+                            <a:rPr lang="ru-RU" sz="1500" b="0" i="0" u="none" strike="noStrike" dirty="0">
+                              <a:solidFill>
+                                <a:srgbClr val="000000"/>
+                              </a:solidFill>
+                              <a:effectLst/>
+                              <a:latin typeface="+mn-lt"/>
+                              <a:ea typeface="Arial Unicode MS" panose="020B0604020202020204" pitchFamily="34" charset="-128"/>
+                            </a:rPr>
+                            <a:t>✗</a:t>
+                          </a:r>
+                        </a:p>
+                      </a:txBody>
+                      <a:tcPr marL="10016" marR="10016" marT="10016" marB="0" anchor="ctr"/>
+                    </a:tc>
+                    <a:tc>
+                      <a:txBody>
+                        <a:bodyPr/>
+                        <a:lstStyle/>
+                        <a:p>
+                          <a:pPr algn="ctr" fontAlgn="b"/>
+                          <a:r>
+                            <a:rPr lang="ru-RU" sz="1500" b="0" i="0" u="none" strike="noStrike" dirty="0">
+                              <a:solidFill>
+                                <a:srgbClr val="202122"/>
+                              </a:solidFill>
+                              <a:effectLst/>
+                              <a:latin typeface="+mn-lt"/>
+                              <a:ea typeface="Arial Unicode MS" panose="020B0604020202020204" pitchFamily="34" charset="-128"/>
+                            </a:rPr>
+                            <a:t>✗</a:t>
+                          </a:r>
+                        </a:p>
+                      </a:txBody>
+                      <a:tcPr marL="10016" marR="10016" marT="10016" marB="0" anchor="ctr"/>
+                    </a:tc>
+                    <a:tc>
+                      <a:txBody>
+                        <a:bodyPr/>
+                        <a:lstStyle/>
+                        <a:p>
                           <a:pPr algn="ctr" fontAlgn="t"/>
                           <a:r>
-                            <a:rPr lang="ru-RU" sz="1400" u="none" strike="noStrike" dirty="0">
-                              <a:effectLst/>
-                              <a:latin typeface="+mn-lt"/>
+                            <a:rPr lang="ru-RU" sz="1500" b="0" i="0" u="none" strike="noStrike" dirty="0">
+                              <a:solidFill>
+                                <a:srgbClr val="000000"/>
+                              </a:solidFill>
+                              <a:effectLst/>
+                              <a:latin typeface="+mn-lt"/>
+                              <a:ea typeface="Arial Unicode MS" panose="020B0604020202020204" pitchFamily="34" charset="-128"/>
                             </a:rPr>
                             <a:t>✗</a:t>
                           </a:r>
-                          <a:endParaRPr lang="ru-RU" sz="1400" b="0" i="0" u="none" strike="noStrike" dirty="0">
-                            <a:solidFill>
-                              <a:srgbClr val="000000"/>
-                            </a:solidFill>
-                            <a:effectLst/>
-                            <a:latin typeface="+mn-lt"/>
-                            <a:ea typeface="Arial Unicode MS" panose="020B0604020202020204" pitchFamily="34" charset="-128"/>
-                          </a:endParaRPr>
-                        </a:p>
-                      </a:txBody>
-                      <a:tcPr marL="10016" marR="10016" marT="10016" marB="0" anchor="ctr"/>
-                    </a:tc>
-                    <a:tc>
-                      <a:txBody>
-                        <a:bodyPr/>
-                        <a:lstStyle/>
-                        <a:p>
-                          <a:pPr algn="ctr" fontAlgn="b"/>
-                          <a:r>
-                            <a:rPr lang="ru-RU" sz="1300" u="none" strike="noStrike">
-                              <a:effectLst/>
-                              <a:latin typeface="+mn-lt"/>
-                            </a:rPr>
-                            <a:t>✗</a:t>
-                          </a:r>
-                          <a:endParaRPr lang="ru-RU" sz="1300" b="0" i="0" u="none" strike="noStrike">
-                            <a:solidFill>
-                              <a:srgbClr val="202122"/>
-                            </a:solidFill>
-                            <a:effectLst/>
-                            <a:latin typeface="+mn-lt"/>
-                            <a:ea typeface="Arial Unicode MS" panose="020B0604020202020204" pitchFamily="34" charset="-128"/>
-                          </a:endParaRPr>
-                        </a:p>
-                      </a:txBody>
-                      <a:tcPr marL="10016" marR="10016" marT="10016" marB="0" anchor="ctr"/>
-                    </a:tc>
-                    <a:tc>
-                      <a:txBody>
-                        <a:bodyPr/>
-                        <a:lstStyle/>
-                        <a:p>
-                          <a:pPr algn="ctr" fontAlgn="t"/>
-                          <a:r>
-                            <a:rPr lang="ru-RU" sz="1400" u="none" strike="noStrike" dirty="0">
-                              <a:effectLst/>
-                              <a:latin typeface="+mn-lt"/>
-                            </a:rPr>
-                            <a:t>✗</a:t>
-                          </a:r>
-                          <a:endParaRPr lang="ru-RU" sz="1400" b="0" i="0" u="none" strike="noStrike" dirty="0">
-                            <a:solidFill>
-                              <a:srgbClr val="000000"/>
-                            </a:solidFill>
-                            <a:effectLst/>
-                            <a:latin typeface="+mn-lt"/>
-                            <a:ea typeface="Arial Unicode MS" panose="020B0604020202020204" pitchFamily="34" charset="-128"/>
-                          </a:endParaRPr>
                         </a:p>
                       </a:txBody>
                       <a:tcPr marL="10016" marR="10016" marT="10016" marB="0" anchor="ctr"/>
@@ -4928,7 +4953,41 @@
                         <a:bodyPr/>
                         <a:lstStyle/>
                         <a:p>
-                          <a:pPr algn="ctr" fontAlgn="ctr"/>
+                          <a:pPr marL="0" marR="0" lvl="0" indent="0" algn="ctr" defTabSz="914400" rtl="0" eaLnBrk="1" fontAlgn="ctr" latinLnBrk="0" hangingPunct="1">
+                            <a:lnSpc>
+                              <a:spcPct val="100000"/>
+                            </a:lnSpc>
+                            <a:spcBef>
+                              <a:spcPts val="0"/>
+                            </a:spcBef>
+                            <a:spcAft>
+                              <a:spcPts val="0"/>
+                            </a:spcAft>
+                            <a:buClrTx/>
+                            <a:buSzTx/>
+                            <a:buFontTx/>
+                            <a:buNone/>
+                            <a:tabLst/>
+                            <a:defRPr/>
+                          </a:pPr>
+                          <a:r>
+                            <a:rPr lang="ru-RU" sz="1500" u="none" strike="noStrike" dirty="0">
+                              <a:effectLst/>
+                              <a:latin typeface="+mn-lt"/>
+                            </a:rPr>
+                            <a:t>6434</a:t>
+                          </a:r>
+                          <a:r>
+                            <a:rPr lang="en-US" sz="1500" b="0" i="0" u="none" strike="noStrike" dirty="0">
+                              <a:solidFill>
+                                <a:srgbClr val="000000"/>
+                              </a:solidFill>
+                              <a:effectLst/>
+                              <a:latin typeface="+mn-lt"/>
+                              <a:ea typeface="Arial Unicode MS" panose="020B0604020202020204" pitchFamily="34" charset="-128"/>
+                            </a:rPr>
+                            <a:t> / </a:t>
+                          </a:r>
                           <a:r>
                             <a:rPr lang="ru-RU" sz="1500" u="none" strike="noStrike" dirty="0">
                               <a:effectLst/>
@@ -5023,6 +5082,13 @@
                             </a:rPr>
                             <a:t>59.8</a:t>
                           </a:r>
+                          <a:r>
+                            <a:rPr lang="en-US" sz="1500" u="none" strike="noStrike" dirty="0">
+                              <a:effectLst/>
+                              <a:latin typeface="+mn-lt"/>
+                            </a:rPr>
+                            <a:t>1</a:t>
+                          </a:r>
                           <a:endParaRPr lang="ru-RU" sz="1500" b="0" i="0" u="none" strike="noStrike" dirty="0">
                             <a:solidFill>
                               <a:srgbClr val="000000"/>
@@ -5042,20 +5108,53 @@
                         <a:p>
                           <a:pPr algn="ctr" fontAlgn="t"/>
                           <a:r>
-                            <a:rPr lang="ru-RU" sz="1400" u="none" strike="noStrike" dirty="0">
-                              <a:effectLst/>
-                              <a:latin typeface="+mn-lt"/>
+                            <a:rPr lang="ru-RU" sz="1500" b="0" i="0" u="none" strike="noStrike" dirty="0">
+                              <a:solidFill>
+                                <a:srgbClr val="000000"/>
+                              </a:solidFill>
+                              <a:effectLst/>
+                              <a:latin typeface="+mn-lt"/>
+                              <a:ea typeface="Arial Unicode MS" panose="020B0604020202020204" pitchFamily="34" charset="-128"/>
                             </a:rPr>
                             <a:t>✗</a:t>
                           </a:r>
-                          <a:endParaRPr lang="ru-RU" sz="1400" b="0" i="0" u="none" strike="noStrike" dirty="0">
-                            <a:solidFill>
-                              <a:srgbClr val="000000"/>
-                            </a:solidFill>
-                            <a:effectLst/>
-                            <a:latin typeface="+mn-lt"/>
-                            <a:ea typeface="Arial Unicode MS" panose="020B0604020202020204" pitchFamily="34" charset="-128"/>
-                          </a:endParaRPr>
+                        </a:p>
+                      </a:txBody>
+                      <a:tcPr marL="10016" marR="10016" marT="10016" marB="0" anchor="ctr"/>
+                    </a:tc>
+                    <a:tc>
+                      <a:txBody>
+                        <a:bodyPr/>
+                        <a:lstStyle/>
+                        <a:p>
+                          <a:pPr marL="0" marR="0" lvl="0" indent="0" algn="ctr" defTabSz="914400" rtl="0" eaLnBrk="1" fontAlgn="t" latinLnBrk="0" hangingPunct="1">
+                            <a:lnSpc>
+                              <a:spcPct val="100000"/>
+                            </a:lnSpc>
+                            <a:spcBef>
+                              <a:spcPts val="0"/>
+                            </a:spcBef>
+                            <a:spcAft>
+                              <a:spcPts val="0"/>
+                            </a:spcAft>
+                            <a:buClrTx/>
+                            <a:buSzTx/>
+                            <a:buFontTx/>
+                            <a:buNone/>
+                            <a:tabLst/>
+                            <a:defRPr/>
+                          </a:pPr>
+                          <a:r>
+                            <a:rPr lang="ru-RU" sz="1500" b="0" i="0" u="none" strike="noStrike" dirty="0">
+                              <a:solidFill>
+                                <a:srgbClr val="000000"/>
+                              </a:solidFill>
+                              <a:effectLst/>
+                              <a:latin typeface="+mn-lt"/>
+                              <a:ea typeface="Arial Unicode MS" panose="020B0604020202020204" pitchFamily="34" charset="-128"/>
+                            </a:rPr>
+                            <a:t>✓</a:t>
+                          </a:r>
                         </a:p>
                       </a:txBody>
                       <a:tcPr marL="10016" marR="10016" marT="10016" marB="0" anchor="ctr"/>
@@ -5067,45 +5166,16 @@
                         <a:p>
                           <a:pPr algn="ctr" fontAlgn="t"/>
                           <a:r>
-                            <a:rPr lang="ru-RU" sz="1400" u="none" strike="noStrike" dirty="0">
-                              <a:effectLst/>
-                              <a:latin typeface="+mn-lt"/>
+                            <a:rPr lang="ru-RU" sz="1500" b="0" i="0" u="none" strike="noStrike" dirty="0">
+                              <a:solidFill>
+                                <a:srgbClr val="000000"/>
+                              </a:solidFill>
+                              <a:effectLst/>
+                              <a:latin typeface="+mn-lt"/>
+                              <a:ea typeface="Arial Unicode MS" panose="020B0604020202020204" pitchFamily="34" charset="-128"/>
                             </a:rPr>
                             <a:t>✗</a:t>
                           </a:r>
-                          <a:endParaRPr lang="ru-RU" sz="1400" b="0" i="0" u="none" strike="noStrike" dirty="0">
-                            <a:solidFill>
-                              <a:srgbClr val="000000"/>
-                            </a:solidFill>
-                            <a:effectLst/>
-                            <a:latin typeface="+mn-lt"/>
-                            <a:ea typeface="Arial Unicode MS" panose="020B0604020202020204" pitchFamily="34" charset="-128"/>
-                          </a:endParaRPr>
-                        </a:p>
-                      </a:txBody>
-                      <a:tcPr marL="10016" marR="10016" marT="10016" marB="0" anchor="ctr"/>
-                    </a:tc>
-                    <a:tc>
-                      <a:txBody>
-                        <a:bodyPr/>
-                        <a:lstStyle/>
-                        <a:p>
-                          <a:pPr algn="ctr" fontAlgn="t"/>
-                          <a:r>
-                            <a:rPr lang="ru-RU" sz="1400" u="none" strike="noStrike" dirty="0">
-                              <a:effectLst/>
-                              <a:latin typeface="+mn-lt"/>
-                            </a:rPr>
-                            <a:t>✗</a:t>
-                          </a:r>
-                          <a:endParaRPr lang="ru-RU" sz="1400" b="0" i="0" u="none" strike="noStrike" dirty="0">
-                            <a:solidFill>
-                              <a:srgbClr val="000000"/>
-                            </a:solidFill>
-                            <a:effectLst/>
-                            <a:latin typeface="+mn-lt"/>
-                            <a:ea typeface="Arial Unicode MS" panose="020B0604020202020204" pitchFamily="34" charset="-128"/>
-                          </a:endParaRPr>
                         </a:p>
                       </a:txBody>
                       <a:tcPr marL="10016" marR="10016" marT="10016" marB="0" anchor="ctr"/>
@@ -5128,203 +5198,9 @@
                               <a:effectLst/>
                               <a:latin typeface="+mn-lt"/>
                             </a:rPr>
-                            <a:t>6434</a:t>
+                            <a:t>6101</a:t>
                           </a:r>
                           <a:endParaRPr lang="ru-RU" sz="1500" b="0" i="0" u="none" strike="noStrike" dirty="0">
-                            <a:solidFill>
-                              <a:srgbClr val="000000"/>
-                            </a:solidFill>
-                            <a:effectLst/>
-                            <a:latin typeface="+mn-lt"/>
-                            <a:ea typeface="Arial Unicode MS" panose="020B0604020202020204" pitchFamily="34" charset="-128"/>
-                          </a:endParaRPr>
-                        </a:p>
-                      </a:txBody>
-                      <a:tcPr marL="10016" marR="10016" marT="10016" marB="0" anchor="ctr"/>
-                    </a:tc>
-                    <a:tc>
-                      <a:txBody>
-                        <a:bodyPr/>
-                        <a:lstStyle/>
-                        <a:p>
-                          <a:pPr algn="ctr" fontAlgn="ctr"/>
-                          <a14:m>
-                            <m:oMathPara xmlns:m="http://schemas.openxmlformats.org/officeDocument/2006/math">
-                              <m:oMathParaPr>
-                                <m:jc m:val="centerGroup"/>
-                              </m:oMathParaPr>
-                              <m:oMath xmlns:m="http://schemas.openxmlformats.org/officeDocument/2006/math">
-                                <m:r>
-                                  <a:rPr lang="en-US" sz="1500" i="1" u="none" strike="noStrike" dirty="0" smtClean="0">
-                                    <a:effectLst/>
-                                    <a:latin typeface="Cambria Math" panose="02040503050406030204" pitchFamily="18" charset="0"/>
-                                  </a:rPr>
-                                  <m:t> [</m:t>
-                                </m:r>
-                                <m:r>
-                                  <a:rPr lang="en-US" sz="1500" i="1" u="none" strike="noStrike" dirty="0" err="1">
-                                    <a:effectLst/>
-                                    <a:latin typeface="Cambria Math" panose="02040503050406030204" pitchFamily="18" charset="0"/>
-                                  </a:rPr>
-                                  <m:t>𝐴𝑟</m:t>
-                                </m:r>
-                                <m:r>
-                                  <a:rPr lang="en-US" sz="1500" i="1" u="none" strike="noStrike" dirty="0">
-                                    <a:effectLst/>
-                                    <a:latin typeface="Cambria Math" panose="02040503050406030204" pitchFamily="18" charset="0"/>
-                                  </a:rPr>
-                                  <m:t> </m:t>
-                                </m:r>
-                                <m:r>
-                                  <a:rPr lang="en-US" sz="1500" i="1" u="none" strike="noStrike" dirty="0">
-                                    <a:effectLst/>
-                                    <a:latin typeface="Cambria Math" panose="02040503050406030204" pitchFamily="18" charset="0"/>
-                                  </a:rPr>
-                                  <m:t>𝑉</m:t>
-                                </m:r>
-                                <m:r>
-                                  <a:rPr lang="en-US" sz="1500" i="1" u="none" strike="noStrike" dirty="0" smtClean="0">
-                                    <a:effectLst/>
-                                    <a:latin typeface="Cambria Math" panose="02040503050406030204" pitchFamily="18" charset="0"/>
-                                  </a:rPr>
-                                  <m:t>]</m:t>
-                                </m:r>
-                              </m:oMath>
-                            </m:oMathPara>
-                          </a14:m>
-                          <a:endParaRPr lang="en-US" sz="1500" b="0" i="0" u="none" strike="noStrike" dirty="0">
-                            <a:solidFill>
-                              <a:srgbClr val="000000"/>
-                            </a:solidFill>
-                            <a:effectLst/>
-                            <a:latin typeface="+mn-lt"/>
-                            <a:ea typeface="Arial Unicode MS" panose="020B0604020202020204" pitchFamily="34" charset="-128"/>
-                          </a:endParaRPr>
-                        </a:p>
-                      </a:txBody>
-                      <a:tcPr marL="10016" marR="10016" marT="10016" marB="0" anchor="ctr"/>
-                    </a:tc>
-                    <a:tc>
-                      <a:txBody>
-                        <a:bodyPr/>
-                        <a:lstStyle/>
-                        <a:p>
-                          <a:pPr algn="ctr" fontAlgn="ctr"/>
-                          <a:r>
-                            <a:rPr lang="ru-RU" sz="1500" u="none" strike="noStrike" dirty="0">
-                              <a:effectLst/>
-                              <a:latin typeface="+mn-lt"/>
-                            </a:rPr>
-                            <a:t>59.8</a:t>
-                          </a:r>
-                          <a:endParaRPr lang="ru-RU" sz="1500" b="0" i="0" u="none" strike="noStrike" dirty="0">
-                            <a:solidFill>
-                              <a:srgbClr val="000000"/>
-                            </a:solidFill>
-                            <a:effectLst/>
-                            <a:latin typeface="+mn-lt"/>
-                            <a:ea typeface="Arial Unicode MS" panose="020B0604020202020204" pitchFamily="34" charset="-128"/>
-                          </a:endParaRPr>
-                        </a:p>
-                      </a:txBody>
-                      <a:tcPr marL="10016" marR="10016" marT="10016" marB="0" anchor="ctr"/>
-                    </a:tc>
-                    <a:tc>
-                      <a:txBody>
-                        <a:bodyPr/>
-                        <a:lstStyle/>
-                        <a:p>
-                          <a:pPr algn="ctr" fontAlgn="t"/>
-                          <a:r>
-                            <a:rPr lang="ru-RU" sz="1400" u="none" strike="noStrike">
-                              <a:effectLst/>
-                              <a:latin typeface="+mn-lt"/>
-                            </a:rPr>
-                            <a:t>✗</a:t>
-                          </a:r>
-                          <a:endParaRPr lang="ru-RU" sz="1400" b="0" i="0" u="none" strike="noStrike">
-                            <a:solidFill>
-                              <a:srgbClr val="000000"/>
-                            </a:solidFill>
-                            <a:effectLst/>
-                            <a:latin typeface="+mn-lt"/>
-                            <a:ea typeface="Arial Unicode MS" panose="020B0604020202020204" pitchFamily="34" charset="-128"/>
-                          </a:endParaRPr>
-                        </a:p>
-                      </a:txBody>
-                      <a:tcPr marL="10016" marR="10016" marT="10016" marB="0" anchor="ctr"/>
-                    </a:tc>
-                    <a:tc>
-                      <a:txBody>
-                        <a:bodyPr/>
-                        <a:lstStyle/>
-                        <a:p>
-                          <a:pPr algn="ctr" fontAlgn="t"/>
-                          <a:r>
-                            <a:rPr lang="ru-RU" sz="1400" u="none" strike="noStrike">
-                              <a:effectLst/>
-                              <a:latin typeface="+mn-lt"/>
-                            </a:rPr>
-                            <a:t>✗</a:t>
-                          </a:r>
-                          <a:endParaRPr lang="ru-RU" sz="1400" b="0" i="0" u="none" strike="noStrike">
-                            <a:solidFill>
-                              <a:srgbClr val="000000"/>
-                            </a:solidFill>
-                            <a:effectLst/>
-                            <a:latin typeface="+mn-lt"/>
-                            <a:ea typeface="Arial Unicode MS" panose="020B0604020202020204" pitchFamily="34" charset="-128"/>
-                          </a:endParaRPr>
-                        </a:p>
-                      </a:txBody>
-                      <a:tcPr marL="10016" marR="10016" marT="10016" marB="0" anchor="ctr"/>
-                    </a:tc>
-                    <a:tc>
-                      <a:txBody>
-                        <a:bodyPr/>
-                        <a:lstStyle/>
-                        <a:p>
-                          <a:pPr algn="ctr" fontAlgn="t"/>
-                          <a:r>
-                            <a:rPr lang="ru-RU" sz="1400" u="none" strike="noStrike" dirty="0">
-                              <a:effectLst/>
-                              <a:latin typeface="+mn-lt"/>
-                            </a:rPr>
-                            <a:t>✗</a:t>
-                          </a:r>
-                          <a:endParaRPr lang="ru-RU" sz="1400" b="0" i="0" u="none" strike="noStrike" dirty="0">
-                            <a:solidFill>
-                              <a:srgbClr val="000000"/>
-                            </a:solidFill>
-                            <a:effectLst/>
-                            <a:latin typeface="+mn-lt"/>
-                            <a:ea typeface="Arial Unicode MS" panose="020B0604020202020204" pitchFamily="34" charset="-128"/>
-                          </a:endParaRPr>
-                        </a:p>
-                      </a:txBody>
-                      <a:tcPr marL="10016" marR="10016" marT="10016" marB="0" anchor="ctr"/>
-                    </a:tc>
-                    <a:extLst>
-                      <a:ext uri="{0D108BD9-81ED-4DB2-BD59-A6C34878D82A}">
-                        <a16:rowId xmlns:a16="http://schemas.microsoft.com/office/drawing/2014/main" val="1096786220"/>
-                      </a:ext>
-                    </a:extLst>
-                  </a:tr>
-                  <a:tr h="280445">
-                    <a:tc>
-                      <a:txBody>
-                        <a:bodyPr/>
-                        <a:lstStyle/>
-                        <a:p>
-                          <a:pPr algn="ctr" fontAlgn="ctr"/>
-                          <a:r>
-                            <a:rPr lang="ru-RU" sz="1500" u="none" strike="noStrike">
-                              <a:effectLst/>
-                              <a:latin typeface="+mn-lt"/>
-                            </a:rPr>
-                            <a:t>6101</a:t>
-                          </a:r>
-                          <a:endParaRPr lang="ru-RU" sz="1500" b="0" i="0" u="none" strike="noStrike">
                             <a:solidFill>
                               <a:srgbClr val="000000"/>
                             </a:solidFill>
@@ -5411,6 +5287,13 @@
                             </a:rPr>
                             <a:t>45.7</a:t>
                           </a:r>
+                          <a:r>
+                            <a:rPr lang="en-US" sz="1500" u="none" strike="noStrike" dirty="0">
+                              <a:effectLst/>
+                              <a:latin typeface="+mn-lt"/>
+                            </a:rPr>
+                            <a:t>2</a:t>
+                          </a:r>
                           <a:endParaRPr lang="ru-RU" sz="1500" b="0" i="0" u="none" strike="noStrike" dirty="0">
                             <a:solidFill>
                               <a:srgbClr val="000000"/>
@@ -5430,13 +5313,87 @@
                         <a:p>
                           <a:pPr algn="ctr" fontAlgn="t"/>
                           <a:r>
-                            <a:rPr lang="ru-RU" sz="1400" u="none" strike="noStrike">
-                              <a:effectLst/>
-                              <a:latin typeface="+mn-lt"/>
+                            <a:rPr lang="ru-RU" sz="1500" b="0" i="0" u="none" strike="noStrike" dirty="0">
+                              <a:solidFill>
+                                <a:srgbClr val="000000"/>
+                              </a:solidFill>
+                              <a:effectLst/>
+                              <a:latin typeface="+mn-lt"/>
+                              <a:ea typeface="Arial Unicode MS" panose="020B0604020202020204" pitchFamily="34" charset="-128"/>
                             </a:rPr>
                             <a:t>✗</a:t>
                           </a:r>
-                          <a:endParaRPr lang="ru-RU" sz="1400" b="0" i="0" u="none" strike="noStrike">
+                        </a:p>
+                      </a:txBody>
+                      <a:tcPr marL="10016" marR="10016" marT="10016" marB="0" anchor="ctr"/>
+                    </a:tc>
+                    <a:tc>
+                      <a:txBody>
+                        <a:bodyPr/>
+                        <a:lstStyle/>
+                        <a:p>
+                          <a:pPr algn="ctr" fontAlgn="t"/>
+                          <a:r>
+                            <a:rPr lang="ru-RU" sz="1500" b="0" i="0" u="none" strike="noStrike" dirty="0">
+                              <a:solidFill>
+                                <a:srgbClr val="000000"/>
+                              </a:solidFill>
+                              <a:effectLst/>
+                              <a:latin typeface="+mn-lt"/>
+                              <a:ea typeface="Arial Unicode MS" panose="020B0604020202020204" pitchFamily="34" charset="-128"/>
+                            </a:rPr>
+                            <a:t>✗</a:t>
+                          </a:r>
+                        </a:p>
+                      </a:txBody>
+                      <a:tcPr marL="10016" marR="10016" marT="10016" marB="0" anchor="ctr"/>
+                    </a:tc>
+                    <a:tc>
+                      <a:txBody>
+                        <a:bodyPr/>
+                        <a:lstStyle/>
+                        <a:p>
+                          <a:pPr algn="ctr" fontAlgn="t"/>
+                          <a:r>
+                            <a:rPr lang="ru-RU" sz="1500" b="0" i="0" u="none" strike="noStrike" dirty="0">
+                              <a:solidFill>
+                                <a:srgbClr val="000000"/>
+                              </a:solidFill>
+                              <a:effectLst/>
+                              <a:latin typeface="+mn-lt"/>
+                              <a:ea typeface="Arial Unicode MS" panose="020B0604020202020204" pitchFamily="34" charset="-128"/>
+                            </a:rPr>
+                            <a:t>✗</a:t>
+                          </a:r>
+                        </a:p>
+                      </a:txBody>
+                      <a:tcPr marL="10016" marR="10016" marT="10016" marB="0" anchor="ctr"/>
+                    </a:tc>
+                    <a:extLst>
+                      <a:ext uri="{0D108BD9-81ED-4DB2-BD59-A6C34878D82A}">
+                        <a16:rowId xmlns:a16="http://schemas.microsoft.com/office/drawing/2014/main" val="105425780"/>
+                      </a:ext>
+                    </a:extLst>
+                  </a:tr>
+                  <a:tr h="280445">
+                    <a:tc>
+                      <a:txBody>
+                        <a:bodyPr/>
+                        <a:lstStyle/>
+                        <a:p>
+                          <a:pPr algn="ctr" fontAlgn="ctr"/>
+                          <a:r>
+                            <a:rPr lang="en-US" sz="1500" b="0" i="0" u="none" strike="noStrike" dirty="0">
+                              <a:solidFill>
+                                <a:srgbClr val="000000"/>
+                              </a:solidFill>
+                              <a:effectLst/>
+                              <a:latin typeface="+mn-lt"/>
+                              <a:ea typeface="Arial Unicode MS" panose="020B0604020202020204" pitchFamily="34" charset="-128"/>
+                            </a:rPr>
+                            <a:t>3869 / 3968</a:t>
+                          </a:r>
+                          <a:endParaRPr lang="ru-RU" sz="1500" b="0" i="0" u="none" strike="noStrike" dirty="0">
                             <a:solidFill>
                               <a:srgbClr val="000000"/>
                             </a:solidFill>
@@ -5453,15 +5410,72 @@
                         <a:bodyPr/>
                         <a:lstStyle/>
                         <a:p>
-                          <a:pPr algn="ctr" fontAlgn="t"/>
-                          <a:r>
-                            <a:rPr lang="ru-RU" sz="1400" u="none" strike="noStrike">
-                              <a:effectLst/>
-                              <a:latin typeface="+mn-lt"/>
-                            </a:rPr>
-                            <a:t>✗</a:t>
-                          </a:r>
-                          <a:endParaRPr lang="ru-RU" sz="1400" b="0" i="0" u="none" strike="noStrike">
+                          <a:pPr algn="ctr" fontAlgn="ctr"/>
+                          <a14:m>
+                            <m:oMathPara xmlns:m="http://schemas.openxmlformats.org/officeDocument/2006/math">
+                              <m:oMathParaPr>
+                                <m:jc m:val="centerGroup"/>
+                              </m:oMathParaPr>
+                              <m:oMath xmlns:m="http://schemas.openxmlformats.org/officeDocument/2006/math">
+                                <m:r>
+                                  <a:rPr lang="en-US" sz="1500" b="0" i="1" u="none" strike="noStrike" dirty="0" smtClean="0">
+                                    <a:solidFill>
+                                      <a:srgbClr val="000000"/>
+                                    </a:solidFill>
+                                    <a:effectLst/>
+                                    <a:latin typeface="Cambria Math" panose="02040503050406030204" pitchFamily="18" charset="0"/>
+                                    <a:ea typeface="Arial Unicode MS" panose="020B0604020202020204" pitchFamily="34" charset="-128"/>
+                                  </a:rPr>
+                                  <m:t> [</m:t>
+                                </m:r>
+                                <m:r>
+                                  <a:rPr lang="en-US" sz="1500" b="0" i="1" u="none" strike="noStrike" dirty="0" smtClean="0">
+                                    <a:solidFill>
+                                      <a:srgbClr val="000000"/>
+                                    </a:solidFill>
+                                    <a:effectLst/>
+                                    <a:latin typeface="Cambria Math" panose="02040503050406030204" pitchFamily="18" charset="0"/>
+                                    <a:ea typeface="Arial Unicode MS" panose="020B0604020202020204" pitchFamily="34" charset="-128"/>
+                                  </a:rPr>
+                                  <m:t>𝑁𝑒</m:t>
+                                </m:r>
+                                <m:r>
+                                  <a:rPr lang="en-US" sz="1500" b="0" i="1" u="none" strike="noStrike" dirty="0" smtClean="0">
+                                    <a:solidFill>
+                                      <a:srgbClr val="000000"/>
+                                    </a:solidFill>
+                                    <a:effectLst/>
+                                    <a:latin typeface="Cambria Math" panose="02040503050406030204" pitchFamily="18" charset="0"/>
+                                    <a:ea typeface="Arial Unicode MS" panose="020B0604020202020204" pitchFamily="34" charset="-128"/>
+                                  </a:rPr>
+                                  <m:t> </m:t>
+                                </m:r>
+                                <m:r>
+                                  <a:rPr lang="en-US" sz="1500" b="0" i="1" u="none" strike="noStrike" dirty="0" smtClean="0">
+                                    <a:solidFill>
+                                      <a:srgbClr val="000000"/>
+                                    </a:solidFill>
+                                    <a:effectLst/>
+                                    <a:latin typeface="Cambria Math" panose="02040503050406030204" pitchFamily="18" charset="0"/>
+                                    <a:ea typeface="Arial Unicode MS" panose="020B0604020202020204" pitchFamily="34" charset="-128"/>
+                                  </a:rPr>
+                                  <m:t>𝐼𝐼𝐼</m:t>
+                                </m:r>
+                                <m:r>
+                                  <a:rPr lang="en-US" sz="1500" b="0" i="1" u="none" strike="noStrike" dirty="0" smtClean="0">
+                                    <a:solidFill>
+                                      <a:srgbClr val="000000"/>
+                                    </a:solidFill>
+                                    <a:effectLst/>
+                                    <a:latin typeface="Cambria Math" panose="02040503050406030204" pitchFamily="18" charset="0"/>
+                                    <a:ea typeface="Arial Unicode MS" panose="020B0604020202020204" pitchFamily="34" charset="-128"/>
+                                  </a:rPr>
+                                  <m:t>]</m:t>
+                                </m:r>
+                              </m:oMath>
+                            </m:oMathPara>
+                          </a14:m>
+                          <a:endParaRPr lang="en-US" sz="1500" b="0" i="0" u="none" strike="noStrike" dirty="0">
                             <a:solidFill>
                               <a:srgbClr val="000000"/>
                             </a:solidFill>
@@ -5478,15 +5492,19 @@
                         <a:bodyPr/>
                         <a:lstStyle/>
                         <a:p>
-                          <a:pPr algn="ctr" fontAlgn="t"/>
-                          <a:r>
-                            <a:rPr lang="ru-RU" sz="1400" u="none" strike="noStrike" dirty="0">
-                              <a:effectLst/>
-                              <a:latin typeface="+mn-lt"/>
-                            </a:rPr>
-                            <a:t>✗</a:t>
-                          </a:r>
-                          <a:endParaRPr lang="ru-RU" sz="1400" b="0" i="0" u="none" strike="noStrike" dirty="0">
+                          <a:pPr algn="ctr" fontAlgn="ctr"/>
+                          <a:r>
+                            <a:rPr lang="en-US" sz="1500" b="0" i="0" u="none" strike="noStrike" dirty="0">
+                              <a:solidFill>
+                                <a:srgbClr val="000000"/>
+                              </a:solidFill>
+                              <a:effectLst/>
+                              <a:latin typeface="+mn-lt"/>
+                              <a:ea typeface="Arial Unicode MS" panose="020B0604020202020204" pitchFamily="34" charset="-128"/>
+                            </a:rPr>
+                            <a:t>40.962</a:t>
+                          </a:r>
+                          <a:endParaRPr lang="ru-RU" sz="1500" b="0" i="0" u="none" strike="noStrike" dirty="0">
                             <a:solidFill>
                               <a:srgbClr val="000000"/>
                             </a:solidFill>
@@ -5498,9 +5516,88 @@
                       </a:txBody>
                       <a:tcPr marL="10016" marR="10016" marT="10016" marB="0" anchor="ctr"/>
                     </a:tc>
+                    <a:tc>
+                      <a:txBody>
+                        <a:bodyPr/>
+                        <a:lstStyle/>
+                        <a:p>
+                          <a:pPr algn="ctr" fontAlgn="t"/>
+                          <a:r>
+                            <a:rPr lang="ru-RU" sz="1500" b="0" i="0" u="none" strike="noStrike" dirty="0">
+                              <a:solidFill>
+                                <a:srgbClr val="000000"/>
+                              </a:solidFill>
+                              <a:effectLst/>
+                              <a:latin typeface="+mn-lt"/>
+                              <a:ea typeface="Arial Unicode MS" panose="020B0604020202020204" pitchFamily="34" charset="-128"/>
+                            </a:rPr>
+                            <a:t>✓</a:t>
+                          </a:r>
+                        </a:p>
+                      </a:txBody>
+                      <a:tcPr marL="10016" marR="10016" marT="10016" marB="0" anchor="ctr"/>
+                    </a:tc>
+                    <a:tc>
+                      <a:txBody>
+                        <a:bodyPr/>
+                        <a:lstStyle/>
+                        <a:p>
+                          <a:pPr marL="0" marR="0" lvl="0" indent="0" algn="ctr" defTabSz="914400" rtl="0" eaLnBrk="1" fontAlgn="t" latinLnBrk="0" hangingPunct="1">
+                            <a:lnSpc>
+                              <a:spcPct val="100000"/>
+                            </a:lnSpc>
+                            <a:spcBef>
+                              <a:spcPts val="0"/>
+                            </a:spcBef>
+                            <a:spcAft>
+                              <a:spcPts val="0"/>
+                            </a:spcAft>
+                            <a:buClrTx/>
+                            <a:buSzTx/>
+                            <a:buFontTx/>
+                            <a:buNone/>
+                            <a:tabLst/>
+                            <a:defRPr/>
+                          </a:pPr>
+                          <a:r>
+                            <a:rPr lang="ru-RU" sz="1500" b="0" i="0" u="none" strike="noStrike" dirty="0">
+                              <a:solidFill>
+                                <a:srgbClr val="000000"/>
+                              </a:solidFill>
+                              <a:effectLst/>
+                              <a:latin typeface="+mn-lt"/>
+                              <a:ea typeface="Arial Unicode MS" panose="020B0604020202020204" pitchFamily="34" charset="-128"/>
+                            </a:rPr>
+                            <a:t>✓</a:t>
+                          </a:r>
+                        </a:p>
+                      </a:txBody>
+                      <a:tcPr marL="10016" marR="10016" marT="10016" marB="0" anchor="ctr"/>
+                    </a:tc>
+                    <a:tc>
+                      <a:txBody>
+                        <a:bodyPr/>
+                        <a:lstStyle/>
+                        <a:p>
+                          <a:pPr algn="ctr" fontAlgn="t"/>
+                          <a:r>
+                            <a:rPr lang="ru-RU" sz="1500" b="0" i="0" u="none" strike="noStrike" dirty="0">
+                              <a:solidFill>
+                                <a:srgbClr val="000000"/>
+                              </a:solidFill>
+                              <a:effectLst/>
+                              <a:latin typeface="+mn-lt"/>
+                              <a:ea typeface="Arial Unicode MS" panose="020B0604020202020204" pitchFamily="34" charset="-128"/>
+                            </a:rPr>
+                            <a:t>✓</a:t>
+                          </a:r>
+                        </a:p>
+                      </a:txBody>
+                      <a:tcPr marL="10016" marR="10016" marT="10016" marB="0" anchor="ctr"/>
+                    </a:tc>
                     <a:extLst>
                       <a:ext uri="{0D108BD9-81ED-4DB2-BD59-A6C34878D82A}">
-                        <a16:rowId xmlns:a16="http://schemas.microsoft.com/office/drawing/2014/main" val="105425780"/>
+                        <a16:rowId xmlns:a16="http://schemas.microsoft.com/office/drawing/2014/main" val="2296914025"/>
                       </a:ext>
                     </a:extLst>
                   </a:tr>
@@ -5512,13 +5609,17 @@
                         <a:p>
                           <a:pPr algn="ctr" fontAlgn="ctr"/>
                           <a:r>
-                            <a:rPr lang="ru-RU" sz="1500" u="none" strike="noStrike">
-                              <a:effectLst/>
-                              <a:latin typeface="+mn-lt"/>
-                            </a:rPr>
-                            <a:t>7531</a:t>
-                          </a:r>
-                          <a:endParaRPr lang="ru-RU" sz="1500" b="0" i="0" u="none" strike="noStrike">
+                            <a:rPr lang="en-US" sz="1500" b="0" i="0" u="none" strike="noStrike" dirty="0">
+                              <a:solidFill>
+                                <a:srgbClr val="000000"/>
+                              </a:solidFill>
+                              <a:effectLst/>
+                              <a:latin typeface="+mn-lt"/>
+                              <a:ea typeface="Arial Unicode MS" panose="020B0604020202020204" pitchFamily="34" charset="-128"/>
+                            </a:rPr>
+                            <a:t>4740 / 7236 / 7263</a:t>
+                          </a:r>
+                          <a:endParaRPr lang="ru-RU" sz="1500" b="0" i="0" u="none" strike="noStrike" dirty="0">
                             <a:solidFill>
                               <a:srgbClr val="000000"/>
                             </a:solidFill>
@@ -5526,6 +5627,227 @@
                             <a:latin typeface="+mn-lt"/>
                             <a:ea typeface="Arial Unicode MS" panose="020B0604020202020204" pitchFamily="34" charset="-128"/>
                           </a:endParaRPr>
+                        </a:p>
+                      </a:txBody>
+                      <a:tcPr marL="10016" marR="10016" marT="10016" marB="0" anchor="ctr"/>
+                    </a:tc>
+                    <a:tc>
+                      <a:txBody>
+                        <a:bodyPr/>
+                        <a:lstStyle/>
+                        <a:p>
+                          <a:pPr algn="ctr" fontAlgn="ctr"/>
+                          <a14:m>
+                            <m:oMathPara xmlns:m="http://schemas.openxmlformats.org/officeDocument/2006/math">
+                              <m:oMathParaPr>
+                                <m:jc m:val="centerGroup"/>
+                              </m:oMathParaPr>
+                              <m:oMath xmlns:m="http://schemas.openxmlformats.org/officeDocument/2006/math">
+                                <m:r>
+                                  <a:rPr lang="en-US" sz="1500" b="0" i="1" u="none" strike="noStrike" dirty="0" smtClean="0">
+                                    <a:solidFill>
+                                      <a:srgbClr val="000000"/>
+                                    </a:solidFill>
+                                    <a:effectLst/>
+                                    <a:latin typeface="Cambria Math" panose="02040503050406030204" pitchFamily="18" charset="0"/>
+                                    <a:ea typeface="Arial Unicode MS" panose="020B0604020202020204" pitchFamily="34" charset="-128"/>
+                                  </a:rPr>
+                                  <m:t> [</m:t>
+                                </m:r>
+                                <m:r>
+                                  <a:rPr lang="en-US" sz="1500" b="0" i="1" u="none" strike="noStrike" dirty="0" err="1" smtClean="0">
+                                    <a:solidFill>
+                                      <a:srgbClr val="000000"/>
+                                    </a:solidFill>
+                                    <a:effectLst/>
+                                    <a:latin typeface="Cambria Math" panose="02040503050406030204" pitchFamily="18" charset="0"/>
+                                    <a:ea typeface="Arial Unicode MS" panose="020B0604020202020204" pitchFamily="34" charset="-128"/>
+                                  </a:rPr>
+                                  <m:t>𝐴𝑟</m:t>
+                                </m:r>
+                                <m:r>
+                                  <a:rPr lang="en-US" sz="1500" b="0" i="1" u="none" strike="noStrike" dirty="0" smtClean="0">
+                                    <a:solidFill>
+                                      <a:srgbClr val="000000"/>
+                                    </a:solidFill>
+                                    <a:effectLst/>
+                                    <a:latin typeface="Cambria Math" panose="02040503050406030204" pitchFamily="18" charset="0"/>
+                                    <a:ea typeface="Arial Unicode MS" panose="020B0604020202020204" pitchFamily="34" charset="-128"/>
+                                  </a:rPr>
+                                  <m:t> </m:t>
+                                </m:r>
+                                <m:r>
+                                  <a:rPr lang="en-US" sz="1500" b="0" i="1" u="none" strike="noStrike" dirty="0" smtClean="0">
+                                    <a:solidFill>
+                                      <a:srgbClr val="000000"/>
+                                    </a:solidFill>
+                                    <a:effectLst/>
+                                    <a:latin typeface="Cambria Math" panose="02040503050406030204" pitchFamily="18" charset="0"/>
+                                    <a:ea typeface="Arial Unicode MS" panose="020B0604020202020204" pitchFamily="34" charset="-128"/>
+                                  </a:rPr>
+                                  <m:t>𝐼𝑉</m:t>
+                                </m:r>
+                                <m:r>
+                                  <a:rPr lang="en-US" sz="1500" b="0" i="1" u="none" strike="noStrike" dirty="0" smtClean="0">
+                                    <a:solidFill>
+                                      <a:srgbClr val="000000"/>
+                                    </a:solidFill>
+                                    <a:effectLst/>
+                                    <a:latin typeface="Cambria Math" panose="02040503050406030204" pitchFamily="18" charset="0"/>
+                                    <a:ea typeface="Arial Unicode MS" panose="020B0604020202020204" pitchFamily="34" charset="-128"/>
+                                  </a:rPr>
+                                  <m:t>]</m:t>
+                                </m:r>
+                              </m:oMath>
+                            </m:oMathPara>
+                          </a14:m>
+                          <a:endParaRPr lang="en-US" sz="1500" b="0" i="0" u="none" strike="noStrike" dirty="0">
+                            <a:solidFill>
+                              <a:srgbClr val="000000"/>
+                            </a:solidFill>
+                            <a:effectLst/>
+                            <a:latin typeface="+mn-lt"/>
+                            <a:ea typeface="Arial Unicode MS" panose="020B0604020202020204" pitchFamily="34" charset="-128"/>
+                          </a:endParaRPr>
+                        </a:p>
+                      </a:txBody>
+                      <a:tcPr marL="10016" marR="10016" marT="10016" marB="0" anchor="ctr"/>
+                    </a:tc>
+                    <a:tc>
+                      <a:txBody>
+                        <a:bodyPr/>
+                        <a:lstStyle/>
+                        <a:p>
+                          <a:pPr algn="ctr" fontAlgn="ctr"/>
+                          <a:r>
+                            <a:rPr lang="en-US" sz="1500" b="0" i="0" u="none" strike="noStrike" dirty="0">
+                              <a:solidFill>
+                                <a:srgbClr val="000000"/>
+                              </a:solidFill>
+                              <a:effectLst/>
+                              <a:latin typeface="+mn-lt"/>
+                              <a:ea typeface="Arial Unicode MS" panose="020B0604020202020204" pitchFamily="34" charset="-128"/>
+                            </a:rPr>
+                            <a:t>40.74</a:t>
+                          </a:r>
+                          <a:endParaRPr lang="ru-RU" sz="1500" b="0" i="0" u="none" strike="noStrike" dirty="0">
+                            <a:solidFill>
+                              <a:srgbClr val="000000"/>
+                            </a:solidFill>
+                            <a:effectLst/>
+                            <a:latin typeface="+mn-lt"/>
+                            <a:ea typeface="Arial Unicode MS" panose="020B0604020202020204" pitchFamily="34" charset="-128"/>
+                          </a:endParaRPr>
+                        </a:p>
+                      </a:txBody>
+                      <a:tcPr marL="10016" marR="10016" marT="10016" marB="0" anchor="ctr"/>
+                    </a:tc>
+                    <a:tc>
+                      <a:txBody>
+                        <a:bodyPr/>
+                        <a:lstStyle/>
+                        <a:p>
+                          <a:pPr algn="ctr" fontAlgn="t"/>
+                          <a:r>
+                            <a:rPr lang="ru-RU" sz="1500" b="0" i="0" u="none" strike="noStrike" dirty="0">
+                              <a:solidFill>
+                                <a:srgbClr val="000000"/>
+                              </a:solidFill>
+                              <a:effectLst/>
+                              <a:latin typeface="+mn-lt"/>
+                              <a:ea typeface="Arial Unicode MS" panose="020B0604020202020204" pitchFamily="34" charset="-128"/>
+                            </a:rPr>
+                            <a:t>✓</a:t>
+                          </a:r>
+                        </a:p>
+                      </a:txBody>
+                      <a:tcPr marL="10016" marR="10016" marT="10016" marB="0" anchor="ctr"/>
+                    </a:tc>
+                    <a:tc>
+                      <a:txBody>
+                        <a:bodyPr/>
+                        <a:lstStyle/>
+                        <a:p>
+                          <a:pPr marL="0" marR="0" lvl="0" indent="0" algn="ctr" defTabSz="914400" rtl="0" eaLnBrk="1" fontAlgn="t" latinLnBrk="0" hangingPunct="1">
+                            <a:lnSpc>
+                              <a:spcPct val="100000"/>
+                            </a:lnSpc>
+                            <a:spcBef>
+                              <a:spcPts val="0"/>
+                            </a:spcBef>
+                            <a:spcAft>
+                              <a:spcPts val="0"/>
+                            </a:spcAft>
+                            <a:buClrTx/>
+                            <a:buSzTx/>
+                            <a:buFontTx/>
+                            <a:buNone/>
+                            <a:tabLst/>
+                            <a:defRPr/>
+                          </a:pPr>
+                          <a:r>
+                            <a:rPr lang="ru-RU" sz="1500" b="0" i="0" u="none" strike="noStrike" dirty="0">
+                              <a:solidFill>
+                                <a:srgbClr val="000000"/>
+                              </a:solidFill>
+                              <a:effectLst/>
+                              <a:latin typeface="+mn-lt"/>
+                              <a:ea typeface="Arial Unicode MS" panose="020B0604020202020204" pitchFamily="34" charset="-128"/>
+                            </a:rPr>
+                            <a:t>✓</a:t>
+                          </a:r>
+                        </a:p>
+                      </a:txBody>
+                      <a:tcPr marL="10016" marR="10016" marT="10016" marB="0" anchor="ctr"/>
+                    </a:tc>
+                    <a:tc>
+                      <a:txBody>
+                        <a:bodyPr/>
+                        <a:lstStyle/>
+                        <a:p>
+                          <a:pPr algn="ctr" fontAlgn="t"/>
+                          <a:r>
+                            <a:rPr lang="ru-RU" sz="1500" b="0" i="0" u="none" strike="noStrike" dirty="0">
+                              <a:solidFill>
+                                <a:srgbClr val="000000"/>
+                              </a:solidFill>
+                              <a:effectLst/>
+                              <a:latin typeface="+mn-lt"/>
+                              <a:ea typeface="Arial Unicode MS" panose="020B0604020202020204" pitchFamily="34" charset="-128"/>
+                            </a:rPr>
+                            <a:t>✓</a:t>
+                          </a:r>
+                        </a:p>
+                      </a:txBody>
+                      <a:tcPr marL="10016" marR="10016" marT="10016" marB="0" anchor="ctr"/>
+                    </a:tc>
+                    <a:extLst>
+                      <a:ext uri="{0D108BD9-81ED-4DB2-BD59-A6C34878D82A}">
+                        <a16:rowId xmlns:a16="http://schemas.microsoft.com/office/drawing/2014/main" val="3978281421"/>
+                      </a:ext>
+                    </a:extLst>
+                  </a:tr>
+                  <a:tr h="280445">
+                    <a:tc>
+                      <a:txBody>
+                        <a:bodyPr/>
+                        <a:lstStyle/>
+                        <a:p>
+                          <a:pPr algn="ctr" fontAlgn="ctr"/>
+                          <a:r>
+                            <a:rPr lang="ru-RU" sz="1500" u="none" strike="noStrike" dirty="0">
+                              <a:effectLst/>
+                              <a:latin typeface="+mn-lt"/>
+                            </a:rPr>
+                            <a:t>7531</a:t>
+                          </a:r>
+                          <a:r>
+                            <a:rPr lang="en-US" sz="1500" u="none" strike="noStrike" dirty="0">
+                              <a:effectLst/>
+                              <a:latin typeface="+mn-lt"/>
+                            </a:rPr>
+                            <a:t> / 8046</a:t>
+                          </a:r>
                         </a:p>
                       </a:txBody>
                       <a:tcPr marL="10016" marR="10016" marT="10016" marB="0" anchor="ctr"/>
@@ -5599,118 +5921,18 @@
                         <a:p>
                           <a:pPr algn="ctr" fontAlgn="ctr"/>
                           <a:r>
-                            <a:rPr lang="ru-RU" sz="1500" u="none" strike="noStrike">
+                            <a:rPr lang="ru-RU" sz="1500" u="none" strike="noStrike" dirty="0">
                               <a:effectLst/>
                               <a:latin typeface="+mn-lt"/>
                             </a:rPr>
                             <a:t>39.6</a:t>
                           </a:r>
-                          <a:endParaRPr lang="ru-RU" sz="1500" b="0" i="0" u="none" strike="noStrike">
-                            <a:solidFill>
-                              <a:srgbClr val="000000"/>
-                            </a:solidFill>
-                            <a:effectLst/>
-                            <a:latin typeface="+mn-lt"/>
-                            <a:ea typeface="Arial Unicode MS" panose="020B0604020202020204" pitchFamily="34" charset="-128"/>
-                          </a:endParaRPr>
-                        </a:p>
-                      </a:txBody>
-                      <a:tcPr marL="10016" marR="10016" marT="10016" marB="0" anchor="ctr"/>
-                    </a:tc>
-                    <a:tc>
-                      <a:txBody>
-                        <a:bodyPr/>
-                        <a:lstStyle/>
-                        <a:p>
-                          <a:pPr algn="ctr" fontAlgn="t"/>
-                          <a:r>
-                            <a:rPr lang="ru-RU" sz="1400" u="none" strike="noStrike" dirty="0">
-                              <a:effectLst/>
-                              <a:latin typeface="+mn-lt"/>
-                            </a:rPr>
-                            <a:t>✗</a:t>
-                          </a:r>
-                          <a:endParaRPr lang="ru-RU" sz="1400" b="0" i="0" u="none" strike="noStrike" dirty="0">
-                            <a:solidFill>
-                              <a:srgbClr val="000000"/>
-                            </a:solidFill>
-                            <a:effectLst/>
-                            <a:latin typeface="+mn-lt"/>
-                            <a:ea typeface="Arial Unicode MS" panose="020B0604020202020204" pitchFamily="34" charset="-128"/>
-                          </a:endParaRPr>
-                        </a:p>
-                      </a:txBody>
-                      <a:tcPr marL="10016" marR="10016" marT="10016" marB="0" anchor="ctr"/>
-                    </a:tc>
-                    <a:tc>
-                      <a:txBody>
-                        <a:bodyPr/>
-                        <a:lstStyle/>
-                        <a:p>
-                          <a:pPr algn="ctr" fontAlgn="t"/>
-                          <a:r>
-                            <a:rPr lang="ru-RU" sz="1400" u="none" strike="noStrike">
-                              <a:effectLst/>
-                              <a:latin typeface="+mn-lt"/>
-                            </a:rPr>
-                            <a:t>✗</a:t>
-                          </a:r>
-                          <a:endParaRPr lang="ru-RU" sz="1400" b="0" i="0" u="none" strike="noStrike">
-                            <a:solidFill>
-                              <a:srgbClr val="000000"/>
-                            </a:solidFill>
-                            <a:effectLst/>
-                            <a:latin typeface="+mn-lt"/>
-                            <a:ea typeface="Arial Unicode MS" panose="020B0604020202020204" pitchFamily="34" charset="-128"/>
-                          </a:endParaRPr>
-                        </a:p>
-                      </a:txBody>
-                      <a:tcPr marL="10016" marR="10016" marT="10016" marB="0" anchor="ctr"/>
-                    </a:tc>
-                    <a:tc>
-                      <a:txBody>
-                        <a:bodyPr/>
-                        <a:lstStyle/>
-                        <a:p>
-                          <a:pPr algn="ctr" fontAlgn="t"/>
-                          <a:r>
-                            <a:rPr lang="ru-RU" sz="1400" u="none" strike="noStrike" dirty="0">
-                              <a:effectLst/>
-                              <a:latin typeface="+mn-lt"/>
-                            </a:rPr>
-                            <a:t>✗</a:t>
-                          </a:r>
-                          <a:endParaRPr lang="ru-RU" sz="1400" b="0" i="0" u="none" strike="noStrike" dirty="0">
-                            <a:solidFill>
-                              <a:srgbClr val="000000"/>
-                            </a:solidFill>
-                            <a:effectLst/>
-                            <a:latin typeface="+mn-lt"/>
-                            <a:ea typeface="Arial Unicode MS" panose="020B0604020202020204" pitchFamily="34" charset="-128"/>
-                          </a:endParaRPr>
-                        </a:p>
-                      </a:txBody>
-                      <a:tcPr marL="10016" marR="10016" marT="10016" marB="0" anchor="ctr"/>
-                    </a:tc>
-                    <a:extLst>
-                      <a:ext uri="{0D108BD9-81ED-4DB2-BD59-A6C34878D82A}">
-                        <a16:rowId xmlns:a16="http://schemas.microsoft.com/office/drawing/2014/main" val="2984982271"/>
-                      </a:ext>
-                    </a:extLst>
-                  </a:tr>
-                  <a:tr h="280445">
-                    <a:tc>
-                      <a:txBody>
-                        <a:bodyPr/>
-                        <a:lstStyle/>
-                        <a:p>
-                          <a:pPr algn="ctr" fontAlgn="ctr"/>
-                          <a:r>
-                            <a:rPr lang="ru-RU" sz="1500" u="none" strike="noStrike" dirty="0">
-                              <a:effectLst/>
-                              <a:latin typeface="+mn-lt"/>
-                            </a:rPr>
-                            <a:t>8046</a:t>
+                          <a:r>
+                            <a:rPr lang="en-US" sz="1500" u="none" strike="noStrike" dirty="0">
+                              <a:effectLst/>
+                              <a:latin typeface="+mn-lt"/>
+                            </a:rPr>
+                            <a:t>1</a:t>
                           </a:r>
                           <a:endParaRPr lang="ru-RU" sz="1500" b="0" i="0" u="none" strike="noStrike" dirty="0">
                             <a:solidFill>
@@ -5729,7 +5951,1864 @@
                         <a:bodyPr/>
                         <a:lstStyle/>
                         <a:p>
+                          <a:pPr algn="ctr" fontAlgn="t"/>
+                          <a:r>
+                            <a:rPr lang="ru-RU" sz="1500" b="0" i="0" u="none" strike="noStrike" dirty="0">
+                              <a:solidFill>
+                                <a:srgbClr val="000000"/>
+                              </a:solidFill>
+                              <a:effectLst/>
+                              <a:latin typeface="+mn-lt"/>
+                              <a:ea typeface="Arial Unicode MS" panose="020B0604020202020204" pitchFamily="34" charset="-128"/>
+                            </a:rPr>
+                            <a:t>✗</a:t>
+                          </a:r>
+                        </a:p>
+                      </a:txBody>
+                      <a:tcPr marL="10016" marR="10016" marT="10016" marB="0" anchor="ctr"/>
+                    </a:tc>
+                    <a:tc>
+                      <a:txBody>
+                        <a:bodyPr/>
+                        <a:lstStyle/>
+                        <a:p>
+                          <a:pPr algn="ctr" fontAlgn="t"/>
+                          <a:r>
+                            <a:rPr lang="ru-RU" sz="1500" b="0" i="0" u="none" strike="noStrike" dirty="0">
+                              <a:solidFill>
+                                <a:srgbClr val="000000"/>
+                              </a:solidFill>
+                              <a:effectLst/>
+                              <a:latin typeface="+mn-lt"/>
+                              <a:ea typeface="Arial Unicode MS" panose="020B0604020202020204" pitchFamily="34" charset="-128"/>
+                            </a:rPr>
+                            <a:t>✗</a:t>
+                          </a:r>
+                        </a:p>
+                      </a:txBody>
+                      <a:tcPr marL="10016" marR="10016" marT="10016" marB="0" anchor="ctr"/>
+                    </a:tc>
+                    <a:tc>
+                      <a:txBody>
+                        <a:bodyPr/>
+                        <a:lstStyle/>
+                        <a:p>
+                          <a:pPr algn="ctr" fontAlgn="t"/>
+                          <a:r>
+                            <a:rPr lang="ru-RU" sz="1500" b="0" i="0" u="none" strike="noStrike" dirty="0">
+                              <a:solidFill>
+                                <a:srgbClr val="000000"/>
+                              </a:solidFill>
+                              <a:effectLst/>
+                              <a:latin typeface="+mn-lt"/>
+                              <a:ea typeface="Arial Unicode MS" panose="020B0604020202020204" pitchFamily="34" charset="-128"/>
+                            </a:rPr>
+                            <a:t>✗</a:t>
+                          </a:r>
+                        </a:p>
+                      </a:txBody>
+                      <a:tcPr marL="10016" marR="10016" marT="10016" marB="0" anchor="ctr"/>
+                    </a:tc>
+                    <a:extLst>
+                      <a:ext uri="{0D108BD9-81ED-4DB2-BD59-A6C34878D82A}">
+                        <a16:rowId xmlns:a16="http://schemas.microsoft.com/office/drawing/2014/main" val="2984982271"/>
+                      </a:ext>
+                    </a:extLst>
+                  </a:tr>
+                  <a:tr h="280445">
+                    <a:tc>
+                      <a:txBody>
+                        <a:bodyPr/>
+                        <a:lstStyle/>
+                        <a:p>
                           <a:pPr algn="ctr" fontAlgn="ctr"/>
+                          <a:r>
+                            <a:rPr lang="en-US" sz="1500" u="none" strike="noStrike" dirty="0">
+                              <a:effectLst/>
+                              <a:latin typeface="+mn-lt"/>
+                            </a:rPr>
+                            <a:t>4363 / 4959 / 5007</a:t>
+                          </a:r>
+                        </a:p>
+                      </a:txBody>
+                      <a:tcPr marL="10016" marR="10016" marT="10016" marB="0" anchor="ctr"/>
+                    </a:tc>
+                    <a:tc>
+                      <a:txBody>
+                        <a:bodyPr/>
+                        <a:lstStyle/>
+                        <a:p>
+                          <a:pPr algn="ctr" fontAlgn="ctr"/>
+                          <a14:m>
+                            <m:oMathPara xmlns:m="http://schemas.openxmlformats.org/officeDocument/2006/math">
+                              <m:oMathParaPr>
+                                <m:jc m:val="centerGroup"/>
+                              </m:oMathParaPr>
+                              <m:oMath xmlns:m="http://schemas.openxmlformats.org/officeDocument/2006/math">
+                                <m:r>
+                                  <a:rPr lang="en-US" sz="1500" b="0" i="1" u="none" strike="noStrike" dirty="0" smtClean="0">
+                                    <a:solidFill>
+                                      <a:srgbClr val="000000"/>
+                                    </a:solidFill>
+                                    <a:effectLst/>
+                                    <a:latin typeface="Cambria Math" panose="02040503050406030204" pitchFamily="18" charset="0"/>
+                                    <a:ea typeface="Arial Unicode MS" panose="020B0604020202020204" pitchFamily="34" charset="-128"/>
+                                  </a:rPr>
+                                  <m:t> [</m:t>
+                                </m:r>
+                                <m:r>
+                                  <a:rPr lang="en-US" sz="1500" b="0" i="1" u="none" strike="noStrike" dirty="0" smtClean="0">
+                                    <a:solidFill>
+                                      <a:srgbClr val="000000"/>
+                                    </a:solidFill>
+                                    <a:effectLst/>
+                                    <a:latin typeface="Cambria Math" panose="02040503050406030204" pitchFamily="18" charset="0"/>
+                                    <a:ea typeface="Arial Unicode MS" panose="020B0604020202020204" pitchFamily="34" charset="-128"/>
+                                  </a:rPr>
+                                  <m:t>𝑂</m:t>
+                                </m:r>
+                                <m:r>
+                                  <a:rPr lang="en-US" sz="1500" b="0" i="1" u="none" strike="noStrike" dirty="0" smtClean="0">
+                                    <a:solidFill>
+                                      <a:srgbClr val="000000"/>
+                                    </a:solidFill>
+                                    <a:effectLst/>
+                                    <a:latin typeface="Cambria Math" panose="02040503050406030204" pitchFamily="18" charset="0"/>
+                                    <a:ea typeface="Arial Unicode MS" panose="020B0604020202020204" pitchFamily="34" charset="-128"/>
+                                  </a:rPr>
+                                  <m:t> </m:t>
+                                </m:r>
+                                <m:r>
+                                  <a:rPr lang="en-US" sz="1500" b="0" i="1" u="none" strike="noStrike" dirty="0" smtClean="0">
+                                    <a:solidFill>
+                                      <a:srgbClr val="000000"/>
+                                    </a:solidFill>
+                                    <a:effectLst/>
+                                    <a:latin typeface="Cambria Math" panose="02040503050406030204" pitchFamily="18" charset="0"/>
+                                    <a:ea typeface="Arial Unicode MS" panose="020B0604020202020204" pitchFamily="34" charset="-128"/>
+                                  </a:rPr>
+                                  <m:t>𝐼𝐼𝐼</m:t>
+                                </m:r>
+                                <m:r>
+                                  <a:rPr lang="en-US" sz="1500" b="0" i="1" u="none" strike="noStrike" dirty="0" smtClean="0">
+                                    <a:solidFill>
+                                      <a:srgbClr val="000000"/>
+                                    </a:solidFill>
+                                    <a:effectLst/>
+                                    <a:latin typeface="Cambria Math" panose="02040503050406030204" pitchFamily="18" charset="0"/>
+                                    <a:ea typeface="Arial Unicode MS" panose="020B0604020202020204" pitchFamily="34" charset="-128"/>
+                                  </a:rPr>
+                                  <m:t>]</m:t>
+                                </m:r>
+                              </m:oMath>
+                            </m:oMathPara>
+                          </a14:m>
+                          <a:endParaRPr lang="en-US" sz="1500" b="0" i="0" u="none" strike="noStrike" dirty="0">
+                            <a:solidFill>
+                              <a:srgbClr val="000000"/>
+                            </a:solidFill>
+                            <a:effectLst/>
+                            <a:latin typeface="+mn-lt"/>
+                            <a:ea typeface="Arial Unicode MS" panose="020B0604020202020204" pitchFamily="34" charset="-128"/>
+                          </a:endParaRPr>
+                        </a:p>
+                      </a:txBody>
+                      <a:tcPr marL="10016" marR="10016" marT="10016" marB="0" anchor="ctr"/>
+                    </a:tc>
+                    <a:tc>
+                      <a:txBody>
+                        <a:bodyPr/>
+                        <a:lstStyle/>
+                        <a:p>
+                          <a:pPr algn="ctr" fontAlgn="ctr"/>
+                          <a:r>
+                            <a:rPr lang="en-US" sz="1500" b="0" i="0" u="none" strike="noStrike" dirty="0">
+                              <a:solidFill>
+                                <a:srgbClr val="000000"/>
+                              </a:solidFill>
+                              <a:effectLst/>
+                              <a:latin typeface="+mn-lt"/>
+                              <a:ea typeface="Arial Unicode MS" panose="020B0604020202020204" pitchFamily="34" charset="-128"/>
+                            </a:rPr>
+                            <a:t>35.116</a:t>
+                          </a:r>
+                          <a:endParaRPr lang="ru-RU" sz="1500" b="0" i="0" u="none" strike="noStrike" dirty="0">
+                            <a:solidFill>
+                              <a:srgbClr val="000000"/>
+                            </a:solidFill>
+                            <a:effectLst/>
+                            <a:latin typeface="+mn-lt"/>
+                            <a:ea typeface="Arial Unicode MS" panose="020B0604020202020204" pitchFamily="34" charset="-128"/>
+                          </a:endParaRPr>
+                        </a:p>
+                      </a:txBody>
+                      <a:tcPr marL="10016" marR="10016" marT="10016" marB="0" anchor="ctr"/>
+                    </a:tc>
+                    <a:tc>
+                      <a:txBody>
+                        <a:bodyPr/>
+                        <a:lstStyle/>
+                        <a:p>
+                          <a:pPr marL="0" marR="0" lvl="0" indent="0" algn="ctr" defTabSz="914400" rtl="0" eaLnBrk="1" fontAlgn="t" latinLnBrk="0" hangingPunct="1">
+                            <a:lnSpc>
+                              <a:spcPct val="100000"/>
+                            </a:lnSpc>
+                            <a:spcBef>
+                              <a:spcPts val="0"/>
+                            </a:spcBef>
+                            <a:spcAft>
+                              <a:spcPts val="0"/>
+                            </a:spcAft>
+                            <a:buClrTx/>
+                            <a:buSzTx/>
+                            <a:buFontTx/>
+                            <a:buNone/>
+                            <a:tabLst/>
+                            <a:defRPr/>
+                          </a:pPr>
+                          <a:r>
+                            <a:rPr lang="ru-RU" sz="1500" b="0" i="0" u="none" strike="noStrike" dirty="0">
+                              <a:solidFill>
+                                <a:srgbClr val="000000"/>
+                              </a:solidFill>
+                              <a:effectLst/>
+                              <a:latin typeface="+mn-lt"/>
+                              <a:ea typeface="Arial Unicode MS" panose="020B0604020202020204" pitchFamily="34" charset="-128"/>
+                            </a:rPr>
+                            <a:t>✓</a:t>
+                          </a:r>
+                        </a:p>
+                      </a:txBody>
+                      <a:tcPr marL="10016" marR="10016" marT="10016" marB="0" anchor="ctr"/>
+                    </a:tc>
+                    <a:tc>
+                      <a:txBody>
+                        <a:bodyPr/>
+                        <a:lstStyle/>
+                        <a:p>
+                          <a:pPr marL="0" marR="0" lvl="0" indent="0" algn="ctr" defTabSz="914400" rtl="0" eaLnBrk="1" fontAlgn="t" latinLnBrk="0" hangingPunct="1">
+                            <a:lnSpc>
+                              <a:spcPct val="100000"/>
+                            </a:lnSpc>
+                            <a:spcBef>
+                              <a:spcPts val="0"/>
+                            </a:spcBef>
+                            <a:spcAft>
+                              <a:spcPts val="0"/>
+                            </a:spcAft>
+                            <a:buClrTx/>
+                            <a:buSzTx/>
+                            <a:buFontTx/>
+                            <a:buNone/>
+                            <a:tabLst/>
+                            <a:defRPr/>
+                          </a:pPr>
+                          <a:r>
+                            <a:rPr lang="ru-RU" sz="1500" b="0" i="0" u="none" strike="noStrike" dirty="0">
+                              <a:solidFill>
+                                <a:srgbClr val="000000"/>
+                              </a:solidFill>
+                              <a:effectLst/>
+                              <a:latin typeface="+mn-lt"/>
+                              <a:ea typeface="Arial Unicode MS" panose="020B0604020202020204" pitchFamily="34" charset="-128"/>
+                            </a:rPr>
+                            <a:t>✓</a:t>
+                          </a:r>
+                        </a:p>
+                      </a:txBody>
+                      <a:tcPr marL="10016" marR="10016" marT="10016" marB="0" anchor="ctr"/>
+                    </a:tc>
+                    <a:tc>
+                      <a:txBody>
+                        <a:bodyPr/>
+                        <a:lstStyle/>
+                        <a:p>
+                          <a:pPr algn="ctr" fontAlgn="t"/>
+                          <a:r>
+                            <a:rPr lang="ru-RU" sz="1500" b="0" i="0" u="none" strike="noStrike" dirty="0">
+                              <a:solidFill>
+                                <a:srgbClr val="000000"/>
+                              </a:solidFill>
+                              <a:effectLst/>
+                              <a:latin typeface="+mn-lt"/>
+                              <a:ea typeface="Arial Unicode MS" panose="020B0604020202020204" pitchFamily="34" charset="-128"/>
+                            </a:rPr>
+                            <a:t>✓</a:t>
+                          </a:r>
+                        </a:p>
+                      </a:txBody>
+                      <a:tcPr marL="10016" marR="10016" marT="10016" marB="0" anchor="ctr"/>
+                    </a:tc>
+                    <a:extLst>
+                      <a:ext uri="{0D108BD9-81ED-4DB2-BD59-A6C34878D82A}">
+                        <a16:rowId xmlns:a16="http://schemas.microsoft.com/office/drawing/2014/main" val="3379956036"/>
+                      </a:ext>
+                    </a:extLst>
+                  </a:tr>
+                  <a:tr h="280445">
+                    <a:tc>
+                      <a:txBody>
+                        <a:bodyPr/>
+                        <a:lstStyle/>
+                        <a:p>
+                          <a:pPr algn="ctr" fontAlgn="ctr"/>
+                          <a:r>
+                            <a:rPr lang="en-US" sz="1500" u="none" strike="noStrike" dirty="0">
+                              <a:effectLst/>
+                              <a:latin typeface="+mn-lt"/>
+                            </a:rPr>
+                            <a:t>7135 / 7751</a:t>
+                          </a:r>
+                        </a:p>
+                      </a:txBody>
+                      <a:tcPr marL="10016" marR="10016" marT="10016" marB="0" anchor="ctr"/>
+                    </a:tc>
+                    <a:tc>
+                      <a:txBody>
+                        <a:bodyPr/>
+                        <a:lstStyle/>
+                        <a:p>
+                          <a:pPr algn="ctr" fontAlgn="ctr"/>
+                          <a14:m>
+                            <m:oMathPara xmlns:m="http://schemas.openxmlformats.org/officeDocument/2006/math">
+                              <m:oMathParaPr>
+                                <m:jc m:val="centerGroup"/>
+                              </m:oMathParaPr>
+                              <m:oMath xmlns:m="http://schemas.openxmlformats.org/officeDocument/2006/math">
+                                <m:r>
+                                  <a:rPr lang="en-US" sz="1500" b="0" i="1" u="none" strike="noStrike" dirty="0" smtClean="0">
+                                    <a:solidFill>
+                                      <a:srgbClr val="000000"/>
+                                    </a:solidFill>
+                                    <a:effectLst/>
+                                    <a:latin typeface="Cambria Math" panose="02040503050406030204" pitchFamily="18" charset="0"/>
+                                    <a:ea typeface="Arial Unicode MS" panose="020B0604020202020204" pitchFamily="34" charset="-128"/>
+                                  </a:rPr>
+                                  <m:t> [</m:t>
+                                </m:r>
+                                <m:r>
+                                  <a:rPr lang="en-US" sz="1500" b="0" i="1" u="none" strike="noStrike" dirty="0" err="1" smtClean="0">
+                                    <a:solidFill>
+                                      <a:srgbClr val="000000"/>
+                                    </a:solidFill>
+                                    <a:effectLst/>
+                                    <a:latin typeface="Cambria Math" panose="02040503050406030204" pitchFamily="18" charset="0"/>
+                                    <a:ea typeface="Arial Unicode MS" panose="020B0604020202020204" pitchFamily="34" charset="-128"/>
+                                  </a:rPr>
+                                  <m:t>𝐴𝑟</m:t>
+                                </m:r>
+                                <m:r>
+                                  <a:rPr lang="en-US" sz="1500" b="0" i="1" u="none" strike="noStrike" dirty="0" smtClean="0">
+                                    <a:solidFill>
+                                      <a:srgbClr val="000000"/>
+                                    </a:solidFill>
+                                    <a:effectLst/>
+                                    <a:latin typeface="Cambria Math" panose="02040503050406030204" pitchFamily="18" charset="0"/>
+                                    <a:ea typeface="Arial Unicode MS" panose="020B0604020202020204" pitchFamily="34" charset="-128"/>
+                                  </a:rPr>
+                                  <m:t> </m:t>
+                                </m:r>
+                                <m:r>
+                                  <a:rPr lang="en-US" sz="1500" b="0" i="1" u="none" strike="noStrike" dirty="0" smtClean="0">
+                                    <a:solidFill>
+                                      <a:srgbClr val="000000"/>
+                                    </a:solidFill>
+                                    <a:effectLst/>
+                                    <a:latin typeface="Cambria Math" panose="02040503050406030204" pitchFamily="18" charset="0"/>
+                                    <a:ea typeface="Arial Unicode MS" panose="020B0604020202020204" pitchFamily="34" charset="-128"/>
+                                  </a:rPr>
+                                  <m:t>𝐼𝐼𝐼</m:t>
+                                </m:r>
+                                <m:r>
+                                  <a:rPr lang="en-US" sz="1500" b="0" i="1" u="none" strike="noStrike" dirty="0" smtClean="0">
+                                    <a:solidFill>
+                                      <a:srgbClr val="000000"/>
+                                    </a:solidFill>
+                                    <a:effectLst/>
+                                    <a:latin typeface="Cambria Math" panose="02040503050406030204" pitchFamily="18" charset="0"/>
+                                    <a:ea typeface="Arial Unicode MS" panose="020B0604020202020204" pitchFamily="34" charset="-128"/>
+                                  </a:rPr>
+                                  <m:t>]</m:t>
+                                </m:r>
+                              </m:oMath>
+                            </m:oMathPara>
+                          </a14:m>
+                          <a:endParaRPr lang="en-US" sz="1500" b="0" i="0" u="none" strike="noStrike" dirty="0">
+                            <a:solidFill>
+                              <a:srgbClr val="000000"/>
+                            </a:solidFill>
+                            <a:effectLst/>
+                            <a:latin typeface="+mn-lt"/>
+                            <a:ea typeface="Arial Unicode MS" panose="020B0604020202020204" pitchFamily="34" charset="-128"/>
+                          </a:endParaRPr>
+                        </a:p>
+                      </a:txBody>
+                      <a:tcPr marL="10016" marR="10016" marT="10016" marB="0" anchor="ctr"/>
+                    </a:tc>
+                    <a:tc>
+                      <a:txBody>
+                        <a:bodyPr/>
+                        <a:lstStyle/>
+                        <a:p>
+                          <a:pPr algn="ctr" fontAlgn="ctr"/>
+                          <a:r>
+                            <a:rPr lang="en-US" sz="1500" b="0" i="0" u="none" strike="noStrike" dirty="0">
+                              <a:solidFill>
+                                <a:srgbClr val="000000"/>
+                              </a:solidFill>
+                              <a:effectLst/>
+                              <a:latin typeface="+mn-lt"/>
+                              <a:ea typeface="Arial Unicode MS" panose="020B0604020202020204" pitchFamily="34" charset="-128"/>
+                            </a:rPr>
+                            <a:t>27.629</a:t>
+                          </a:r>
+                          <a:endParaRPr lang="ru-RU" sz="1500" b="0" i="0" u="none" strike="noStrike" dirty="0">
+                            <a:solidFill>
+                              <a:srgbClr val="000000"/>
+                            </a:solidFill>
+                            <a:effectLst/>
+                            <a:latin typeface="+mn-lt"/>
+                            <a:ea typeface="Arial Unicode MS" panose="020B0604020202020204" pitchFamily="34" charset="-128"/>
+                          </a:endParaRPr>
+                        </a:p>
+                      </a:txBody>
+                      <a:tcPr marL="10016" marR="10016" marT="10016" marB="0" anchor="ctr"/>
+                    </a:tc>
+                    <a:tc>
+                      <a:txBody>
+                        <a:bodyPr/>
+                        <a:lstStyle/>
+                        <a:p>
+                          <a:pPr marL="0" marR="0" lvl="0" indent="0" algn="ctr" defTabSz="914400" rtl="0" eaLnBrk="1" fontAlgn="t" latinLnBrk="0" hangingPunct="1">
+                            <a:lnSpc>
+                              <a:spcPct val="100000"/>
+                            </a:lnSpc>
+                            <a:spcBef>
+                              <a:spcPts val="0"/>
+                            </a:spcBef>
+                            <a:spcAft>
+                              <a:spcPts val="0"/>
+                            </a:spcAft>
+                            <a:buClrTx/>
+                            <a:buSzTx/>
+                            <a:buFontTx/>
+                            <a:buNone/>
+                            <a:tabLst/>
+                            <a:defRPr/>
+                          </a:pPr>
+                          <a:r>
+                            <a:rPr lang="ru-RU" sz="1500" b="0" i="0" u="none" strike="noStrike" dirty="0">
+                              <a:solidFill>
+                                <a:srgbClr val="000000"/>
+                              </a:solidFill>
+                              <a:effectLst/>
+                              <a:latin typeface="+mn-lt"/>
+                              <a:ea typeface="Arial Unicode MS" panose="020B0604020202020204" pitchFamily="34" charset="-128"/>
+                            </a:rPr>
+                            <a:t>✓</a:t>
+                          </a:r>
+                        </a:p>
+                      </a:txBody>
+                      <a:tcPr marL="10016" marR="10016" marT="10016" marB="0" anchor="ctr"/>
+                    </a:tc>
+                    <a:tc>
+                      <a:txBody>
+                        <a:bodyPr/>
+                        <a:lstStyle/>
+                        <a:p>
+                          <a:pPr marL="0" marR="0" lvl="0" indent="0" algn="ctr" defTabSz="914400" rtl="0" eaLnBrk="1" fontAlgn="t" latinLnBrk="0" hangingPunct="1">
+                            <a:lnSpc>
+                              <a:spcPct val="100000"/>
+                            </a:lnSpc>
+                            <a:spcBef>
+                              <a:spcPts val="0"/>
+                            </a:spcBef>
+                            <a:spcAft>
+                              <a:spcPts val="0"/>
+                            </a:spcAft>
+                            <a:buClrTx/>
+                            <a:buSzTx/>
+                            <a:buFontTx/>
+                            <a:buNone/>
+                            <a:tabLst/>
+                            <a:defRPr/>
+                          </a:pPr>
+                          <a:r>
+                            <a:rPr lang="ru-RU" sz="1500" b="0" i="0" u="none" strike="noStrike" dirty="0">
+                              <a:solidFill>
+                                <a:srgbClr val="000000"/>
+                              </a:solidFill>
+                              <a:effectLst/>
+                              <a:latin typeface="+mn-lt"/>
+                              <a:ea typeface="Arial Unicode MS" panose="020B0604020202020204" pitchFamily="34" charset="-128"/>
+                            </a:rPr>
+                            <a:t>✓</a:t>
+                          </a:r>
+                        </a:p>
+                      </a:txBody>
+                      <a:tcPr marL="10016" marR="10016" marT="10016" marB="0" anchor="ctr"/>
+                    </a:tc>
+                    <a:tc>
+                      <a:txBody>
+                        <a:bodyPr/>
+                        <a:lstStyle/>
+                        <a:p>
+                          <a:pPr algn="ctr" fontAlgn="t"/>
+                          <a:r>
+                            <a:rPr lang="ru-RU" sz="1500" b="0" i="0" u="none" strike="noStrike" dirty="0">
+                              <a:solidFill>
+                                <a:srgbClr val="000000"/>
+                              </a:solidFill>
+                              <a:effectLst/>
+                              <a:latin typeface="+mn-lt"/>
+                              <a:ea typeface="Arial Unicode MS" panose="020B0604020202020204" pitchFamily="34" charset="-128"/>
+                            </a:rPr>
+                            <a:t>✓</a:t>
+                          </a:r>
+                        </a:p>
+                      </a:txBody>
+                      <a:tcPr marL="10016" marR="10016" marT="10016" marB="0" anchor="ctr"/>
+                    </a:tc>
+                    <a:extLst>
+                      <a:ext uri="{0D108BD9-81ED-4DB2-BD59-A6C34878D82A}">
+                        <a16:rowId xmlns:a16="http://schemas.microsoft.com/office/drawing/2014/main" val="3311056456"/>
+                      </a:ext>
+                    </a:extLst>
+                  </a:tr>
+                  <a:tr h="330525">
+                    <a:tc>
+                      <a:txBody>
+                        <a:bodyPr/>
+                        <a:lstStyle/>
+                        <a:p>
+                          <a:pPr algn="ctr" fontAlgn="ctr"/>
+                          <a:r>
+                            <a:rPr lang="ru-RU" sz="1500" u="none" strike="noStrike" dirty="0">
+                              <a:effectLst/>
+                              <a:latin typeface="+mn-lt"/>
+                            </a:rPr>
+                            <a:t>4686</a:t>
+                          </a:r>
+                          <a:endParaRPr lang="ru-RU" sz="1500" b="0" i="0" u="none" strike="noStrike" dirty="0">
+                            <a:solidFill>
+                              <a:srgbClr val="000000"/>
+                            </a:solidFill>
+                            <a:effectLst/>
+                            <a:latin typeface="+mn-lt"/>
+                            <a:ea typeface="Arial Unicode MS" panose="020B0604020202020204" pitchFamily="34" charset="-128"/>
+                          </a:endParaRPr>
+                        </a:p>
+                      </a:txBody>
+                      <a:tcPr marL="10016" marR="10016" marT="10016" marB="0" anchor="ctr"/>
+                    </a:tc>
+                    <a:tc>
+                      <a:txBody>
+                        <a:bodyPr/>
+                        <a:lstStyle/>
+                        <a:p>
+                          <a:pPr algn="ctr" fontAlgn="ctr"/>
+                          <a14:m>
+                            <m:oMathPara xmlns:m="http://schemas.openxmlformats.org/officeDocument/2006/math">
+                              <m:oMathParaPr>
+                                <m:jc m:val="centerGroup"/>
+                              </m:oMathParaPr>
+                              <m:oMath xmlns:m="http://schemas.openxmlformats.org/officeDocument/2006/math">
+                                <m:r>
+                                  <a:rPr lang="en-US" sz="1500" i="1" u="none" strike="noStrike" dirty="0" smtClean="0">
+                                    <a:effectLst/>
+                                    <a:latin typeface="Cambria Math" panose="02040503050406030204" pitchFamily="18" charset="0"/>
+                                  </a:rPr>
+                                  <m:t> </m:t>
+                                </m:r>
+                                <m:r>
+                                  <a:rPr lang="en-US" sz="1500" i="1" u="none" strike="noStrike" dirty="0" smtClean="0">
+                                    <a:effectLst/>
+                                    <a:latin typeface="Cambria Math" panose="02040503050406030204" pitchFamily="18" charset="0"/>
+                                  </a:rPr>
+                                  <m:t>𝐻𝑒</m:t>
+                                </m:r>
+                                <m:r>
+                                  <a:rPr lang="en-US" sz="1500" i="1" u="none" strike="noStrike" dirty="0" smtClean="0">
+                                    <a:effectLst/>
+                                    <a:latin typeface="Cambria Math" panose="02040503050406030204" pitchFamily="18" charset="0"/>
+                                  </a:rPr>
+                                  <m:t> </m:t>
+                                </m:r>
+                                <m:r>
+                                  <a:rPr lang="en-US" sz="1500" i="1" u="none" strike="noStrike" dirty="0" smtClean="0">
+                                    <a:effectLst/>
+                                    <a:latin typeface="Cambria Math" panose="02040503050406030204" pitchFamily="18" charset="0"/>
+                                  </a:rPr>
+                                  <m:t>𝐼𝐼</m:t>
+                                </m:r>
+                              </m:oMath>
+                            </m:oMathPara>
+                          </a14:m>
+                          <a:endParaRPr lang="en-US" sz="1500" b="0" i="0" u="none" strike="noStrike" dirty="0">
+                            <a:solidFill>
+                              <a:srgbClr val="000000"/>
+                            </a:solidFill>
+                            <a:effectLst/>
+                            <a:latin typeface="+mn-lt"/>
+                            <a:ea typeface="Arial Unicode MS" panose="020B0604020202020204" pitchFamily="34" charset="-128"/>
+                          </a:endParaRPr>
+                        </a:p>
+                      </a:txBody>
+                      <a:tcPr marL="10016" marR="10016" marT="10016" marB="0" anchor="ctr"/>
+                    </a:tc>
+                    <a:tc>
+                      <a:txBody>
+                        <a:bodyPr/>
+                        <a:lstStyle/>
+                        <a:p>
+                          <a:pPr algn="ctr" fontAlgn="t"/>
+                          <a:r>
+                            <a:rPr lang="ru-RU" sz="1500" u="none" strike="noStrike" dirty="0">
+                              <a:effectLst/>
+                              <a:latin typeface="+mn-lt"/>
+                            </a:rPr>
+                            <a:t>24</a:t>
+                          </a:r>
+                          <a:r>
+                            <a:rPr lang="en-US" sz="1500" u="none" strike="noStrike" dirty="0">
+                              <a:effectLst/>
+                              <a:latin typeface="+mn-lt"/>
+                            </a:rPr>
+                            <a:t>.587</a:t>
+                          </a:r>
+                          <a:r>
+                            <a:rPr lang="ru-RU" sz="1500" u="none" strike="noStrike" dirty="0">
+                              <a:effectLst/>
+                              <a:latin typeface="+mn-lt"/>
+                            </a:rPr>
+                            <a:t> </a:t>
+                          </a:r>
+                          <a:endParaRPr lang="ru-RU" sz="1500" b="0" i="0" u="none" strike="noStrike" dirty="0">
+                            <a:solidFill>
+                              <a:srgbClr val="000000"/>
+                            </a:solidFill>
+                            <a:effectLst/>
+                            <a:latin typeface="+mn-lt"/>
+                            <a:ea typeface="Arial Unicode MS" panose="020B0604020202020204" pitchFamily="34" charset="-128"/>
+                          </a:endParaRPr>
+                        </a:p>
+                      </a:txBody>
+                      <a:tcPr marL="10016" marR="10016" marT="10016" marB="0" anchor="ctr"/>
+                    </a:tc>
+                    <a:tc>
+                      <a:txBody>
+                        <a:bodyPr/>
+                        <a:lstStyle/>
+                        <a:p>
+                          <a:pPr algn="ctr" fontAlgn="t"/>
+                          <a:r>
+                            <a:rPr lang="ru-RU" sz="1500" b="0" i="0" u="none" strike="noStrike" dirty="0">
+                              <a:solidFill>
+                                <a:srgbClr val="000000"/>
+                              </a:solidFill>
+                              <a:effectLst/>
+                              <a:latin typeface="+mn-lt"/>
+                              <a:ea typeface="Arial Unicode MS" panose="020B0604020202020204" pitchFamily="34" charset="-128"/>
+                            </a:rPr>
+                            <a:t>✗</a:t>
+                          </a:r>
+                        </a:p>
+                      </a:txBody>
+                      <a:tcPr marL="10016" marR="10016" marT="10016" marB="0" anchor="ctr"/>
+                    </a:tc>
+                    <a:tc>
+                      <a:txBody>
+                        <a:bodyPr/>
+                        <a:lstStyle/>
+                        <a:p>
+                          <a:pPr algn="ctr" fontAlgn="t"/>
+                          <a:r>
+                            <a:rPr lang="ru-RU" sz="1500" b="0" i="0" u="none" strike="noStrike" dirty="0">
+                              <a:solidFill>
+                                <a:srgbClr val="000000"/>
+                              </a:solidFill>
+                              <a:effectLst/>
+                              <a:latin typeface="+mn-lt"/>
+                              <a:ea typeface="Arial Unicode MS" panose="020B0604020202020204" pitchFamily="34" charset="-128"/>
+                            </a:rPr>
+                            <a:t>✗</a:t>
+                          </a:r>
+                        </a:p>
+                      </a:txBody>
+                      <a:tcPr marL="10016" marR="10016" marT="10016" marB="0" anchor="ctr"/>
+                    </a:tc>
+                    <a:tc>
+                      <a:txBody>
+                        <a:bodyPr/>
+                        <a:lstStyle/>
+                        <a:p>
+                          <a:pPr algn="ctr" fontAlgn="t"/>
+                          <a:r>
+                            <a:rPr lang="ru-RU" sz="1500" b="0" i="0" u="none" strike="noStrike" dirty="0">
+                              <a:solidFill>
+                                <a:srgbClr val="000000"/>
+                              </a:solidFill>
+                              <a:effectLst/>
+                              <a:latin typeface="+mn-lt"/>
+                              <a:ea typeface="Arial Unicode MS" panose="020B0604020202020204" pitchFamily="34" charset="-128"/>
+                            </a:rPr>
+                            <a:t>✓</a:t>
+                          </a:r>
+                        </a:p>
+                      </a:txBody>
+                      <a:tcPr marL="10016" marR="10016" marT="10016" marB="0" anchor="ctr"/>
+                    </a:tc>
+                    <a:extLst>
+                      <a:ext uri="{0D108BD9-81ED-4DB2-BD59-A6C34878D82A}">
+                        <a16:rowId xmlns:a16="http://schemas.microsoft.com/office/drawing/2014/main" val="1446920858"/>
+                      </a:ext>
+                    </a:extLst>
+                  </a:tr>
+                  <a:tr h="330525">
+                    <a:tc>
+                      <a:txBody>
+                        <a:bodyPr/>
+                        <a:lstStyle/>
+                        <a:p>
+                          <a:pPr algn="ctr" fontAlgn="ctr"/>
+                          <a:r>
+                            <a:rPr lang="en-US" sz="1500" b="0" i="0" u="none" strike="noStrike" dirty="0">
+                              <a:solidFill>
+                                <a:srgbClr val="000000"/>
+                              </a:solidFill>
+                              <a:effectLst/>
+                              <a:latin typeface="+mn-lt"/>
+                              <a:ea typeface="Arial Unicode MS" panose="020B0604020202020204" pitchFamily="34" charset="-128"/>
+                            </a:rPr>
+                            <a:t>9069 / 9532</a:t>
+                          </a:r>
+                          <a:endParaRPr lang="ru-RU" sz="1500" b="0" i="0" u="none" strike="noStrike" dirty="0">
+                            <a:solidFill>
+                              <a:srgbClr val="000000"/>
+                            </a:solidFill>
+                            <a:effectLst/>
+                            <a:latin typeface="+mn-lt"/>
+                            <a:ea typeface="Arial Unicode MS" panose="020B0604020202020204" pitchFamily="34" charset="-128"/>
+                          </a:endParaRPr>
+                        </a:p>
+                      </a:txBody>
+                      <a:tcPr marL="10016" marR="10016" marT="10016" marB="0" anchor="ctr"/>
+                    </a:tc>
+                    <a:tc>
+                      <a:txBody>
+                        <a:bodyPr/>
+                        <a:lstStyle/>
+                        <a:p>
+                          <a:pPr algn="ctr" fontAlgn="ctr"/>
+                          <a14:m>
+                            <m:oMathPara xmlns:m="http://schemas.openxmlformats.org/officeDocument/2006/math">
+                              <m:oMathParaPr>
+                                <m:jc m:val="centerGroup"/>
+                              </m:oMathParaPr>
+                              <m:oMath xmlns:m="http://schemas.openxmlformats.org/officeDocument/2006/math">
+                                <m:r>
+                                  <a:rPr lang="en-US" sz="1500" b="0" i="1" u="none" strike="noStrike" dirty="0" smtClean="0">
+                                    <a:solidFill>
+                                      <a:srgbClr val="000000"/>
+                                    </a:solidFill>
+                                    <a:effectLst/>
+                                    <a:latin typeface="Cambria Math" panose="02040503050406030204" pitchFamily="18" charset="0"/>
+                                    <a:ea typeface="Arial Unicode MS" panose="020B0604020202020204" pitchFamily="34" charset="-128"/>
+                                  </a:rPr>
+                                  <m:t> [</m:t>
+                                </m:r>
+                                <m:r>
+                                  <a:rPr lang="en-US" sz="1500" b="0" i="1" u="none" strike="noStrike" dirty="0" smtClean="0">
+                                    <a:solidFill>
+                                      <a:srgbClr val="000000"/>
+                                    </a:solidFill>
+                                    <a:effectLst/>
+                                    <a:latin typeface="Cambria Math" panose="02040503050406030204" pitchFamily="18" charset="0"/>
+                                    <a:ea typeface="Arial Unicode MS" panose="020B0604020202020204" pitchFamily="34" charset="-128"/>
+                                  </a:rPr>
+                                  <m:t>𝑆</m:t>
+                                </m:r>
+                                <m:r>
+                                  <a:rPr lang="en-US" sz="1500" b="0" i="1" u="none" strike="noStrike" dirty="0" smtClean="0">
+                                    <a:solidFill>
+                                      <a:srgbClr val="000000"/>
+                                    </a:solidFill>
+                                    <a:effectLst/>
+                                    <a:latin typeface="Cambria Math" panose="02040503050406030204" pitchFamily="18" charset="0"/>
+                                    <a:ea typeface="Arial Unicode MS" panose="020B0604020202020204" pitchFamily="34" charset="-128"/>
+                                  </a:rPr>
+                                  <m:t> </m:t>
+                                </m:r>
+                                <m:r>
+                                  <a:rPr lang="en-US" sz="1500" b="0" i="1" u="none" strike="noStrike" dirty="0" smtClean="0">
+                                    <a:solidFill>
+                                      <a:srgbClr val="000000"/>
+                                    </a:solidFill>
+                                    <a:effectLst/>
+                                    <a:latin typeface="Cambria Math" panose="02040503050406030204" pitchFamily="18" charset="0"/>
+                                    <a:ea typeface="Arial Unicode MS" panose="020B0604020202020204" pitchFamily="34" charset="-128"/>
+                                  </a:rPr>
+                                  <m:t>𝐼𝐼𝐼</m:t>
+                                </m:r>
+                                <m:r>
+                                  <a:rPr lang="en-US" sz="1500" b="0" i="1" u="none" strike="noStrike" dirty="0" smtClean="0">
+                                    <a:solidFill>
+                                      <a:srgbClr val="000000"/>
+                                    </a:solidFill>
+                                    <a:effectLst/>
+                                    <a:latin typeface="Cambria Math" panose="02040503050406030204" pitchFamily="18" charset="0"/>
+                                    <a:ea typeface="Arial Unicode MS" panose="020B0604020202020204" pitchFamily="34" charset="-128"/>
+                                  </a:rPr>
+                                  <m:t>]</m:t>
+                                </m:r>
+                              </m:oMath>
+                            </m:oMathPara>
+                          </a14:m>
+                          <a:endParaRPr lang="en-US" sz="1500" b="0" i="0" u="none" strike="noStrike" dirty="0">
+                            <a:solidFill>
+                              <a:srgbClr val="000000"/>
+                            </a:solidFill>
+                            <a:effectLst/>
+                            <a:latin typeface="+mn-lt"/>
+                            <a:ea typeface="Arial Unicode MS" panose="020B0604020202020204" pitchFamily="34" charset="-128"/>
+                          </a:endParaRPr>
+                        </a:p>
+                      </a:txBody>
+                      <a:tcPr marL="10016" marR="10016" marT="10016" marB="0" anchor="ctr"/>
+                    </a:tc>
+                    <a:tc>
+                      <a:txBody>
+                        <a:bodyPr/>
+                        <a:lstStyle/>
+                        <a:p>
+                          <a:pPr algn="ctr" fontAlgn="t"/>
+                          <a:r>
+                            <a:rPr lang="en-US" sz="1500" b="0" i="0" u="none" strike="noStrike" dirty="0">
+                              <a:solidFill>
+                                <a:srgbClr val="000000"/>
+                              </a:solidFill>
+                              <a:effectLst/>
+                              <a:latin typeface="+mn-lt"/>
+                              <a:ea typeface="Arial Unicode MS" panose="020B0604020202020204" pitchFamily="34" charset="-128"/>
+                            </a:rPr>
+                            <a:t>23.33</a:t>
+                          </a:r>
+                          <a:endParaRPr lang="ru-RU" sz="1500" b="0" i="0" u="none" strike="noStrike" dirty="0">
+                            <a:solidFill>
+                              <a:srgbClr val="000000"/>
+                            </a:solidFill>
+                            <a:effectLst/>
+                            <a:latin typeface="+mn-lt"/>
+                            <a:ea typeface="Arial Unicode MS" panose="020B0604020202020204" pitchFamily="34" charset="-128"/>
+                          </a:endParaRPr>
+                        </a:p>
+                      </a:txBody>
+                      <a:tcPr marL="10016" marR="10016" marT="10016" marB="0" anchor="ctr"/>
+                    </a:tc>
+                    <a:tc>
+                      <a:txBody>
+                        <a:bodyPr/>
+                        <a:lstStyle/>
+                        <a:p>
+                          <a:pPr algn="ctr" fontAlgn="t"/>
+                          <a:r>
+                            <a:rPr lang="ru-RU" sz="1500" b="0" i="0" u="none" strike="noStrike" dirty="0">
+                              <a:solidFill>
+                                <a:srgbClr val="000000"/>
+                              </a:solidFill>
+                              <a:effectLst/>
+                              <a:latin typeface="+mn-lt"/>
+                              <a:ea typeface="Arial Unicode MS" panose="020B0604020202020204" pitchFamily="34" charset="-128"/>
+                            </a:rPr>
+                            <a:t>✓</a:t>
+                          </a:r>
+                        </a:p>
+                      </a:txBody>
+                      <a:tcPr marL="10016" marR="10016" marT="10016" marB="0" anchor="ctr"/>
+                    </a:tc>
+                    <a:tc>
+                      <a:txBody>
+                        <a:bodyPr/>
+                        <a:lstStyle/>
+                        <a:p>
+                          <a:pPr algn="ctr" fontAlgn="t"/>
+                          <a:r>
+                            <a:rPr lang="ru-RU" sz="1500" b="0" i="0" u="none" strike="noStrike" dirty="0">
+                              <a:solidFill>
+                                <a:srgbClr val="000000"/>
+                              </a:solidFill>
+                              <a:effectLst/>
+                              <a:latin typeface="+mn-lt"/>
+                              <a:ea typeface="Arial Unicode MS" panose="020B0604020202020204" pitchFamily="34" charset="-128"/>
+                            </a:rPr>
+                            <a:t>✓</a:t>
+                          </a:r>
+                        </a:p>
+                      </a:txBody>
+                      <a:tcPr marL="10016" marR="10016" marT="10016" marB="0" anchor="ctr"/>
+                    </a:tc>
+                    <a:tc>
+                      <a:txBody>
+                        <a:bodyPr/>
+                        <a:lstStyle/>
+                        <a:p>
+                          <a:pPr algn="ctr" fontAlgn="t"/>
+                          <a:r>
+                            <a:rPr lang="ru-RU" sz="1500" b="0" i="0" u="none" strike="noStrike" dirty="0">
+                              <a:solidFill>
+                                <a:srgbClr val="000000"/>
+                              </a:solidFill>
+                              <a:effectLst/>
+                              <a:latin typeface="+mn-lt"/>
+                              <a:ea typeface="Arial Unicode MS" panose="020B0604020202020204" pitchFamily="34" charset="-128"/>
+                            </a:rPr>
+                            <a:t>✓</a:t>
+                          </a:r>
+                        </a:p>
+                      </a:txBody>
+                      <a:tcPr marL="10016" marR="10016" marT="10016" marB="0" anchor="ctr"/>
+                    </a:tc>
+                    <a:extLst>
+                      <a:ext uri="{0D108BD9-81ED-4DB2-BD59-A6C34878D82A}">
+                        <a16:rowId xmlns:a16="http://schemas.microsoft.com/office/drawing/2014/main" val="3373021648"/>
+                      </a:ext>
+                    </a:extLst>
+                  </a:tr>
+                  <a:tr h="330525">
+                    <a:tc>
+                      <a:txBody>
+                        <a:bodyPr/>
+                        <a:lstStyle/>
+                        <a:p>
+                          <a:pPr algn="ctr" fontAlgn="ctr"/>
+                          <a:r>
+                            <a:rPr lang="en-US" sz="1500" b="0" i="0" u="none" strike="noStrike" dirty="0">
+                              <a:solidFill>
+                                <a:srgbClr val="000000"/>
+                              </a:solidFill>
+                              <a:effectLst/>
+                              <a:latin typeface="+mn-lt"/>
+                              <a:ea typeface="Arial Unicode MS" panose="020B0604020202020204" pitchFamily="34" charset="-128"/>
+                            </a:rPr>
+                            <a:t>5517 / 5537</a:t>
+                          </a:r>
+                          <a:endParaRPr lang="ru-RU" sz="1500" b="0" i="0" u="none" strike="noStrike" dirty="0">
+                            <a:solidFill>
+                              <a:srgbClr val="000000"/>
+                            </a:solidFill>
+                            <a:effectLst/>
+                            <a:latin typeface="+mn-lt"/>
+                            <a:ea typeface="Arial Unicode MS" panose="020B0604020202020204" pitchFamily="34" charset="-128"/>
+                          </a:endParaRPr>
+                        </a:p>
+                      </a:txBody>
+                      <a:tcPr marL="10016" marR="10016" marT="10016" marB="0" anchor="ctr"/>
+                    </a:tc>
+                    <a:tc>
+                      <a:txBody>
+                        <a:bodyPr/>
+                        <a:lstStyle/>
+                        <a:p>
+                          <a:pPr algn="ctr" fontAlgn="ctr"/>
+                          <a14:m>
+                            <m:oMathPara xmlns:m="http://schemas.openxmlformats.org/officeDocument/2006/math">
+                              <m:oMathParaPr>
+                                <m:jc m:val="centerGroup"/>
+                              </m:oMathParaPr>
+                              <m:oMath xmlns:m="http://schemas.openxmlformats.org/officeDocument/2006/math">
+                                <m:r>
+                                  <a:rPr lang="en-US" sz="1500" b="0" i="1" u="none" strike="noStrike" dirty="0" smtClean="0">
+                                    <a:solidFill>
+                                      <a:srgbClr val="000000"/>
+                                    </a:solidFill>
+                                    <a:effectLst/>
+                                    <a:latin typeface="Cambria Math" panose="02040503050406030204" pitchFamily="18" charset="0"/>
+                                    <a:ea typeface="Arial Unicode MS" panose="020B0604020202020204" pitchFamily="34" charset="-128"/>
+                                  </a:rPr>
+                                  <m:t> [</m:t>
+                                </m:r>
+                                <m:r>
+                                  <a:rPr lang="en-US" sz="1500" b="0" i="1" u="none" strike="noStrike" dirty="0" smtClean="0">
+                                    <a:solidFill>
+                                      <a:srgbClr val="000000"/>
+                                    </a:solidFill>
+                                    <a:effectLst/>
+                                    <a:latin typeface="Cambria Math" panose="02040503050406030204" pitchFamily="18" charset="0"/>
+                                    <a:ea typeface="Arial Unicode MS" panose="020B0604020202020204" pitchFamily="34" charset="-128"/>
+                                  </a:rPr>
+                                  <m:t>𝐶𝑙</m:t>
+                                </m:r>
+                                <m:r>
+                                  <a:rPr lang="en-US" sz="1500" b="0" i="1" u="none" strike="noStrike" dirty="0" smtClean="0">
+                                    <a:solidFill>
+                                      <a:srgbClr val="000000"/>
+                                    </a:solidFill>
+                                    <a:effectLst/>
+                                    <a:latin typeface="Cambria Math" panose="02040503050406030204" pitchFamily="18" charset="0"/>
+                                    <a:ea typeface="Arial Unicode MS" panose="020B0604020202020204" pitchFamily="34" charset="-128"/>
+                                  </a:rPr>
+                                  <m:t> </m:t>
+                                </m:r>
+                                <m:r>
+                                  <a:rPr lang="en-US" sz="1500" b="0" i="1" u="none" strike="noStrike" dirty="0" smtClean="0">
+                                    <a:solidFill>
+                                      <a:srgbClr val="000000"/>
+                                    </a:solidFill>
+                                    <a:effectLst/>
+                                    <a:latin typeface="Cambria Math" panose="02040503050406030204" pitchFamily="18" charset="0"/>
+                                    <a:ea typeface="Arial Unicode MS" panose="020B0604020202020204" pitchFamily="34" charset="-128"/>
+                                  </a:rPr>
+                                  <m:t>𝐼𝐼𝐼</m:t>
+                                </m:r>
+                                <m:r>
+                                  <a:rPr lang="en-US" sz="1500" b="0" i="1" u="none" strike="noStrike" dirty="0" smtClean="0">
+                                    <a:solidFill>
+                                      <a:srgbClr val="000000"/>
+                                    </a:solidFill>
+                                    <a:effectLst/>
+                                    <a:latin typeface="Cambria Math" panose="02040503050406030204" pitchFamily="18" charset="0"/>
+                                    <a:ea typeface="Arial Unicode MS" panose="020B0604020202020204" pitchFamily="34" charset="-128"/>
+                                  </a:rPr>
+                                  <m:t>]</m:t>
+                                </m:r>
+                              </m:oMath>
+                            </m:oMathPara>
+                          </a14:m>
+                          <a:endParaRPr lang="en-US" sz="1500" b="0" i="0" u="none" strike="noStrike" dirty="0">
+                            <a:solidFill>
+                              <a:srgbClr val="000000"/>
+                            </a:solidFill>
+                            <a:effectLst/>
+                            <a:latin typeface="+mn-lt"/>
+                            <a:ea typeface="Arial Unicode MS" panose="020B0604020202020204" pitchFamily="34" charset="-128"/>
+                          </a:endParaRPr>
+                        </a:p>
+                      </a:txBody>
+                      <a:tcPr marL="10016" marR="10016" marT="10016" marB="0" anchor="ctr"/>
+                    </a:tc>
+                    <a:tc>
+                      <a:txBody>
+                        <a:bodyPr/>
+                        <a:lstStyle/>
+                        <a:p>
+                          <a:pPr algn="ctr" fontAlgn="t"/>
+                          <a:r>
+                            <a:rPr lang="en-US" sz="1500" b="0" i="0" u="none" strike="noStrike" dirty="0">
+                              <a:solidFill>
+                                <a:srgbClr val="000000"/>
+                              </a:solidFill>
+                              <a:effectLst/>
+                              <a:latin typeface="+mn-lt"/>
+                              <a:ea typeface="Arial Unicode MS" panose="020B0604020202020204" pitchFamily="34" charset="-128"/>
+                            </a:rPr>
+                            <a:t>23.81</a:t>
+                          </a:r>
+                          <a:endParaRPr lang="ru-RU" sz="1500" b="0" i="0" u="none" strike="noStrike" dirty="0">
+                            <a:solidFill>
+                              <a:srgbClr val="000000"/>
+                            </a:solidFill>
+                            <a:effectLst/>
+                            <a:latin typeface="+mn-lt"/>
+                            <a:ea typeface="Arial Unicode MS" panose="020B0604020202020204" pitchFamily="34" charset="-128"/>
+                          </a:endParaRPr>
+                        </a:p>
+                      </a:txBody>
+                      <a:tcPr marL="10016" marR="10016" marT="10016" marB="0" anchor="ctr"/>
+                    </a:tc>
+                    <a:tc>
+                      <a:txBody>
+                        <a:bodyPr/>
+                        <a:lstStyle/>
+                        <a:p>
+                          <a:pPr algn="ctr" fontAlgn="t"/>
+                          <a:r>
+                            <a:rPr lang="ru-RU" sz="1500" b="0" i="0" u="none" strike="noStrike" dirty="0">
+                              <a:solidFill>
+                                <a:srgbClr val="000000"/>
+                              </a:solidFill>
+                              <a:effectLst/>
+                              <a:latin typeface="+mn-lt"/>
+                              <a:ea typeface="Arial Unicode MS" panose="020B0604020202020204" pitchFamily="34" charset="-128"/>
+                            </a:rPr>
+                            <a:t>✗</a:t>
+                          </a:r>
+                        </a:p>
+                      </a:txBody>
+                      <a:tcPr marL="10016" marR="10016" marT="10016" marB="0" anchor="ctr"/>
+                    </a:tc>
+                    <a:tc>
+                      <a:txBody>
+                        <a:bodyPr/>
+                        <a:lstStyle/>
+                        <a:p>
+                          <a:pPr algn="ctr" fontAlgn="t"/>
+                          <a:r>
+                            <a:rPr lang="ru-RU" sz="1500" b="0" i="0" u="none" strike="noStrike" dirty="0">
+                              <a:solidFill>
+                                <a:srgbClr val="000000"/>
+                              </a:solidFill>
+                              <a:effectLst/>
+                              <a:latin typeface="+mn-lt"/>
+                              <a:ea typeface="Arial Unicode MS" panose="020B0604020202020204" pitchFamily="34" charset="-128"/>
+                            </a:rPr>
+                            <a:t>✗</a:t>
+                          </a:r>
+                        </a:p>
+                      </a:txBody>
+                      <a:tcPr marL="10016" marR="10016" marT="10016" marB="0" anchor="ctr"/>
+                    </a:tc>
+                    <a:tc>
+                      <a:txBody>
+                        <a:bodyPr/>
+                        <a:lstStyle/>
+                        <a:p>
+                          <a:pPr algn="ctr" fontAlgn="t"/>
+                          <a:r>
+                            <a:rPr lang="ru-RU" sz="1500" b="0" i="0" u="none" strike="noStrike" dirty="0">
+                              <a:solidFill>
+                                <a:srgbClr val="000000"/>
+                              </a:solidFill>
+                              <a:effectLst/>
+                              <a:latin typeface="+mn-lt"/>
+                              <a:ea typeface="Arial Unicode MS" panose="020B0604020202020204" pitchFamily="34" charset="-128"/>
+                            </a:rPr>
+                            <a:t>✓</a:t>
+                          </a:r>
+                        </a:p>
+                      </a:txBody>
+                      <a:tcPr marL="10016" marR="10016" marT="10016" marB="0" anchor="ctr"/>
+                    </a:tc>
+                    <a:extLst>
+                      <a:ext uri="{0D108BD9-81ED-4DB2-BD59-A6C34878D82A}">
+                        <a16:rowId xmlns:a16="http://schemas.microsoft.com/office/drawing/2014/main" val="121325891"/>
+                      </a:ext>
+                    </a:extLst>
+                  </a:tr>
+                  <a:tr h="330525">
+                    <a:tc>
+                      <a:txBody>
+                        <a:bodyPr/>
+                        <a:lstStyle/>
+                        <a:p>
+                          <a:pPr algn="ctr" fontAlgn="ctr"/>
+                          <a:r>
+                            <a:rPr lang="en-US" sz="1500" b="0" i="0" u="none" strike="noStrike" dirty="0">
+                              <a:solidFill>
+                                <a:srgbClr val="000000"/>
+                              </a:solidFill>
+                              <a:effectLst/>
+                              <a:latin typeface="+mn-lt"/>
+                              <a:ea typeface="Arial Unicode MS" panose="020B0604020202020204" pitchFamily="34" charset="-128"/>
+                            </a:rPr>
+                            <a:t>5755 / 6548 / 6584</a:t>
+                          </a:r>
+                          <a:endParaRPr lang="ru-RU" sz="1500" b="0" i="0" u="none" strike="noStrike" dirty="0">
+                            <a:solidFill>
+                              <a:srgbClr val="000000"/>
+                            </a:solidFill>
+                            <a:effectLst/>
+                            <a:latin typeface="+mn-lt"/>
+                            <a:ea typeface="Arial Unicode MS" panose="020B0604020202020204" pitchFamily="34" charset="-128"/>
+                          </a:endParaRPr>
+                        </a:p>
+                      </a:txBody>
+                      <a:tcPr marL="10016" marR="10016" marT="10016" marB="0" anchor="ctr"/>
+                    </a:tc>
+                    <a:tc>
+                      <a:txBody>
+                        <a:bodyPr/>
+                        <a:lstStyle/>
+                        <a:p>
+                          <a:pPr algn="ctr" fontAlgn="ctr"/>
+                          <a14:m>
+                            <m:oMathPara xmlns:m="http://schemas.openxmlformats.org/officeDocument/2006/math">
+                              <m:oMathParaPr>
+                                <m:jc m:val="centerGroup"/>
+                              </m:oMathParaPr>
+                              <m:oMath xmlns:m="http://schemas.openxmlformats.org/officeDocument/2006/math">
+                                <m:r>
+                                  <a:rPr lang="en-US" sz="1500" b="0" i="1" u="none" strike="noStrike" dirty="0" smtClean="0">
+                                    <a:solidFill>
+                                      <a:srgbClr val="000000"/>
+                                    </a:solidFill>
+                                    <a:effectLst/>
+                                    <a:latin typeface="Cambria Math" panose="02040503050406030204" pitchFamily="18" charset="0"/>
+                                    <a:ea typeface="Arial Unicode MS" panose="020B0604020202020204" pitchFamily="34" charset="-128"/>
+                                  </a:rPr>
+                                  <m:t> [</m:t>
+                                </m:r>
+                                <m:r>
+                                  <a:rPr lang="en-US" sz="1500" b="0" i="1" u="none" strike="noStrike" dirty="0" smtClean="0">
+                                    <a:solidFill>
+                                      <a:srgbClr val="000000"/>
+                                    </a:solidFill>
+                                    <a:effectLst/>
+                                    <a:latin typeface="Cambria Math" panose="02040503050406030204" pitchFamily="18" charset="0"/>
+                                    <a:ea typeface="Arial Unicode MS" panose="020B0604020202020204" pitchFamily="34" charset="-128"/>
+                                  </a:rPr>
+                                  <m:t>𝑁</m:t>
+                                </m:r>
+                                <m:r>
+                                  <a:rPr lang="en-US" sz="1500" b="0" i="1" u="none" strike="noStrike" dirty="0" smtClean="0">
+                                    <a:solidFill>
+                                      <a:srgbClr val="000000"/>
+                                    </a:solidFill>
+                                    <a:effectLst/>
+                                    <a:latin typeface="Cambria Math" panose="02040503050406030204" pitchFamily="18" charset="0"/>
+                                    <a:ea typeface="Arial Unicode MS" panose="020B0604020202020204" pitchFamily="34" charset="-128"/>
+                                  </a:rPr>
+                                  <m:t> </m:t>
+                                </m:r>
+                                <m:r>
+                                  <a:rPr lang="en-US" sz="1500" b="0" i="1" u="none" strike="noStrike" dirty="0" smtClean="0">
+                                    <a:solidFill>
+                                      <a:srgbClr val="000000"/>
+                                    </a:solidFill>
+                                    <a:effectLst/>
+                                    <a:latin typeface="Cambria Math" panose="02040503050406030204" pitchFamily="18" charset="0"/>
+                                    <a:ea typeface="Arial Unicode MS" panose="020B0604020202020204" pitchFamily="34" charset="-128"/>
+                                  </a:rPr>
+                                  <m:t>𝐼𝐼</m:t>
+                                </m:r>
+                                <m:r>
+                                  <a:rPr lang="en-US" sz="1500" b="0" i="1" u="none" strike="noStrike" dirty="0" smtClean="0">
+                                    <a:solidFill>
+                                      <a:srgbClr val="000000"/>
+                                    </a:solidFill>
+                                    <a:effectLst/>
+                                    <a:latin typeface="Cambria Math" panose="02040503050406030204" pitchFamily="18" charset="0"/>
+                                    <a:ea typeface="Arial Unicode MS" panose="020B0604020202020204" pitchFamily="34" charset="-128"/>
+                                  </a:rPr>
+                                  <m:t>]</m:t>
+                                </m:r>
+                              </m:oMath>
+                            </m:oMathPara>
+                          </a14:m>
+                          <a:endParaRPr lang="en-US" sz="1500" b="0" i="0" u="none" strike="noStrike" dirty="0">
+                            <a:solidFill>
+                              <a:srgbClr val="000000"/>
+                            </a:solidFill>
+                            <a:effectLst/>
+                            <a:latin typeface="+mn-lt"/>
+                            <a:ea typeface="Arial Unicode MS" panose="020B0604020202020204" pitchFamily="34" charset="-128"/>
+                          </a:endParaRPr>
+                        </a:p>
+                      </a:txBody>
+                      <a:tcPr marL="10016" marR="10016" marT="10016" marB="0" anchor="ctr"/>
+                    </a:tc>
+                    <a:tc>
+                      <a:txBody>
+                        <a:bodyPr/>
+                        <a:lstStyle/>
+                        <a:p>
+                          <a:pPr algn="ctr" fontAlgn="t"/>
+                          <a:r>
+                            <a:rPr lang="en-US" sz="1500" b="0" i="0" u="none" strike="noStrike" dirty="0">
+                              <a:solidFill>
+                                <a:srgbClr val="000000"/>
+                              </a:solidFill>
+                              <a:effectLst/>
+                              <a:latin typeface="+mn-lt"/>
+                              <a:ea typeface="Arial Unicode MS" panose="020B0604020202020204" pitchFamily="34" charset="-128"/>
+                            </a:rPr>
+                            <a:t>14.534</a:t>
+                          </a:r>
+                          <a:endParaRPr lang="ru-RU" sz="1500" b="0" i="0" u="none" strike="noStrike" dirty="0">
+                            <a:solidFill>
+                              <a:srgbClr val="000000"/>
+                            </a:solidFill>
+                            <a:effectLst/>
+                            <a:latin typeface="+mn-lt"/>
+                            <a:ea typeface="Arial Unicode MS" panose="020B0604020202020204" pitchFamily="34" charset="-128"/>
+                          </a:endParaRPr>
+                        </a:p>
+                      </a:txBody>
+                      <a:tcPr marL="10016" marR="10016" marT="10016" marB="0" anchor="ctr"/>
+                    </a:tc>
+                    <a:tc>
+                      <a:txBody>
+                        <a:bodyPr/>
+                        <a:lstStyle/>
+                        <a:p>
+                          <a:pPr algn="ctr" fontAlgn="t"/>
+                          <a:r>
+                            <a:rPr lang="ru-RU" sz="1500" b="0" i="0" u="none" strike="noStrike" dirty="0">
+                              <a:solidFill>
+                                <a:srgbClr val="000000"/>
+                              </a:solidFill>
+                              <a:effectLst/>
+                              <a:latin typeface="+mn-lt"/>
+                              <a:ea typeface="Arial Unicode MS" panose="020B0604020202020204" pitchFamily="34" charset="-128"/>
+                            </a:rPr>
+                            <a:t>✓</a:t>
+                          </a:r>
+                        </a:p>
+                      </a:txBody>
+                      <a:tcPr marL="10016" marR="10016" marT="10016" marB="0" anchor="ctr"/>
+                    </a:tc>
+                    <a:tc>
+                      <a:txBody>
+                        <a:bodyPr/>
+                        <a:lstStyle/>
+                        <a:p>
+                          <a:pPr algn="ctr" fontAlgn="t"/>
+                          <a:r>
+                            <a:rPr lang="ru-RU" sz="1500" b="0" i="0" u="none" strike="noStrike" dirty="0">
+                              <a:solidFill>
+                                <a:srgbClr val="000000"/>
+                              </a:solidFill>
+                              <a:effectLst/>
+                              <a:latin typeface="+mn-lt"/>
+                              <a:ea typeface="Arial Unicode MS" panose="020B0604020202020204" pitchFamily="34" charset="-128"/>
+                            </a:rPr>
+                            <a:t>✓</a:t>
+                          </a:r>
+                        </a:p>
+                      </a:txBody>
+                      <a:tcPr marL="10016" marR="10016" marT="10016" marB="0" anchor="ctr"/>
+                    </a:tc>
+                    <a:tc>
+                      <a:txBody>
+                        <a:bodyPr/>
+                        <a:lstStyle/>
+                        <a:p>
+                          <a:pPr algn="ctr" fontAlgn="t"/>
+                          <a:r>
+                            <a:rPr lang="ru-RU" sz="1500" b="0" i="0" u="none" strike="noStrike" dirty="0">
+                              <a:solidFill>
+                                <a:srgbClr val="000000"/>
+                              </a:solidFill>
+                              <a:effectLst/>
+                              <a:latin typeface="+mn-lt"/>
+                              <a:ea typeface="Arial Unicode MS" panose="020B0604020202020204" pitchFamily="34" charset="-128"/>
+                            </a:rPr>
+                            <a:t>✓</a:t>
+                          </a:r>
+                        </a:p>
+                      </a:txBody>
+                      <a:tcPr marL="10016" marR="10016" marT="10016" marB="0" anchor="ctr"/>
+                    </a:tc>
+                    <a:extLst>
+                      <a:ext uri="{0D108BD9-81ED-4DB2-BD59-A6C34878D82A}">
+                        <a16:rowId xmlns:a16="http://schemas.microsoft.com/office/drawing/2014/main" val="2024429951"/>
+                      </a:ext>
+                    </a:extLst>
+                  </a:tr>
+                  <a:tr h="330525">
+                    <a:tc>
+                      <a:txBody>
+                        <a:bodyPr/>
+                        <a:lstStyle/>
+                        <a:p>
+                          <a:pPr algn="ctr" fontAlgn="ctr"/>
+                          <a:r>
+                            <a:rPr lang="en-US" sz="1500" b="0" i="0" u="none" strike="noStrike" dirty="0">
+                              <a:solidFill>
+                                <a:srgbClr val="000000"/>
+                              </a:solidFill>
+                              <a:effectLst/>
+                              <a:latin typeface="+mn-lt"/>
+                              <a:ea typeface="Arial Unicode MS" panose="020B0604020202020204" pitchFamily="34" charset="-128"/>
+                            </a:rPr>
+                            <a:t>3727 / 7323</a:t>
+                          </a:r>
+                          <a:endParaRPr lang="ru-RU" sz="1500" b="0" i="0" u="none" strike="noStrike" dirty="0">
+                            <a:solidFill>
+                              <a:srgbClr val="000000"/>
+                            </a:solidFill>
+                            <a:effectLst/>
+                            <a:latin typeface="+mn-lt"/>
+                            <a:ea typeface="Arial Unicode MS" panose="020B0604020202020204" pitchFamily="34" charset="-128"/>
+                          </a:endParaRPr>
+                        </a:p>
+                      </a:txBody>
+                      <a:tcPr marL="10016" marR="10016" marT="10016" marB="0" anchor="ctr"/>
+                    </a:tc>
+                    <a:tc>
+                      <a:txBody>
+                        <a:bodyPr/>
+                        <a:lstStyle/>
+                        <a:p>
+                          <a:pPr algn="ctr" fontAlgn="ctr"/>
+                          <a14:m>
+                            <m:oMathPara xmlns:m="http://schemas.openxmlformats.org/officeDocument/2006/math">
+                              <m:oMathParaPr>
+                                <m:jc m:val="centerGroup"/>
+                              </m:oMathParaPr>
+                              <m:oMath xmlns:m="http://schemas.openxmlformats.org/officeDocument/2006/math">
+                                <m:r>
+                                  <a:rPr lang="en-US" sz="1500" b="0" i="1" u="none" strike="noStrike" dirty="0" smtClean="0">
+                                    <a:solidFill>
+                                      <a:srgbClr val="000000"/>
+                                    </a:solidFill>
+                                    <a:effectLst/>
+                                    <a:latin typeface="Cambria Math" panose="02040503050406030204" pitchFamily="18" charset="0"/>
+                                    <a:ea typeface="Arial Unicode MS" panose="020B0604020202020204" pitchFamily="34" charset="-128"/>
+                                  </a:rPr>
+                                  <m:t> [</m:t>
+                                </m:r>
+                                <m:r>
+                                  <a:rPr lang="en-US" sz="1500" b="0" i="1" u="none" strike="noStrike" dirty="0" smtClean="0">
+                                    <a:solidFill>
+                                      <a:srgbClr val="000000"/>
+                                    </a:solidFill>
+                                    <a:effectLst/>
+                                    <a:latin typeface="Cambria Math" panose="02040503050406030204" pitchFamily="18" charset="0"/>
+                                    <a:ea typeface="Arial Unicode MS" panose="020B0604020202020204" pitchFamily="34" charset="-128"/>
+                                  </a:rPr>
+                                  <m:t>𝑂</m:t>
+                                </m:r>
+                                <m:r>
+                                  <a:rPr lang="en-US" sz="1500" b="0" i="1" u="none" strike="noStrike" dirty="0" smtClean="0">
+                                    <a:solidFill>
+                                      <a:srgbClr val="000000"/>
+                                    </a:solidFill>
+                                    <a:effectLst/>
+                                    <a:latin typeface="Cambria Math" panose="02040503050406030204" pitchFamily="18" charset="0"/>
+                                    <a:ea typeface="Arial Unicode MS" panose="020B0604020202020204" pitchFamily="34" charset="-128"/>
+                                  </a:rPr>
+                                  <m:t> </m:t>
+                                </m:r>
+                                <m:r>
+                                  <a:rPr lang="en-US" sz="1500" b="0" i="1" u="none" strike="noStrike" dirty="0" smtClean="0">
+                                    <a:solidFill>
+                                      <a:srgbClr val="000000"/>
+                                    </a:solidFill>
+                                    <a:effectLst/>
+                                    <a:latin typeface="Cambria Math" panose="02040503050406030204" pitchFamily="18" charset="0"/>
+                                    <a:ea typeface="Arial Unicode MS" panose="020B0604020202020204" pitchFamily="34" charset="-128"/>
+                                  </a:rPr>
+                                  <m:t>𝐼𝐼</m:t>
+                                </m:r>
+                                <m:r>
+                                  <a:rPr lang="en-US" sz="1500" b="0" i="1" u="none" strike="noStrike" dirty="0" smtClean="0">
+                                    <a:solidFill>
+                                      <a:srgbClr val="000000"/>
+                                    </a:solidFill>
+                                    <a:effectLst/>
+                                    <a:latin typeface="Cambria Math" panose="02040503050406030204" pitchFamily="18" charset="0"/>
+                                    <a:ea typeface="Arial Unicode MS" panose="020B0604020202020204" pitchFamily="34" charset="-128"/>
+                                  </a:rPr>
+                                  <m:t>]</m:t>
+                                </m:r>
+                              </m:oMath>
+                            </m:oMathPara>
+                          </a14:m>
+                          <a:endParaRPr lang="en-US" sz="1500" b="0" i="0" u="none" strike="noStrike" dirty="0">
+                            <a:solidFill>
+                              <a:srgbClr val="000000"/>
+                            </a:solidFill>
+                            <a:effectLst/>
+                            <a:latin typeface="+mn-lt"/>
+                            <a:ea typeface="Arial Unicode MS" panose="020B0604020202020204" pitchFamily="34" charset="-128"/>
+                          </a:endParaRPr>
+                        </a:p>
+                      </a:txBody>
+                      <a:tcPr marL="10016" marR="10016" marT="10016" marB="0" anchor="ctr"/>
+                    </a:tc>
+                    <a:tc>
+                      <a:txBody>
+                        <a:bodyPr/>
+                        <a:lstStyle/>
+                        <a:p>
+                          <a:pPr algn="ctr" fontAlgn="t"/>
+                          <a:r>
+                            <a:rPr lang="ru-RU" sz="1500" b="0" i="0" u="none" strike="noStrike" dirty="0">
+                              <a:solidFill>
+                                <a:srgbClr val="000000"/>
+                              </a:solidFill>
+                              <a:effectLst/>
+                              <a:latin typeface="+mn-lt"/>
+                              <a:ea typeface="Arial Unicode MS" panose="020B0604020202020204" pitchFamily="34" charset="-128"/>
+                            </a:rPr>
+                            <a:t>13</a:t>
+                          </a:r>
+                          <a:r>
+                            <a:rPr lang="en-US" sz="1500" b="0" i="0" u="none" strike="noStrike" dirty="0">
+                              <a:solidFill>
+                                <a:srgbClr val="000000"/>
+                              </a:solidFill>
+                              <a:effectLst/>
+                              <a:latin typeface="+mn-lt"/>
+                              <a:ea typeface="Arial Unicode MS" panose="020B0604020202020204" pitchFamily="34" charset="-128"/>
+                            </a:rPr>
+                            <a:t>.618</a:t>
+                          </a:r>
+                          <a:endParaRPr lang="ru-RU" sz="1500" b="0" i="0" u="none" strike="noStrike" dirty="0">
+                            <a:solidFill>
+                              <a:srgbClr val="000000"/>
+                            </a:solidFill>
+                            <a:effectLst/>
+                            <a:latin typeface="+mn-lt"/>
+                            <a:ea typeface="Arial Unicode MS" panose="020B0604020202020204" pitchFamily="34" charset="-128"/>
+                          </a:endParaRPr>
+                        </a:p>
+                      </a:txBody>
+                      <a:tcPr marL="10016" marR="10016" marT="10016" marB="0" anchor="ctr"/>
+                    </a:tc>
+                    <a:tc>
+                      <a:txBody>
+                        <a:bodyPr/>
+                        <a:lstStyle/>
+                        <a:p>
+                          <a:pPr algn="ctr" fontAlgn="t"/>
+                          <a:r>
+                            <a:rPr lang="ru-RU" sz="1500" b="0" i="0" u="none" strike="noStrike" dirty="0">
+                              <a:solidFill>
+                                <a:srgbClr val="000000"/>
+                              </a:solidFill>
+                              <a:effectLst/>
+                              <a:latin typeface="+mn-lt"/>
+                              <a:ea typeface="Arial Unicode MS" panose="020B0604020202020204" pitchFamily="34" charset="-128"/>
+                            </a:rPr>
+                            <a:t>✓</a:t>
+                          </a:r>
+                        </a:p>
+                      </a:txBody>
+                      <a:tcPr marL="10016" marR="10016" marT="10016" marB="0" anchor="ctr"/>
+                    </a:tc>
+                    <a:tc>
+                      <a:txBody>
+                        <a:bodyPr/>
+                        <a:lstStyle/>
+                        <a:p>
+                          <a:pPr algn="ctr" fontAlgn="t"/>
+                          <a:r>
+                            <a:rPr lang="ru-RU" sz="1500" b="0" i="0" u="none" strike="noStrike" dirty="0">
+                              <a:solidFill>
+                                <a:srgbClr val="000000"/>
+                              </a:solidFill>
+                              <a:effectLst/>
+                              <a:latin typeface="+mn-lt"/>
+                              <a:ea typeface="Arial Unicode MS" panose="020B0604020202020204" pitchFamily="34" charset="-128"/>
+                            </a:rPr>
+                            <a:t>✓</a:t>
+                          </a:r>
+                        </a:p>
+                      </a:txBody>
+                      <a:tcPr marL="10016" marR="10016" marT="10016" marB="0" anchor="ctr"/>
+                    </a:tc>
+                    <a:tc>
+                      <a:txBody>
+                        <a:bodyPr/>
+                        <a:lstStyle/>
+                        <a:p>
+                          <a:pPr marL="0" marR="0" lvl="0" indent="0" algn="ctr" defTabSz="914400" rtl="0" eaLnBrk="1" fontAlgn="t" latinLnBrk="0" hangingPunct="1">
+                            <a:lnSpc>
+                              <a:spcPct val="100000"/>
+                            </a:lnSpc>
+                            <a:spcBef>
+                              <a:spcPts val="0"/>
+                            </a:spcBef>
+                            <a:spcAft>
+                              <a:spcPts val="0"/>
+                            </a:spcAft>
+                            <a:buClrTx/>
+                            <a:buSzTx/>
+                            <a:buFontTx/>
+                            <a:buNone/>
+                            <a:tabLst/>
+                            <a:defRPr/>
+                          </a:pPr>
+                          <a:r>
+                            <a:rPr lang="ru-RU" sz="1500" b="0" i="0" u="none" strike="noStrike" dirty="0">
+                              <a:solidFill>
+                                <a:srgbClr val="000000"/>
+                              </a:solidFill>
+                              <a:effectLst/>
+                              <a:latin typeface="+mn-lt"/>
+                              <a:ea typeface="Arial Unicode MS" panose="020B0604020202020204" pitchFamily="34" charset="-128"/>
+                            </a:rPr>
+                            <a:t>✓</a:t>
+                          </a:r>
+                        </a:p>
+                      </a:txBody>
+                      <a:tcPr marL="10016" marR="10016" marT="10016" marB="0" anchor="ctr"/>
+                    </a:tc>
+                    <a:extLst>
+                      <a:ext uri="{0D108BD9-81ED-4DB2-BD59-A6C34878D82A}">
+                        <a16:rowId xmlns:a16="http://schemas.microsoft.com/office/drawing/2014/main" val="2043830585"/>
+                      </a:ext>
+                    </a:extLst>
+                  </a:tr>
+                  <a:tr h="330525">
+                    <a:tc>
+                      <a:txBody>
+                        <a:bodyPr/>
+                        <a:lstStyle/>
+                        <a:p>
+                          <a:pPr algn="ctr" fontAlgn="ctr"/>
+                          <a:r>
+                            <a:rPr lang="en-US" sz="1500" b="0" i="0" u="none" strike="noStrike" dirty="0">
+                              <a:solidFill>
+                                <a:srgbClr val="000000"/>
+                              </a:solidFill>
+                              <a:effectLst/>
+                              <a:latin typeface="+mn-lt"/>
+                              <a:ea typeface="Arial Unicode MS" panose="020B0604020202020204" pitchFamily="34" charset="-128"/>
+                            </a:rPr>
+                            <a:t>4070 / 6717 / 6731</a:t>
+                          </a:r>
+                          <a:endParaRPr lang="ru-RU" sz="1500" b="0" i="0" u="none" strike="noStrike" dirty="0">
+                            <a:solidFill>
+                              <a:srgbClr val="000000"/>
+                            </a:solidFill>
+                            <a:effectLst/>
+                            <a:latin typeface="+mn-lt"/>
+                            <a:ea typeface="Arial Unicode MS" panose="020B0604020202020204" pitchFamily="34" charset="-128"/>
+                          </a:endParaRPr>
+                        </a:p>
+                      </a:txBody>
+                      <a:tcPr marL="10016" marR="10016" marT="10016" marB="0" anchor="ctr"/>
+                    </a:tc>
+                    <a:tc>
+                      <a:txBody>
+                        <a:bodyPr/>
+                        <a:lstStyle/>
+                        <a:p>
+                          <a:pPr algn="ctr" fontAlgn="ctr"/>
+                          <a14:m>
+                            <m:oMathPara xmlns:m="http://schemas.openxmlformats.org/officeDocument/2006/math">
+                              <m:oMathParaPr>
+                                <m:jc m:val="centerGroup"/>
+                              </m:oMathParaPr>
+                              <m:oMath xmlns:m="http://schemas.openxmlformats.org/officeDocument/2006/math">
+                                <m:r>
+                                  <a:rPr lang="en-US" sz="1500" b="0" i="1" u="none" strike="noStrike" dirty="0" smtClean="0">
+                                    <a:solidFill>
+                                      <a:srgbClr val="000000"/>
+                                    </a:solidFill>
+                                    <a:effectLst/>
+                                    <a:latin typeface="Cambria Math" panose="02040503050406030204" pitchFamily="18" charset="0"/>
+                                    <a:ea typeface="Arial Unicode MS" panose="020B0604020202020204" pitchFamily="34" charset="-128"/>
+                                  </a:rPr>
+                                  <m:t> [</m:t>
+                                </m:r>
+                                <m:r>
+                                  <a:rPr lang="en-US" sz="1500" b="0" i="1" u="none" strike="noStrike" dirty="0" smtClean="0">
+                                    <a:solidFill>
+                                      <a:srgbClr val="000000"/>
+                                    </a:solidFill>
+                                    <a:effectLst/>
+                                    <a:latin typeface="Cambria Math" panose="02040503050406030204" pitchFamily="18" charset="0"/>
+                                    <a:ea typeface="Arial Unicode MS" panose="020B0604020202020204" pitchFamily="34" charset="-128"/>
+                                  </a:rPr>
+                                  <m:t>𝑆</m:t>
+                                </m:r>
+                                <m:r>
+                                  <a:rPr lang="en-US" sz="1500" b="0" i="1" u="none" strike="noStrike" dirty="0" smtClean="0">
+                                    <a:solidFill>
+                                      <a:srgbClr val="000000"/>
+                                    </a:solidFill>
+                                    <a:effectLst/>
+                                    <a:latin typeface="Cambria Math" panose="02040503050406030204" pitchFamily="18" charset="0"/>
+                                    <a:ea typeface="Arial Unicode MS" panose="020B0604020202020204" pitchFamily="34" charset="-128"/>
+                                  </a:rPr>
+                                  <m:t> </m:t>
+                                </m:r>
+                                <m:r>
+                                  <a:rPr lang="en-US" sz="1500" b="0" i="1" u="none" strike="noStrike" dirty="0" smtClean="0">
+                                    <a:solidFill>
+                                      <a:srgbClr val="000000"/>
+                                    </a:solidFill>
+                                    <a:effectLst/>
+                                    <a:latin typeface="Cambria Math" panose="02040503050406030204" pitchFamily="18" charset="0"/>
+                                    <a:ea typeface="Arial Unicode MS" panose="020B0604020202020204" pitchFamily="34" charset="-128"/>
+                                  </a:rPr>
+                                  <m:t>𝐼𝐼</m:t>
+                                </m:r>
+                                <m:r>
+                                  <a:rPr lang="en-US" sz="1500" b="0" i="1" u="none" strike="noStrike" dirty="0" smtClean="0">
+                                    <a:solidFill>
+                                      <a:srgbClr val="000000"/>
+                                    </a:solidFill>
+                                    <a:effectLst/>
+                                    <a:latin typeface="Cambria Math" panose="02040503050406030204" pitchFamily="18" charset="0"/>
+                                    <a:ea typeface="Arial Unicode MS" panose="020B0604020202020204" pitchFamily="34" charset="-128"/>
+                                  </a:rPr>
+                                  <m:t>]</m:t>
+                                </m:r>
+                              </m:oMath>
+                            </m:oMathPara>
+                          </a14:m>
+                          <a:endParaRPr lang="en-US" sz="1500" b="0" i="0" u="none" strike="noStrike" dirty="0">
+                            <a:solidFill>
+                              <a:srgbClr val="000000"/>
+                            </a:solidFill>
+                            <a:effectLst/>
+                            <a:latin typeface="+mn-lt"/>
+                            <a:ea typeface="Arial Unicode MS" panose="020B0604020202020204" pitchFamily="34" charset="-128"/>
+                          </a:endParaRPr>
+                        </a:p>
+                      </a:txBody>
+                      <a:tcPr marL="10016" marR="10016" marT="10016" marB="0" anchor="ctr"/>
+                    </a:tc>
+                    <a:tc>
+                      <a:txBody>
+                        <a:bodyPr/>
+                        <a:lstStyle/>
+                        <a:p>
+                          <a:pPr algn="ctr" fontAlgn="t"/>
+                          <a:r>
+                            <a:rPr lang="en-US" sz="1500" b="0" i="0" u="none" strike="noStrike" dirty="0">
+                              <a:solidFill>
+                                <a:srgbClr val="000000"/>
+                              </a:solidFill>
+                              <a:effectLst/>
+                              <a:latin typeface="+mn-lt"/>
+                              <a:ea typeface="Arial Unicode MS" panose="020B0604020202020204" pitchFamily="34" charset="-128"/>
+                            </a:rPr>
+                            <a:t>10.36</a:t>
+                          </a:r>
+                          <a:endParaRPr lang="ru-RU" sz="1500" b="0" i="0" u="none" strike="noStrike" dirty="0">
+                            <a:solidFill>
+                              <a:srgbClr val="000000"/>
+                            </a:solidFill>
+                            <a:effectLst/>
+                            <a:latin typeface="+mn-lt"/>
+                            <a:ea typeface="Arial Unicode MS" panose="020B0604020202020204" pitchFamily="34" charset="-128"/>
+                          </a:endParaRPr>
+                        </a:p>
+                      </a:txBody>
+                      <a:tcPr marL="10016" marR="10016" marT="10016" marB="0" anchor="ctr"/>
+                    </a:tc>
+                    <a:tc>
+                      <a:txBody>
+                        <a:bodyPr/>
+                        <a:lstStyle/>
+                        <a:p>
+                          <a:pPr algn="ctr" fontAlgn="t"/>
+                          <a:r>
+                            <a:rPr lang="ru-RU" sz="1500" b="0" i="0" u="none" strike="noStrike" dirty="0">
+                              <a:solidFill>
+                                <a:srgbClr val="000000"/>
+                              </a:solidFill>
+                              <a:effectLst/>
+                              <a:latin typeface="+mn-lt"/>
+                              <a:ea typeface="Arial Unicode MS" panose="020B0604020202020204" pitchFamily="34" charset="-128"/>
+                            </a:rPr>
+                            <a:t>✓</a:t>
+                          </a:r>
+                        </a:p>
+                      </a:txBody>
+                      <a:tcPr marL="10016" marR="10016" marT="10016" marB="0" anchor="ctr"/>
+                    </a:tc>
+                    <a:tc>
+                      <a:txBody>
+                        <a:bodyPr/>
+                        <a:lstStyle/>
+                        <a:p>
+                          <a:pPr algn="ctr" fontAlgn="t"/>
+                          <a:r>
+                            <a:rPr lang="ru-RU" sz="1500" b="0" i="0" u="none" strike="noStrike" dirty="0">
+                              <a:solidFill>
+                                <a:srgbClr val="000000"/>
+                              </a:solidFill>
+                              <a:effectLst/>
+                              <a:latin typeface="+mn-lt"/>
+                              <a:ea typeface="Arial Unicode MS" panose="020B0604020202020204" pitchFamily="34" charset="-128"/>
+                            </a:rPr>
+                            <a:t>✓</a:t>
+                          </a:r>
+                        </a:p>
+                      </a:txBody>
+                      <a:tcPr marL="10016" marR="10016" marT="10016" marB="0" anchor="ctr"/>
+                    </a:tc>
+                    <a:tc>
+                      <a:txBody>
+                        <a:bodyPr/>
+                        <a:lstStyle/>
+                        <a:p>
+                          <a:pPr marL="0" marR="0" lvl="0" indent="0" algn="ctr" defTabSz="914400" rtl="0" eaLnBrk="1" fontAlgn="t" latinLnBrk="0" hangingPunct="1">
+                            <a:lnSpc>
+                              <a:spcPct val="100000"/>
+                            </a:lnSpc>
+                            <a:spcBef>
+                              <a:spcPts val="0"/>
+                            </a:spcBef>
+                            <a:spcAft>
+                              <a:spcPts val="0"/>
+                            </a:spcAft>
+                            <a:buClrTx/>
+                            <a:buSzTx/>
+                            <a:buFontTx/>
+                            <a:buNone/>
+                            <a:tabLst/>
+                            <a:defRPr/>
+                          </a:pPr>
+                          <a:r>
+                            <a:rPr lang="ru-RU" sz="1500" b="0" i="0" u="none" strike="noStrike" dirty="0">
+                              <a:solidFill>
+                                <a:srgbClr val="000000"/>
+                              </a:solidFill>
+                              <a:effectLst/>
+                              <a:latin typeface="+mn-lt"/>
+                              <a:ea typeface="Arial Unicode MS" panose="020B0604020202020204" pitchFamily="34" charset="-128"/>
+                            </a:rPr>
+                            <a:t>✓</a:t>
+                          </a:r>
+                        </a:p>
+                      </a:txBody>
+                      <a:tcPr marL="10016" marR="10016" marT="10016" marB="0" anchor="ctr"/>
+                    </a:tc>
+                    <a:extLst>
+                      <a:ext uri="{0D108BD9-81ED-4DB2-BD59-A6C34878D82A}">
+                        <a16:rowId xmlns:a16="http://schemas.microsoft.com/office/drawing/2014/main" val="1965944292"/>
+                      </a:ext>
+                    </a:extLst>
+                  </a:tr>
+                  <a:tr h="356146">
+                    <a:tc gridSpan="3">
+                      <a:txBody>
+                        <a:bodyPr/>
+                        <a:lstStyle/>
+                        <a:p>
+                          <a:pPr algn="ctr" fontAlgn="ctr"/>
+                          <a:r>
+                            <a:rPr lang="ru-RU" sz="1500" u="none" strike="noStrike" dirty="0">
+                              <a:effectLst/>
+                              <a:latin typeface="+mn-lt"/>
+                            </a:rPr>
+                            <a:t>Наиболее насыщенные  линии </a:t>
+                          </a:r>
+                          <a:endParaRPr lang="en-US" sz="1500" b="0" i="0" u="none" strike="noStrike" dirty="0">
+                            <a:solidFill>
+                              <a:srgbClr val="000000"/>
+                            </a:solidFill>
+                            <a:effectLst/>
+                            <a:latin typeface="+mn-lt"/>
+                            <a:ea typeface="Arial Unicode MS" panose="020B0604020202020204" pitchFamily="34" charset="-128"/>
+                          </a:endParaRPr>
+                        </a:p>
+                      </a:txBody>
+                      <a:tcPr marL="101124" marR="101124" marT="50562" marB="50562" anchor="ctr"/>
+                    </a:tc>
+                    <a:tc hMerge="1">
+                      <a:txBody>
+                        <a:bodyPr/>
+                        <a:lstStyle/>
+                        <a:p>
+                          <a:endParaRPr lang="ru-RU"/>
+                        </a:p>
+                      </a:txBody>
+                      <a:tcPr/>
+                    </a:tc>
+                    <a:tc hMerge="1">
+                      <a:txBody>
+                        <a:bodyPr/>
+                        <a:lstStyle/>
+                        <a:p>
+                          <a:endParaRPr lang="ru-RU"/>
+                        </a:p>
+                      </a:txBody>
+                      <a:tcPr/>
+                    </a:tc>
+                    <a:tc>
+                      <a:txBody>
+                        <a:bodyPr/>
+                        <a:lstStyle/>
+                        <a:p>
+                          <a:pPr algn="ctr" fontAlgn="t"/>
                           <a14:m>
                             <m:oMathPara xmlns:m="http://schemas.openxmlformats.org/officeDocument/2006/math">
                               <m:oMathParaPr>
@@ -5744,25 +7823,25 @@
                                   <m:t> [</m:t>
                                 </m:r>
                                 <m:r>
-                                  <a:rPr lang="en-US" sz="1500" i="1" u="none" strike="noStrike" dirty="0">
+                                  <a:rPr lang="en-US" sz="1500" i="1" u="none" strike="noStrike" dirty="0" smtClean="0">
                                     <a:effectLst/>
                                     <a:latin typeface="Cambria Math" panose="02040503050406030204" pitchFamily="18" charset="0"/>
                                   </a:rPr>
-                                  <m:t>𝐶𝑙</m:t>
+                                  <m:t>𝑂</m:t>
                                 </m:r>
                                 <m:r>
-                                  <a:rPr lang="en-US" sz="1500" i="1" u="none" strike="noStrike" dirty="0">
+                                  <a:rPr lang="en-US" sz="1500" i="1" u="none" strike="noStrike" dirty="0" smtClean="0">
                                     <a:effectLst/>
                                     <a:latin typeface="Cambria Math" panose="02040503050406030204" pitchFamily="18" charset="0"/>
                                   </a:rPr>
                                   <m:t> </m:t>
                                 </m:r>
                                 <m:r>
-                                  <a:rPr lang="en-US" sz="1500" i="1" u="none" strike="noStrike" dirty="0">
+                                  <a:rPr lang="en-US" sz="1500" i="1" u="none" strike="noStrike" dirty="0" smtClean="0">
                                     <a:effectLst/>
                                     <a:latin typeface="Cambria Math" panose="02040503050406030204" pitchFamily="18" charset="0"/>
                                   </a:rPr>
-                                  <m:t>𝐼𝑉</m:t>
+                                  <m:t>𝐼𝐼𝐼</m:t>
                                 </m:r>
                                 <m:r>
                                   <a:rPr lang="en-US" sz="1500" i="1" u="none" strike="noStrike" dirty="0" smtClean="0">
@@ -5791,15 +7870,57 @@
                         <a:bodyPr/>
                         <a:lstStyle/>
                         <a:p>
-                          <a:pPr algn="ctr" fontAlgn="ctr"/>
-                          <a:r>
-                            <a:rPr lang="ru-RU" sz="1500" u="none" strike="noStrike" dirty="0">
-                              <a:effectLst/>
-                              <a:latin typeface="+mn-lt"/>
-                            </a:rPr>
-                            <a:t>39.6</a:t>
-                          </a:r>
-                          <a:endParaRPr lang="ru-RU" sz="1500" b="0" i="0" u="none" strike="noStrike" dirty="0">
+                          <a:pPr algn="ctr" fontAlgn="t"/>
+                          <a14:m>
+                            <m:oMathPara xmlns:m="http://schemas.openxmlformats.org/officeDocument/2006/math">
+                              <m:oMathParaPr>
+                                <m:jc m:val="centerGroup"/>
+                              </m:oMathParaPr>
+                              <m:oMath xmlns:m="http://schemas.openxmlformats.org/officeDocument/2006/math">
+                                <m:sSub>
+                                  <m:sSubPr>
+                                    <m:ctrlPr>
+                                      <a:rPr lang="el-GR" sz="1500" b="0" i="1" u="none" strike="noStrike" smtClean="0">
+                                        <a:solidFill>
+                                          <a:srgbClr val="000000"/>
+                                        </a:solidFill>
+                                        <a:effectLst/>
+                                        <a:latin typeface="Cambria Math" panose="02040503050406030204" pitchFamily="18" charset="0"/>
+                                        <a:ea typeface="Arial Unicode MS" panose="020B0604020202020204" pitchFamily="34" charset="-128"/>
+                                      </a:rPr>
+                                    </m:ctrlPr>
+                                  </m:sSubPr>
+                                  <m:e>
+                                    <m:r>
+                                      <a:rPr lang="en-US" sz="1500" b="0" i="1" u="none" strike="noStrike" smtClean="0">
+                                        <a:solidFill>
+                                          <a:srgbClr val="000000"/>
+                                        </a:solidFill>
+                                        <a:effectLst/>
+                                        <a:latin typeface="Cambria Math" panose="02040503050406030204" pitchFamily="18" charset="0"/>
+                                        <a:ea typeface="Arial Unicode MS" panose="020B0604020202020204" pitchFamily="34" charset="-128"/>
+                                      </a:rPr>
+                                      <m:t>𝐻</m:t>
+                                    </m:r>
+                                  </m:e>
+                                  <m:sub>
+                                    <m:r>
+                                      <a:rPr lang="en-US" sz="1500" b="0" i="1" u="none" strike="noStrike" smtClean="0">
+                                        <a:solidFill>
+                                          <a:srgbClr val="000000"/>
+                                        </a:solidFill>
+                                        <a:effectLst/>
+                                        <a:latin typeface="Cambria Math" panose="02040503050406030204" pitchFamily="18" charset="0"/>
+                                        <a:ea typeface="Arial Unicode MS" panose="020B0604020202020204" pitchFamily="34" charset="-128"/>
+                                      </a:rPr>
+                                      <m:t>𝛼</m:t>
+                                    </m:r>
+                                  </m:sub>
+                                </m:sSub>
+                              </m:oMath>
+                            </m:oMathPara>
+                          </a14:m>
+                          <a:endParaRPr lang="el-GR" sz="1500" b="0" i="0" u="none" strike="noStrike" dirty="0">
                             <a:solidFill>
                               <a:srgbClr val="000000"/>
                             </a:solidFill>
@@ -5810,320 +7931,6 @@
                         </a:p>
                       </a:txBody>
                       <a:tcPr marL="10016" marR="10016" marT="10016" marB="0" anchor="ctr"/>
-                    </a:tc>
-                    <a:tc>
-                      <a:txBody>
-                        <a:bodyPr/>
-                        <a:lstStyle/>
-                        <a:p>
-                          <a:pPr algn="ctr" fontAlgn="t"/>
-                          <a:r>
-                            <a:rPr lang="ru-RU" sz="1400" u="none" strike="noStrike">
-                              <a:effectLst/>
-                              <a:latin typeface="+mn-lt"/>
-                            </a:rPr>
-                            <a:t>✗</a:t>
-                          </a:r>
-                          <a:endParaRPr lang="ru-RU" sz="1400" b="0" i="0" u="none" strike="noStrike">
-                            <a:solidFill>
-                              <a:srgbClr val="000000"/>
-                            </a:solidFill>
-                            <a:effectLst/>
-                            <a:latin typeface="+mn-lt"/>
-                            <a:ea typeface="Arial Unicode MS" panose="020B0604020202020204" pitchFamily="34" charset="-128"/>
-                          </a:endParaRPr>
-                        </a:p>
-                      </a:txBody>
-                      <a:tcPr marL="10016" marR="10016" marT="10016" marB="0" anchor="ctr"/>
-                    </a:tc>
-                    <a:tc>
-                      <a:txBody>
-                        <a:bodyPr/>
-                        <a:lstStyle/>
-                        <a:p>
-                          <a:pPr algn="ctr" fontAlgn="t"/>
-                          <a:r>
-                            <a:rPr lang="ru-RU" sz="1400" u="none" strike="noStrike">
-                              <a:effectLst/>
-                              <a:latin typeface="+mn-lt"/>
-                            </a:rPr>
-                            <a:t>✗</a:t>
-                          </a:r>
-                          <a:endParaRPr lang="ru-RU" sz="1400" b="0" i="0" u="none" strike="noStrike">
-                            <a:solidFill>
-                              <a:srgbClr val="000000"/>
-                            </a:solidFill>
-                            <a:effectLst/>
-                            <a:latin typeface="+mn-lt"/>
-                            <a:ea typeface="Arial Unicode MS" panose="020B0604020202020204" pitchFamily="34" charset="-128"/>
-                          </a:endParaRPr>
-                        </a:p>
-                      </a:txBody>
-                      <a:tcPr marL="10016" marR="10016" marT="10016" marB="0" anchor="ctr"/>
-                    </a:tc>
-                    <a:tc>
-                      <a:txBody>
-                        <a:bodyPr/>
-                        <a:lstStyle/>
-                        <a:p>
-                          <a:pPr algn="ctr" fontAlgn="t"/>
-                          <a:r>
-                            <a:rPr lang="ru-RU" sz="1400" u="none" strike="noStrike" dirty="0">
-                              <a:effectLst/>
-                              <a:latin typeface="+mn-lt"/>
-                            </a:rPr>
-                            <a:t>✗</a:t>
-                          </a:r>
-                          <a:endParaRPr lang="ru-RU" sz="1400" b="0" i="0" u="none" strike="noStrike" dirty="0">
-                            <a:solidFill>
-                              <a:srgbClr val="000000"/>
-                            </a:solidFill>
-                            <a:effectLst/>
-                            <a:latin typeface="+mn-lt"/>
-                            <a:ea typeface="Arial Unicode MS" panose="020B0604020202020204" pitchFamily="34" charset="-128"/>
-                          </a:endParaRPr>
-                        </a:p>
-                      </a:txBody>
-                      <a:tcPr marL="10016" marR="10016" marT="10016" marB="0" anchor="ctr"/>
-                    </a:tc>
-                    <a:extLst>
-                      <a:ext uri="{0D108BD9-81ED-4DB2-BD59-A6C34878D82A}">
-                        <a16:rowId xmlns:a16="http://schemas.microsoft.com/office/drawing/2014/main" val="3514754252"/>
-                      </a:ext>
-                    </a:extLst>
-                  </a:tr>
-                  <a:tr h="330525">
-                    <a:tc>
-                      <a:txBody>
-                        <a:bodyPr/>
-                        <a:lstStyle/>
-                        <a:p>
-                          <a:pPr algn="ctr" fontAlgn="ctr"/>
-                          <a:r>
-                            <a:rPr lang="ru-RU" sz="1500" u="none" strike="noStrike" dirty="0">
-                              <a:effectLst/>
-                              <a:latin typeface="+mn-lt"/>
-                            </a:rPr>
-                            <a:t>4686</a:t>
-                          </a:r>
-                          <a:endParaRPr lang="ru-RU" sz="1500" b="0" i="0" u="none" strike="noStrike" dirty="0">
-                            <a:solidFill>
-                              <a:srgbClr val="000000"/>
-                            </a:solidFill>
-                            <a:effectLst/>
-                            <a:latin typeface="+mn-lt"/>
-                            <a:ea typeface="Arial Unicode MS" panose="020B0604020202020204" pitchFamily="34" charset="-128"/>
-                          </a:endParaRPr>
-                        </a:p>
-                      </a:txBody>
-                      <a:tcPr marL="10016" marR="10016" marT="10016" marB="0" anchor="ctr"/>
-                    </a:tc>
-                    <a:tc>
-                      <a:txBody>
-                        <a:bodyPr/>
-                        <a:lstStyle/>
-                        <a:p>
-                          <a:pPr algn="ctr" fontAlgn="ctr"/>
-                          <a14:m>
-                            <m:oMathPara xmlns:m="http://schemas.openxmlformats.org/officeDocument/2006/math">
-                              <m:oMathParaPr>
-                                <m:jc m:val="centerGroup"/>
-                              </m:oMathParaPr>
-                              <m:oMath xmlns:m="http://schemas.openxmlformats.org/officeDocument/2006/math">
-                                <m:r>
-                                  <a:rPr lang="en-US" sz="1700" i="1" u="none" strike="noStrike" dirty="0" smtClean="0">
-                                    <a:effectLst/>
-                                    <a:latin typeface="Cambria Math" panose="02040503050406030204" pitchFamily="18" charset="0"/>
-                                  </a:rPr>
-                                  <m:t> </m:t>
-                                </m:r>
-                                <m:r>
-                                  <a:rPr lang="en-US" sz="1700" i="1" u="none" strike="noStrike" dirty="0" smtClean="0">
-                                    <a:effectLst/>
-                                    <a:latin typeface="Cambria Math" panose="02040503050406030204" pitchFamily="18" charset="0"/>
-                                  </a:rPr>
-                                  <m:t>𝐻𝑒</m:t>
-                                </m:r>
-                                <m:r>
-                                  <a:rPr lang="en-US" sz="1700" i="1" u="none" strike="noStrike" dirty="0" smtClean="0">
-                                    <a:effectLst/>
-                                    <a:latin typeface="Cambria Math" panose="02040503050406030204" pitchFamily="18" charset="0"/>
-                                  </a:rPr>
-                                  <m:t> </m:t>
-                                </m:r>
-                                <m:r>
-                                  <a:rPr lang="en-US" sz="1700" i="1" u="none" strike="noStrike" dirty="0" smtClean="0">
-                                    <a:effectLst/>
-                                    <a:latin typeface="Cambria Math" panose="02040503050406030204" pitchFamily="18" charset="0"/>
-                                  </a:rPr>
-                                  <m:t>𝐼𝐼</m:t>
-                                </m:r>
-                              </m:oMath>
-                            </m:oMathPara>
-                          </a14:m>
-                          <a:endParaRPr lang="en-US" sz="1700" b="0" i="0" u="none" strike="noStrike" dirty="0">
-                            <a:solidFill>
-                              <a:srgbClr val="000000"/>
-                            </a:solidFill>
-                            <a:effectLst/>
-                            <a:latin typeface="+mn-lt"/>
-                            <a:ea typeface="Arial Unicode MS" panose="020B0604020202020204" pitchFamily="34" charset="-128"/>
-                          </a:endParaRPr>
-                        </a:p>
-                      </a:txBody>
-                      <a:tcPr marL="10016" marR="10016" marT="10016" marB="0" anchor="ctr"/>
-                    </a:tc>
-                    <a:tc>
-                      <a:txBody>
-                        <a:bodyPr/>
-                        <a:lstStyle/>
-                        <a:p>
-                          <a:pPr algn="ctr" fontAlgn="t"/>
-                          <a:r>
-                            <a:rPr lang="ru-RU" sz="1400" u="none" strike="noStrike" dirty="0">
-                              <a:effectLst/>
-                              <a:latin typeface="+mn-lt"/>
-                            </a:rPr>
-                            <a:t> </a:t>
-                          </a:r>
-                          <a:endParaRPr lang="ru-RU" sz="1400" b="0" i="0" u="none" strike="noStrike" dirty="0">
-                            <a:solidFill>
-                              <a:srgbClr val="000000"/>
-                            </a:solidFill>
-                            <a:effectLst/>
-                            <a:latin typeface="+mn-lt"/>
-                            <a:ea typeface="Arial Unicode MS" panose="020B0604020202020204" pitchFamily="34" charset="-128"/>
-                          </a:endParaRPr>
-                        </a:p>
-                      </a:txBody>
-                      <a:tcPr marL="10016" marR="10016" marT="10016" marB="0" anchor="ctr"/>
-                    </a:tc>
-                    <a:tc>
-                      <a:txBody>
-                        <a:bodyPr/>
-                        <a:lstStyle/>
-                        <a:p>
-                          <a:pPr algn="ctr" fontAlgn="t"/>
-                          <a:r>
-                            <a:rPr lang="ru-RU" sz="1400" u="none" strike="noStrike">
-                              <a:effectLst/>
-                              <a:latin typeface="+mn-lt"/>
-                            </a:rPr>
-                            <a:t>✗</a:t>
-                          </a:r>
-                          <a:endParaRPr lang="ru-RU" sz="1400" b="0" i="0" u="none" strike="noStrike">
-                            <a:solidFill>
-                              <a:srgbClr val="000000"/>
-                            </a:solidFill>
-                            <a:effectLst/>
-                            <a:latin typeface="+mn-lt"/>
-                            <a:ea typeface="Arial Unicode MS" panose="020B0604020202020204" pitchFamily="34" charset="-128"/>
-                          </a:endParaRPr>
-                        </a:p>
-                      </a:txBody>
-                      <a:tcPr marL="10016" marR="10016" marT="10016" marB="0" anchor="ctr"/>
-                    </a:tc>
-                    <a:tc>
-                      <a:txBody>
-                        <a:bodyPr/>
-                        <a:lstStyle/>
-                        <a:p>
-                          <a:pPr algn="ctr" fontAlgn="t"/>
-                          <a:r>
-                            <a:rPr lang="ru-RU" sz="1400" u="none" strike="noStrike">
-                              <a:effectLst/>
-                              <a:latin typeface="+mn-lt"/>
-                            </a:rPr>
-                            <a:t>✗</a:t>
-                          </a:r>
-                          <a:endParaRPr lang="ru-RU" sz="1400" b="0" i="0" u="none" strike="noStrike">
-                            <a:solidFill>
-                              <a:srgbClr val="000000"/>
-                            </a:solidFill>
-                            <a:effectLst/>
-                            <a:latin typeface="+mn-lt"/>
-                            <a:ea typeface="Arial Unicode MS" panose="020B0604020202020204" pitchFamily="34" charset="-128"/>
-                          </a:endParaRPr>
-                        </a:p>
-                      </a:txBody>
-                      <a:tcPr marL="10016" marR="10016" marT="10016" marB="0" anchor="ctr"/>
-                    </a:tc>
-                    <a:tc>
-                      <a:txBody>
-                        <a:bodyPr/>
-                        <a:lstStyle/>
-                        <a:p>
-                          <a:pPr algn="ctr" fontAlgn="t"/>
-                          <a:r>
-                            <a:rPr lang="ru-RU" sz="1400" u="none" strike="noStrike" dirty="0">
-                              <a:effectLst/>
-                              <a:latin typeface="+mn-lt"/>
-                            </a:rPr>
-                            <a:t>✗</a:t>
-                          </a:r>
-                          <a:endParaRPr lang="ru-RU" sz="1400" b="0" i="0" u="none" strike="noStrike" dirty="0">
-                            <a:solidFill>
-                              <a:srgbClr val="000000"/>
-                            </a:solidFill>
-                            <a:effectLst/>
-                            <a:latin typeface="+mn-lt"/>
-                            <a:ea typeface="Arial Unicode MS" panose="020B0604020202020204" pitchFamily="34" charset="-128"/>
-                          </a:endParaRPr>
-                        </a:p>
-                      </a:txBody>
-                      <a:tcPr marL="10016" marR="10016" marT="10016" marB="0" anchor="ctr"/>
-                    </a:tc>
-                    <a:extLst>
-                      <a:ext uri="{0D108BD9-81ED-4DB2-BD59-A6C34878D82A}">
-                        <a16:rowId xmlns:a16="http://schemas.microsoft.com/office/drawing/2014/main" val="1446920858"/>
-                      </a:ext>
-                    </a:extLst>
-                  </a:tr>
-                  <a:tr h="356146">
-                    <a:tc gridSpan="3">
-                      <a:txBody>
-                        <a:bodyPr/>
-                        <a:lstStyle/>
-                        <a:p>
-                          <a:pPr algn="ctr" fontAlgn="ctr"/>
-                          <a:r>
-                            <a:rPr lang="ru-RU" sz="1500" u="none" strike="noStrike" dirty="0">
-                              <a:effectLst/>
-                              <a:latin typeface="+mn-lt"/>
-                            </a:rPr>
-                            <a:t>Наиболее насыщенные  линии </a:t>
-                          </a:r>
-                          <a:endParaRPr lang="en-US" sz="1500" b="0" i="0" u="none" strike="noStrike" dirty="0">
-                            <a:solidFill>
-                              <a:srgbClr val="000000"/>
-                            </a:solidFill>
-                            <a:effectLst/>
-                            <a:latin typeface="+mn-lt"/>
-                            <a:ea typeface="Arial Unicode MS" panose="020B0604020202020204" pitchFamily="34" charset="-128"/>
-                          </a:endParaRPr>
-                        </a:p>
-                      </a:txBody>
-                      <a:tcPr marL="101124" marR="101124" marT="50562" marB="50562" anchor="ctr"/>
-                    </a:tc>
-                    <a:tc hMerge="1">
-                      <a:txBody>
-                        <a:bodyPr/>
-                        <a:lstStyle/>
-                        <a:p>
-                          <a:endParaRPr lang="ru-RU"/>
-                        </a:p>
-                      </a:txBody>
-                      <a:tcPr/>
-                    </a:tc>
-                    <a:tc hMerge="1">
-                      <a:txBody>
-                        <a:bodyPr/>
-                        <a:lstStyle/>
-                        <a:p>
-                          <a:endParaRPr lang="ru-RU"/>
-                        </a:p>
-                      </a:txBody>
-                      <a:tcPr/>
                     </a:tc>
                     <a:tc>
                       <a:txBody>
@@ -6138,35 +7945,42 @@
                               </m:oMathParaPr>
                               <m:oMath xmlns:m="http://schemas.openxmlformats.org/officeDocument/2006/math">
                                 <m:r>
-                                  <a:rPr lang="en-US" sz="1400" i="1" u="none" strike="noStrike" dirty="0" smtClean="0">
+                                  <a:rPr lang="ru-RU" sz="1500" i="1" u="none" strike="noStrike" dirty="0" smtClean="0">
                                     <a:effectLst/>
                                     <a:latin typeface="Cambria Math" panose="02040503050406030204" pitchFamily="18" charset="0"/>
                                   </a:rPr>
-                                  <m:t> [</m:t>
+                                  <m:t> </m:t>
                                 </m:r>
                                 <m:r>
-                                  <a:rPr lang="en-US" sz="1400" i="1" u="none" strike="noStrike" dirty="0" smtClean="0">
+                                  <a:rPr lang="en-US" sz="1500" i="1" u="none" strike="noStrike" dirty="0" smtClean="0">
+                                    <a:effectLst/>
+                                    <a:latin typeface="Cambria Math" panose="02040503050406030204" pitchFamily="18" charset="0"/>
+                                  </a:rPr>
+                                  <m:t>[</m:t>
+                                </m:r>
+                                <m:r>
+                                  <a:rPr lang="en-US" sz="1500" i="1" u="none" strike="noStrike" dirty="0">
                                     <a:effectLst/>
                                     <a:latin typeface="Cambria Math" panose="02040503050406030204" pitchFamily="18" charset="0"/>
                                   </a:rPr>
                                   <m:t>𝑂</m:t>
                                 </m:r>
                                 <m:r>
-                                  <a:rPr lang="en-US" sz="1400" i="1" u="none" strike="noStrike" dirty="0" smtClean="0">
+                                  <a:rPr lang="en-US" sz="1500" i="1" u="none" strike="noStrike" dirty="0">
                                     <a:effectLst/>
                                     <a:latin typeface="Cambria Math" panose="02040503050406030204" pitchFamily="18" charset="0"/>
                                   </a:rPr>
                                   <m:t> </m:t>
                                 </m:r>
                                 <m:r>
-                                  <a:rPr lang="en-US" sz="1400" i="1" u="none" strike="noStrike" dirty="0" smtClean="0">
+                                  <a:rPr lang="en-US" sz="1500" i="1" u="none" strike="noStrike" dirty="0" smtClean="0">
                                     <a:effectLst/>
                                     <a:latin typeface="Cambria Math" panose="02040503050406030204" pitchFamily="18" charset="0"/>
                                   </a:rPr>
                                   <m:t>𝐼𝐼𝐼</m:t>
                                 </m:r>
                                 <m:r>
-                                  <a:rPr lang="en-US" sz="1400" i="1" u="none" strike="noStrike" dirty="0" smtClean="0">
+                                  <a:rPr lang="en-US" sz="1500" i="1" u="none" strike="noStrike" dirty="0" smtClean="0">
                                     <a:effectLst/>
                                     <a:latin typeface="Cambria Math" panose="02040503050406030204" pitchFamily="18" charset="0"/>
                                   </a:rPr>
@@ -6175,124 +7989,7 @@
                               </m:oMath>
                             </m:oMathPara>
                           </a14:m>
-                          <a:endParaRPr lang="en-US" sz="1400" b="0" i="0" u="none" strike="noStrike" dirty="0">
-                            <a:solidFill>
-                              <a:srgbClr val="000000"/>
-                            </a:solidFill>
-                            <a:effectLst/>
-                            <a:latin typeface="+mn-lt"/>
-                            <a:ea typeface="Arial Unicode MS" panose="020B0604020202020204" pitchFamily="34" charset="-128"/>
-                          </a:endParaRPr>
-                        </a:p>
-                      </a:txBody>
-                      <a:tcPr marL="10016" marR="10016" marT="10016" marB="0" anchor="ctr"/>
-                    </a:tc>
-                    <a:tc>
-                      <a:txBody>
-                        <a:bodyPr/>
-                        <a:lstStyle/>
-                        <a:p>
-                          <a:pPr algn="ctr" fontAlgn="t"/>
-                          <a14:m>
-                            <m:oMathPara xmlns:m="http://schemas.openxmlformats.org/officeDocument/2006/math">
-                              <m:oMathParaPr>
-                                <m:jc m:val="centerGroup"/>
-                              </m:oMathParaPr>
-                              <m:oMath xmlns:m="http://schemas.openxmlformats.org/officeDocument/2006/math">
-                                <m:r>
-                                  <a:rPr lang="en-US" sz="1400" i="1" u="none" strike="noStrike" dirty="0" smtClean="0">
-                                    <a:effectLst/>
-                                    <a:latin typeface="Cambria Math" panose="02040503050406030204" pitchFamily="18" charset="0"/>
-                                  </a:rPr>
-                                  <m:t> </m:t>
-                                </m:r>
-                                <m:r>
-                                  <a:rPr lang="en-US" sz="1400" i="1" u="none" strike="noStrike" dirty="0" smtClean="0">
-                                    <a:effectLst/>
-                                    <a:latin typeface="Cambria Math" panose="02040503050406030204" pitchFamily="18" charset="0"/>
-                                  </a:rPr>
-                                  <m:t>𝐻</m:t>
-                                </m:r>
-                                <m:r>
-                                  <a:rPr lang="el-GR" sz="1400" i="1" u="none" strike="noStrike" dirty="0" smtClean="0">
-                                    <a:effectLst/>
-                                    <a:latin typeface="Cambria Math" panose="02040503050406030204" pitchFamily="18" charset="0"/>
-                                  </a:rPr>
-                                  <m:t>𝛼</m:t>
-                                </m:r>
-                              </m:oMath>
-                            </m:oMathPara>
-                          </a14:m>
-                          <a:endParaRPr lang="el-GR" sz="1400" b="0" i="0" u="none" strike="noStrike" dirty="0">
-                            <a:solidFill>
-                              <a:srgbClr val="000000"/>
-                            </a:solidFill>
-                            <a:effectLst/>
-                            <a:latin typeface="+mn-lt"/>
-                            <a:ea typeface="Arial Unicode MS" panose="020B0604020202020204" pitchFamily="34" charset="-128"/>
-                          </a:endParaRPr>
-                        </a:p>
-                      </a:txBody>
-                      <a:tcPr marL="10016" marR="10016" marT="10016" marB="0" anchor="ctr"/>
-                    </a:tc>
-                    <a:tc>
-                      <a:txBody>
-                        <a:bodyPr/>
-                        <a:lstStyle/>
-                        <a:p>
-                          <a:pPr algn="ctr" fontAlgn="t"/>
-                          <a14:m>
-                            <m:oMathPara xmlns:m="http://schemas.openxmlformats.org/officeDocument/2006/math">
-                              <m:oMathParaPr>
-                                <m:jc m:val="centerGroup"/>
-                              </m:oMathParaPr>
-                              <m:oMath xmlns:m="http://schemas.openxmlformats.org/officeDocument/2006/math">
-                                <m:r>
-                                  <a:rPr lang="ru-RU" sz="1400" i="1" u="none" strike="noStrike" dirty="0" smtClean="0">
-                                    <a:effectLst/>
-                                    <a:latin typeface="Cambria Math" panose="02040503050406030204" pitchFamily="18" charset="0"/>
-                                  </a:rPr>
-                                  <m:t> </m:t>
-                                </m:r>
-                                <m:r>
-                                  <a:rPr lang="en-US" sz="1400" i="1" u="none" strike="noStrike" dirty="0" smtClean="0">
-                                    <a:effectLst/>
-                                    <a:latin typeface="Cambria Math" panose="02040503050406030204" pitchFamily="18" charset="0"/>
-                                  </a:rPr>
-                                  <m:t>[</m:t>
-                                </m:r>
-                                <m:r>
-                                  <a:rPr lang="en-US" sz="1400" i="1" u="none" strike="noStrike" dirty="0">
-                                    <a:effectLst/>
-                                    <a:latin typeface="Cambria Math" panose="02040503050406030204" pitchFamily="18" charset="0"/>
-                                  </a:rPr>
-                                  <m:t>𝑂</m:t>
-                                </m:r>
-                                <m:r>
-                                  <a:rPr lang="en-US" sz="1400" i="1" u="none" strike="noStrike" dirty="0">
-                                    <a:effectLst/>
-                                    <a:latin typeface="Cambria Math" panose="02040503050406030204" pitchFamily="18" charset="0"/>
-                                  </a:rPr>
-                                  <m:t> </m:t>
-                                </m:r>
-                                <m:r>
-                                  <a:rPr lang="en-US" sz="1400" i="1" u="none" strike="noStrike" dirty="0" smtClean="0">
-                                    <a:effectLst/>
-                                    <a:latin typeface="Cambria Math" panose="02040503050406030204" pitchFamily="18" charset="0"/>
-                                  </a:rPr>
-                                  <m:t>𝐼𝐼𝐼</m:t>
-                                </m:r>
-                                <m:r>
-                                  <a:rPr lang="en-US" sz="1400" i="1" u="none" strike="noStrike" dirty="0" smtClean="0">
-                                    <a:effectLst/>
-                                    <a:latin typeface="Cambria Math" panose="02040503050406030204" pitchFamily="18" charset="0"/>
-                                  </a:rPr>
-                                  <m:t>]</m:t>
-                                </m:r>
-                              </m:oMath>
-                            </m:oMathPara>
-                          </a14:m>
-                          <a:endParaRPr lang="en-US" sz="1400" b="0" i="0" u="none" strike="noStrike" dirty="0">
+                          <a:endParaRPr lang="en-US" sz="1500" b="0" i="0" u="none" strike="noStrike" dirty="0">
                             <a:solidFill>
                               <a:srgbClr val="000000"/>
                             </a:solidFill>
@@ -6331,14 +8028,14 @@
               <p:nvPr>
                 <p:extLst>
                   <p:ext uri="{D42A27DB-BD31-4B8C-83A1-F6EECF244321}">
-                    <p14:modId xmlns:p14="http://schemas.microsoft.com/office/powerpoint/2010/main" val="486737270"/>
+                    <p14:modId xmlns:p14="http://schemas.microsoft.com/office/powerpoint/2010/main" val="2140448596"/>
                   </p:ext>
                 </p:extLst>
               </p:nvPr>
             </p:nvGraphicFramePr>
             <p:xfrm>
-              <a:off x="3278983" y="2201458"/>
-              <a:ext cx="5553068" cy="3005932"/>
+              <a:off x="3404523" y="860338"/>
+              <a:ext cx="5382951" cy="5369780"/>
             </p:xfrm>
             <a:graphic>
               <a:graphicData uri="http://schemas.openxmlformats.org/drawingml/2006/table">
@@ -6347,21 +8044,21 @@
                     <a:tableStyleId>{5C22544A-7EE6-4342-B048-85BDC9FD1C3A}</a:tableStyleId>
                   </a:tblPr>
                   <a:tblGrid>
-                    <a:gridCol w="1581405">
+                    <a:gridCol w="1590929">
                       <a:extLst>
                         <a:ext uri="{9D8B030D-6E8A-4147-A177-3AD203B41FA5}">
                           <a16:colId xmlns:a16="http://schemas.microsoft.com/office/drawing/2014/main" val="583403390"/>
                         </a:ext>
                       </a:extLst>
                     </a:gridCol>
-                    <a:gridCol w="655984">
+                    <a:gridCol w="738280">
                       <a:extLst>
                         <a:ext uri="{9D8B030D-6E8A-4147-A177-3AD203B41FA5}">
                           <a16:colId xmlns:a16="http://schemas.microsoft.com/office/drawing/2014/main" val="2889791689"/>
                         </a:ext>
                       </a:extLst>
                     </a:gridCol>
-                    <a:gridCol w="1485075">
+                    <a:gridCol w="1223138">
                       <a:extLst>
                         <a:ext uri="{9D8B030D-6E8A-4147-A177-3AD203B41FA5}">
                           <a16:colId xmlns:a16="http://schemas.microsoft.com/office/drawing/2014/main" val="2629724892"/>
@@ -6403,7 +8100,7 @@
                         <a:blipFill>
                           <a:blip r:embed="rId2"/>
                           <a:stretch>
-                            <a:fillRect l="-385" t="-952" r="-251538" b="-377143"/>
+                            <a:fillRect l="-383" t="-775" r="-239464" b="-589147"/>
                           </a:stretch>
                         </a:blipFill>
                       </a:tcPr>
@@ -6449,7 +8146,7 @@
                         <a:blipFill>
                           <a:blip r:embed="rId2"/>
                           <a:stretch>
-                            <a:fillRect l="-150820" t="-952" r="-124180" b="-377143"/>
+                            <a:fillRect l="-192000" t="-775" r="-151500" b="-589147"/>
                           </a:stretch>
                         </a:blipFill>
                       </a:tcPr>
@@ -6512,7 +8209,7 @@
                       </a:ext>
                     </a:extLst>
                   </a:tr>
-                  <a:tr h="280445">
+                  <a:tr h="430778">
                     <a:tc vMerge="1">
                       <a:txBody>
                         <a:bodyPr/>
@@ -6632,53 +8329,11 @@
                         <a:p>
                           <a:pPr algn="ctr" fontAlgn="ctr"/>
                           <a:r>
-                            <a:rPr lang="ru-RU" sz="1500" u="none" strike="noStrike">
+                            <a:rPr lang="ru-RU" sz="1500" u="none" strike="noStrike" dirty="0">
                               <a:effectLst/>
                               <a:latin typeface="+mn-lt"/>
                             </a:rPr>
                             <a:t>6087</a:t>
-                          </a:r>
-                          <a:endParaRPr lang="ru-RU" sz="1500" b="0" i="0" u="none" strike="noStrike">
-                            <a:solidFill>
-                              <a:srgbClr val="000000"/>
-                            </a:solidFill>
-                            <a:effectLst/>
-                            <a:latin typeface="+mn-lt"/>
-                            <a:ea typeface="Arial Unicode MS" panose="020B0604020202020204" pitchFamily="34" charset="-128"/>
-                          </a:endParaRPr>
-                        </a:p>
-                      </a:txBody>
-                      <a:tcPr marL="10016" marR="10016" marT="10016" marB="0" anchor="ctr"/>
-                    </a:tc>
-                    <a:tc>
-                      <a:txBody>
-                        <a:bodyPr/>
-                        <a:lstStyle/>
-                        <a:p>
-                          <a:endParaRPr lang="ru-RU"/>
-                        </a:p>
-                      </a:txBody>
-                      <a:tcPr marL="10016" marR="10016" marT="10016" marB="0" anchor="ctr">
-                        <a:blipFill>
-                          <a:blip r:embed="rId2"/>
-                          <a:stretch>
-                            <a:fillRect l="-243925" t="-230435" r="-511215" b="-760870"/>
-                          </a:stretch>
-                        </a:blipFill>
-                      </a:tcPr>
-                    </a:tc>
-                    <a:tc>
-                      <a:txBody>
-                        <a:bodyPr/>
-                        <a:lstStyle/>
-                        <a:p>
-                          <a:pPr algn="ctr" fontAlgn="ctr"/>
-                          <a:r>
-                            <a:rPr lang="ru-RU" sz="1500" u="none" strike="noStrike" dirty="0">
-                              <a:effectLst/>
-                              <a:latin typeface="+mn-lt"/>
-                            </a:rPr>
-                            <a:t>67.1</a:t>
                           </a:r>
                           <a:endParaRPr lang="ru-RU" sz="1500" b="0" i="0" u="none" strike="noStrike" dirty="0">
                             <a:solidFill>
@@ -6697,83 +8352,18 @@
                         <a:bodyPr/>
                         <a:lstStyle/>
                         <a:p>
-                          <a:pPr algn="ctr" fontAlgn="t"/>
-                          <a:r>
-                            <a:rPr lang="ru-RU" sz="1400" u="none" strike="noStrike" dirty="0">
-                              <a:effectLst/>
-                              <a:latin typeface="+mn-lt"/>
-                            </a:rPr>
-                            <a:t>✗</a:t>
-                          </a:r>
-                          <a:endParaRPr lang="ru-RU" sz="1400" b="0" i="0" u="none" strike="noStrike" dirty="0">
-                            <a:solidFill>
-                              <a:srgbClr val="000000"/>
-                            </a:solidFill>
-                            <a:effectLst/>
-                            <a:latin typeface="+mn-lt"/>
-                            <a:ea typeface="Arial Unicode MS" panose="020B0604020202020204" pitchFamily="34" charset="-128"/>
-                          </a:endParaRPr>
-                        </a:p>
-                      </a:txBody>
-                      <a:tcPr marL="10016" marR="10016" marT="10016" marB="0" anchor="ctr"/>
-                    </a:tc>
-                    <a:tc>
-                      <a:txBody>
-                        <a:bodyPr/>
-                        <a:lstStyle/>
-                        <a:p>
-                          <a:pPr algn="ctr" fontAlgn="b"/>
-                          <a:r>
-                            <a:rPr lang="ru-RU" sz="1300" u="none" strike="noStrike">
-                              <a:effectLst/>
-                              <a:latin typeface="+mn-lt"/>
-                            </a:rPr>
-                            <a:t>✗</a:t>
-                          </a:r>
-                          <a:endParaRPr lang="ru-RU" sz="1300" b="0" i="0" u="none" strike="noStrike">
-                            <a:solidFill>
-                              <a:srgbClr val="202122"/>
-                            </a:solidFill>
-                            <a:effectLst/>
-                            <a:latin typeface="+mn-lt"/>
-                            <a:ea typeface="Arial Unicode MS" panose="020B0604020202020204" pitchFamily="34" charset="-128"/>
-                          </a:endParaRPr>
-                        </a:p>
-                      </a:txBody>
-                      <a:tcPr marL="10016" marR="10016" marT="10016" marB="0" anchor="ctr"/>
-                    </a:tc>
-                    <a:tc>
-                      <a:txBody>
-                        <a:bodyPr/>
-                        <a:lstStyle/>
-                        <a:p>
-                          <a:pPr algn="ctr" fontAlgn="t"/>
-                          <a:r>
-                            <a:rPr lang="ru-RU" sz="1400" u="none" strike="noStrike" dirty="0">
-                              <a:effectLst/>
-                              <a:latin typeface="+mn-lt"/>
-                            </a:rPr>
-                            <a:t>✗</a:t>
-                          </a:r>
-                          <a:endParaRPr lang="ru-RU" sz="1400" b="0" i="0" u="none" strike="noStrike" dirty="0">
-                            <a:solidFill>
-                              <a:srgbClr val="000000"/>
-                            </a:solidFill>
-                            <a:effectLst/>
-                            <a:latin typeface="+mn-lt"/>
-                            <a:ea typeface="Arial Unicode MS" panose="020B0604020202020204" pitchFamily="34" charset="-128"/>
-                          </a:endParaRPr>
-                        </a:p>
-                      </a:txBody>
-                      <a:tcPr marL="10016" marR="10016" marT="10016" marB="0" anchor="ctr"/>
-                    </a:tc>
-                    <a:extLst>
-                      <a:ext uri="{0D108BD9-81ED-4DB2-BD59-A6C34878D82A}">
-                        <a16:rowId xmlns:a16="http://schemas.microsoft.com/office/drawing/2014/main" val="2451768508"/>
-                      </a:ext>
-                    </a:extLst>
-                  </a:tr>
-                  <a:tr h="280445">
+                          <a:endParaRPr lang="ru-RU"/>
+                        </a:p>
+                      </a:txBody>
+                      <a:tcPr marL="10016" marR="10016" marT="10016" marB="0" anchor="ctr">
+                        <a:blipFill>
+                          <a:blip r:embed="rId2"/>
+                          <a:stretch>
+                            <a:fillRect l="-214754" t="-282609" r="-412295" b="-1552174"/>
+                          </a:stretch>
+                        </a:blipFill>
+                      </a:tcPr>
+                    </a:tc>
                     <a:tc>
                       <a:txBody>
                         <a:bodyPr/>
@@ -6785,7 +8375,7 @@
                               <a:effectLst/>
                               <a:latin typeface="+mn-lt"/>
                             </a:rPr>
-                            <a:t>7005</a:t>
+                            <a:t>67.1</a:t>
                           </a:r>
                           <a:endParaRPr lang="ru-RU" sz="1500" b="0" i="0" u="none" strike="noStrike" dirty="0">
                             <a:solidFill>
@@ -6804,30 +8394,133 @@
                         <a:bodyPr/>
                         <a:lstStyle/>
                         <a:p>
-                          <a:endParaRPr lang="ru-RU"/>
-                        </a:p>
-                      </a:txBody>
-                      <a:tcPr marL="10016" marR="10016" marT="10016" marB="0" anchor="ctr">
-                        <a:blipFill>
-                          <a:blip r:embed="rId2"/>
-                          <a:stretch>
-                            <a:fillRect l="-243925" t="-330435" r="-511215" b="-660870"/>
-                          </a:stretch>
-                        </a:blipFill>
-                      </a:tcPr>
-                    </a:tc>
-                    <a:tc>
-                      <a:txBody>
-                        <a:bodyPr/>
-                        <a:lstStyle/>
-                        <a:p>
-                          <a:pPr algn="ctr" fontAlgn="ctr"/>
+                          <a:pPr marL="0" marR="0" lvl="0" indent="0" algn="ctr" defTabSz="914400" rtl="0" eaLnBrk="1" fontAlgn="t" latinLnBrk="0" hangingPunct="1">
+                            <a:lnSpc>
+                              <a:spcPct val="100000"/>
+                            </a:lnSpc>
+                            <a:spcBef>
+                              <a:spcPts val="0"/>
+                            </a:spcBef>
+                            <a:spcAft>
+                              <a:spcPts val="0"/>
+                            </a:spcAft>
+                            <a:buClrTx/>
+                            <a:buSzTx/>
+                            <a:buFontTx/>
+                            <a:buNone/>
+                            <a:tabLst/>
+                            <a:defRPr/>
+                          </a:pPr>
+                          <a:r>
+                            <a:rPr lang="ru-RU" sz="1500" b="0" i="0" u="none" strike="noStrike" dirty="0">
+                              <a:solidFill>
+                                <a:srgbClr val="000000"/>
+                              </a:solidFill>
+                              <a:effectLst/>
+                              <a:latin typeface="+mn-lt"/>
+                              <a:ea typeface="Arial Unicode MS" panose="020B0604020202020204" pitchFamily="34" charset="-128"/>
+                            </a:rPr>
+                            <a:t>✗</a:t>
+                          </a:r>
+                        </a:p>
+                      </a:txBody>
+                      <a:tcPr marL="10016" marR="10016" marT="10016" marB="0" anchor="ctr"/>
+                    </a:tc>
+                    <a:tc>
+                      <a:txBody>
+                        <a:bodyPr/>
+                        <a:lstStyle/>
+                        <a:p>
+                          <a:pPr algn="ctr" fontAlgn="b"/>
+                          <a:r>
+                            <a:rPr lang="ru-RU" sz="1500" b="0" i="0" u="none" strike="noStrike" dirty="0">
+                              <a:solidFill>
+                                <a:srgbClr val="202122"/>
+                              </a:solidFill>
+                              <a:effectLst/>
+                              <a:latin typeface="+mn-lt"/>
+                              <a:ea typeface="Arial Unicode MS" panose="020B0604020202020204" pitchFamily="34" charset="-128"/>
+                            </a:rPr>
+                            <a:t>✗</a:t>
+                          </a:r>
+                        </a:p>
+                      </a:txBody>
+                      <a:tcPr marL="10016" marR="10016" marT="10016" marB="0" anchor="ctr"/>
+                    </a:tc>
+                    <a:tc>
+                      <a:txBody>
+                        <a:bodyPr/>
+                        <a:lstStyle/>
+                        <a:p>
+                          <a:pPr algn="ctr" fontAlgn="t"/>
+                          <a:r>
+                            <a:rPr lang="ru-RU" sz="1500" b="0" i="0" u="none" strike="noStrike" dirty="0">
+                              <a:solidFill>
+                                <a:srgbClr val="000000"/>
+                              </a:solidFill>
+                              <a:effectLst/>
+                              <a:latin typeface="+mn-lt"/>
+                              <a:ea typeface="Arial Unicode MS" panose="020B0604020202020204" pitchFamily="34" charset="-128"/>
+                            </a:rPr>
+                            <a:t>✗</a:t>
+                          </a:r>
+                        </a:p>
+                      </a:txBody>
+                      <a:tcPr marL="10016" marR="10016" marT="10016" marB="0" anchor="ctr"/>
+                    </a:tc>
+                    <a:extLst>
+                      <a:ext uri="{0D108BD9-81ED-4DB2-BD59-A6C34878D82A}">
+                        <a16:rowId xmlns:a16="http://schemas.microsoft.com/office/drawing/2014/main" val="2451768508"/>
+                      </a:ext>
+                    </a:extLst>
+                  </a:tr>
+                  <a:tr h="280445">
+                    <a:tc>
+                      <a:txBody>
+                        <a:bodyPr/>
+                        <a:lstStyle/>
+                        <a:p>
+                          <a:pPr marL="0" marR="0" lvl="0" indent="0" algn="ctr" defTabSz="914400" rtl="0" eaLnBrk="1" fontAlgn="ctr" latinLnBrk="0" hangingPunct="1">
+                            <a:lnSpc>
+                              <a:spcPct val="100000"/>
+                            </a:lnSpc>
+                            <a:spcBef>
+                              <a:spcPts val="0"/>
+                            </a:spcBef>
+                            <a:spcAft>
+                              <a:spcPts val="0"/>
+                            </a:spcAft>
+                            <a:buClrTx/>
+                            <a:buSzTx/>
+                            <a:buFontTx/>
+                            <a:buNone/>
+                            <a:tabLst/>
+                            <a:defRPr/>
+                          </a:pPr>
                           <a:r>
                             <a:rPr lang="ru-RU" sz="1500" u="none" strike="noStrike" dirty="0">
                               <a:effectLst/>
                               <a:latin typeface="+mn-lt"/>
                             </a:rPr>
-                            <a:t>59.8</a:t>
+                            <a:t>6434</a:t>
+                          </a:r>
+                          <a:r>
+                            <a:rPr lang="en-US" sz="1500" b="0" i="0" u="none" strike="noStrike" dirty="0">
+                              <a:solidFill>
+                                <a:srgbClr val="000000"/>
+                              </a:solidFill>
+                              <a:effectLst/>
+                              <a:latin typeface="+mn-lt"/>
+                              <a:ea typeface="Arial Unicode MS" panose="020B0604020202020204" pitchFamily="34" charset="-128"/>
+                            </a:rPr>
+                            <a:t> / </a:t>
+                          </a:r>
+                          <a:r>
+                            <a:rPr lang="ru-RU" sz="1500" u="none" strike="noStrike" dirty="0">
+                              <a:effectLst/>
+                              <a:latin typeface="+mn-lt"/>
+                            </a:rPr>
+                            <a:t>7005</a:t>
                           </a:r>
                           <a:endParaRPr lang="ru-RU" sz="1500" b="0" i="0" u="none" strike="noStrike" dirty="0">
                             <a:solidFill>
@@ -6846,83 +8539,18 @@
                         <a:bodyPr/>
                         <a:lstStyle/>
                         <a:p>
-                          <a:pPr algn="ctr" fontAlgn="t"/>
-                          <a:r>
-                            <a:rPr lang="ru-RU" sz="1400" u="none" strike="noStrike" dirty="0">
-                              <a:effectLst/>
-                              <a:latin typeface="+mn-lt"/>
-                            </a:rPr>
-                            <a:t>✗</a:t>
-                          </a:r>
-                          <a:endParaRPr lang="ru-RU" sz="1400" b="0" i="0" u="none" strike="noStrike" dirty="0">
-                            <a:solidFill>
-                              <a:srgbClr val="000000"/>
-                            </a:solidFill>
-                            <a:effectLst/>
-                            <a:latin typeface="+mn-lt"/>
-                            <a:ea typeface="Arial Unicode MS" panose="020B0604020202020204" pitchFamily="34" charset="-128"/>
-                          </a:endParaRPr>
-                        </a:p>
-                      </a:txBody>
-                      <a:tcPr marL="10016" marR="10016" marT="10016" marB="0" anchor="ctr"/>
-                    </a:tc>
-                    <a:tc>
-                      <a:txBody>
-                        <a:bodyPr/>
-                        <a:lstStyle/>
-                        <a:p>
-                          <a:pPr algn="ctr" fontAlgn="t"/>
-                          <a:r>
-                            <a:rPr lang="ru-RU" sz="1400" u="none" strike="noStrike" dirty="0">
-                              <a:effectLst/>
-                              <a:latin typeface="+mn-lt"/>
-                            </a:rPr>
-                            <a:t>✗</a:t>
-                          </a:r>
-                          <a:endParaRPr lang="ru-RU" sz="1400" b="0" i="0" u="none" strike="noStrike" dirty="0">
-                            <a:solidFill>
-                              <a:srgbClr val="000000"/>
-                            </a:solidFill>
-                            <a:effectLst/>
-                            <a:latin typeface="+mn-lt"/>
-                            <a:ea typeface="Arial Unicode MS" panose="020B0604020202020204" pitchFamily="34" charset="-128"/>
-                          </a:endParaRPr>
-                        </a:p>
-                      </a:txBody>
-                      <a:tcPr marL="10016" marR="10016" marT="10016" marB="0" anchor="ctr"/>
-                    </a:tc>
-                    <a:tc>
-                      <a:txBody>
-                        <a:bodyPr/>
-                        <a:lstStyle/>
-                        <a:p>
-                          <a:pPr algn="ctr" fontAlgn="t"/>
-                          <a:r>
-                            <a:rPr lang="ru-RU" sz="1400" u="none" strike="noStrike" dirty="0">
-                              <a:effectLst/>
-                              <a:latin typeface="+mn-lt"/>
-                            </a:rPr>
-                            <a:t>✗</a:t>
-                          </a:r>
-                          <a:endParaRPr lang="ru-RU" sz="1400" b="0" i="0" u="none" strike="noStrike" dirty="0">
-                            <a:solidFill>
-                              <a:srgbClr val="000000"/>
-                            </a:solidFill>
-                            <a:effectLst/>
-                            <a:latin typeface="+mn-lt"/>
-                            <a:ea typeface="Arial Unicode MS" panose="020B0604020202020204" pitchFamily="34" charset="-128"/>
-                          </a:endParaRPr>
-                        </a:p>
-                      </a:txBody>
-                      <a:tcPr marL="10016" marR="10016" marT="10016" marB="0" anchor="ctr"/>
-                    </a:tc>
-                    <a:extLst>
-                      <a:ext uri="{0D108BD9-81ED-4DB2-BD59-A6C34878D82A}">
-                        <a16:rowId xmlns:a16="http://schemas.microsoft.com/office/drawing/2014/main" val="3097145428"/>
-                      </a:ext>
-                    </a:extLst>
-                  </a:tr>
-                  <a:tr h="280445">
+                          <a:endParaRPr lang="ru-RU"/>
+                        </a:p>
+                      </a:txBody>
+                      <a:tcPr marL="10016" marR="10016" marT="10016" marB="0" anchor="ctr">
+                        <a:blipFill>
+                          <a:blip r:embed="rId2"/>
+                          <a:stretch>
+                            <a:fillRect l="-214754" t="-382609" r="-412295" b="-1452174"/>
+                          </a:stretch>
+                        </a:blipFill>
+                      </a:tcPr>
+                    </a:tc>
                     <a:tc>
                       <a:txBody>
                         <a:bodyPr/>
@@ -6934,7 +8562,14 @@
                               <a:effectLst/>
                               <a:latin typeface="+mn-lt"/>
                             </a:rPr>
-                            <a:t>6434</a:t>
+                            <a:t>59.8</a:t>
+                          </a:r>
+                          <a:r>
+                            <a:rPr lang="en-US" sz="1500" u="none" strike="noStrike" dirty="0">
+                              <a:effectLst/>
+                              <a:latin typeface="+mn-lt"/>
+                            </a:rPr>
+                            <a:t>1</a:t>
                           </a:r>
                           <a:endParaRPr lang="ru-RU" sz="1500" b="0" i="0" u="none" strike="noStrike" dirty="0">
                             <a:solidFill>
@@ -6953,18 +8588,87 @@
                         <a:bodyPr/>
                         <a:lstStyle/>
                         <a:p>
-                          <a:endParaRPr lang="ru-RU"/>
-                        </a:p>
-                      </a:txBody>
-                      <a:tcPr marL="10016" marR="10016" marT="10016" marB="0" anchor="ctr">
-                        <a:blipFill>
-                          <a:blip r:embed="rId2"/>
-                          <a:stretch>
-                            <a:fillRect l="-243925" t="-430435" r="-511215" b="-560870"/>
-                          </a:stretch>
-                        </a:blipFill>
-                      </a:tcPr>
-                    </a:tc>
+                          <a:pPr algn="ctr" fontAlgn="t"/>
+                          <a:r>
+                            <a:rPr lang="ru-RU" sz="1500" b="0" i="0" u="none" strike="noStrike" dirty="0">
+                              <a:solidFill>
+                                <a:srgbClr val="000000"/>
+                              </a:solidFill>
+                              <a:effectLst/>
+                              <a:latin typeface="+mn-lt"/>
+                              <a:ea typeface="Arial Unicode MS" panose="020B0604020202020204" pitchFamily="34" charset="-128"/>
+                            </a:rPr>
+                            <a:t>✗</a:t>
+                          </a:r>
+                        </a:p>
+                      </a:txBody>
+                      <a:tcPr marL="10016" marR="10016" marT="10016" marB="0" anchor="ctr"/>
+                    </a:tc>
+                    <a:tc>
+                      <a:txBody>
+                        <a:bodyPr/>
+                        <a:lstStyle/>
+                        <a:p>
+                          <a:pPr marL="0" marR="0" lvl="0" indent="0" algn="ctr" defTabSz="914400" rtl="0" eaLnBrk="1" fontAlgn="t" latinLnBrk="0" hangingPunct="1">
+                            <a:lnSpc>
+                              <a:spcPct val="100000"/>
+                            </a:lnSpc>
+                            <a:spcBef>
+                              <a:spcPts val="0"/>
+                            </a:spcBef>
+                            <a:spcAft>
+                              <a:spcPts val="0"/>
+                            </a:spcAft>
+                            <a:buClrTx/>
+                            <a:buSzTx/>
+                            <a:buFontTx/>
+                            <a:buNone/>
+                            <a:tabLst/>
+                            <a:defRPr/>
+                          </a:pPr>
+                          <a:r>
+                            <a:rPr lang="ru-RU" sz="1500" b="0" i="0" u="none" strike="noStrike" dirty="0">
+                              <a:solidFill>
+                                <a:srgbClr val="000000"/>
+                              </a:solidFill>
+                              <a:effectLst/>
+                              <a:latin typeface="+mn-lt"/>
+                              <a:ea typeface="Arial Unicode MS" panose="020B0604020202020204" pitchFamily="34" charset="-128"/>
+                            </a:rPr>
+                            <a:t>✓</a:t>
+                          </a:r>
+                        </a:p>
+                      </a:txBody>
+                      <a:tcPr marL="10016" marR="10016" marT="10016" marB="0" anchor="ctr"/>
+                    </a:tc>
+                    <a:tc>
+                      <a:txBody>
+                        <a:bodyPr/>
+                        <a:lstStyle/>
+                        <a:p>
+                          <a:pPr algn="ctr" fontAlgn="t"/>
+                          <a:r>
+                            <a:rPr lang="ru-RU" sz="1500" b="0" i="0" u="none" strike="noStrike" dirty="0">
+                              <a:solidFill>
+                                <a:srgbClr val="000000"/>
+                              </a:solidFill>
+                              <a:effectLst/>
+                              <a:latin typeface="+mn-lt"/>
+                              <a:ea typeface="Arial Unicode MS" panose="020B0604020202020204" pitchFamily="34" charset="-128"/>
+                            </a:rPr>
+                            <a:t>✗</a:t>
+                          </a:r>
+                        </a:p>
+                      </a:txBody>
+                      <a:tcPr marL="10016" marR="10016" marT="10016" marB="0" anchor="ctr"/>
+                    </a:tc>
+                    <a:extLst>
+                      <a:ext uri="{0D108BD9-81ED-4DB2-BD59-A6C34878D82A}">
+                        <a16:rowId xmlns:a16="http://schemas.microsoft.com/office/drawing/2014/main" val="3097145428"/>
+                      </a:ext>
+                    </a:extLst>
+                  </a:tr>
+                  <a:tr h="280445">
                     <a:tc>
                       <a:txBody>
                         <a:bodyPr/>
@@ -6976,7 +8680,7 @@
                               <a:effectLst/>
                               <a:latin typeface="+mn-lt"/>
                             </a:rPr>
-                            <a:t>59.8</a:t>
+                            <a:t>6101</a:t>
                           </a:r>
                           <a:endParaRPr lang="ru-RU" sz="1500" b="0" i="0" u="none" strike="noStrike" dirty="0">
                             <a:solidFill>
@@ -6995,113 +8699,6 @@
                         <a:bodyPr/>
                         <a:lstStyle/>
                         <a:p>
-                          <a:pPr algn="ctr" fontAlgn="t"/>
-                          <a:r>
-                            <a:rPr lang="ru-RU" sz="1400" u="none" strike="noStrike">
-                              <a:effectLst/>
-                              <a:latin typeface="+mn-lt"/>
-                            </a:rPr>
-                            <a:t>✗</a:t>
-                          </a:r>
-                          <a:endParaRPr lang="ru-RU" sz="1400" b="0" i="0" u="none" strike="noStrike">
-                            <a:solidFill>
-                              <a:srgbClr val="000000"/>
-                            </a:solidFill>
-                            <a:effectLst/>
-                            <a:latin typeface="+mn-lt"/>
-                            <a:ea typeface="Arial Unicode MS" panose="020B0604020202020204" pitchFamily="34" charset="-128"/>
-                          </a:endParaRPr>
-                        </a:p>
-                      </a:txBody>
-                      <a:tcPr marL="10016" marR="10016" marT="10016" marB="0" anchor="ctr"/>
-                    </a:tc>
-                    <a:tc>
-                      <a:txBody>
-                        <a:bodyPr/>
-                        <a:lstStyle/>
-                        <a:p>
-                          <a:pPr algn="ctr" fontAlgn="t"/>
-                          <a:r>
-                            <a:rPr lang="ru-RU" sz="1400" u="none" strike="noStrike">
-                              <a:effectLst/>
-                              <a:latin typeface="+mn-lt"/>
-                            </a:rPr>
-                            <a:t>✗</a:t>
-                          </a:r>
-                          <a:endParaRPr lang="ru-RU" sz="1400" b="0" i="0" u="none" strike="noStrike">
-                            <a:solidFill>
-                              <a:srgbClr val="000000"/>
-                            </a:solidFill>
-                            <a:effectLst/>
-                            <a:latin typeface="+mn-lt"/>
-                            <a:ea typeface="Arial Unicode MS" panose="020B0604020202020204" pitchFamily="34" charset="-128"/>
-                          </a:endParaRPr>
-                        </a:p>
-                      </a:txBody>
-                      <a:tcPr marL="10016" marR="10016" marT="10016" marB="0" anchor="ctr"/>
-                    </a:tc>
-                    <a:tc>
-                      <a:txBody>
-                        <a:bodyPr/>
-                        <a:lstStyle/>
-                        <a:p>
-                          <a:pPr algn="ctr" fontAlgn="t"/>
-                          <a:r>
-                            <a:rPr lang="ru-RU" sz="1400" u="none" strike="noStrike" dirty="0">
-                              <a:effectLst/>
-                              <a:latin typeface="+mn-lt"/>
-                            </a:rPr>
-                            <a:t>✗</a:t>
-                          </a:r>
-                          <a:endParaRPr lang="ru-RU" sz="1400" b="0" i="0" u="none" strike="noStrike" dirty="0">
-                            <a:solidFill>
-                              <a:srgbClr val="000000"/>
-                            </a:solidFill>
-                            <a:effectLst/>
-                            <a:latin typeface="+mn-lt"/>
-                            <a:ea typeface="Arial Unicode MS" panose="020B0604020202020204" pitchFamily="34" charset="-128"/>
-                          </a:endParaRPr>
-                        </a:p>
-                      </a:txBody>
-                      <a:tcPr marL="10016" marR="10016" marT="10016" marB="0" anchor="ctr"/>
-                    </a:tc>
-                    <a:extLst>
-                      <a:ext uri="{0D108BD9-81ED-4DB2-BD59-A6C34878D82A}">
-                        <a16:rowId xmlns:a16="http://schemas.microsoft.com/office/drawing/2014/main" val="1096786220"/>
-                      </a:ext>
-                    </a:extLst>
-                  </a:tr>
-                  <a:tr h="280445">
-                    <a:tc>
-                      <a:txBody>
-                        <a:bodyPr/>
-                        <a:lstStyle/>
-                        <a:p>
-                          <a:pPr algn="ctr" fontAlgn="ctr"/>
-                          <a:r>
-                            <a:rPr lang="ru-RU" sz="1500" u="none" strike="noStrike">
-                              <a:effectLst/>
-                              <a:latin typeface="+mn-lt"/>
-                            </a:rPr>
-                            <a:t>6101</a:t>
-                          </a:r>
-                          <a:endParaRPr lang="ru-RU" sz="1500" b="0" i="0" u="none" strike="noStrike">
-                            <a:solidFill>
-                              <a:srgbClr val="000000"/>
-                            </a:solidFill>
-                            <a:effectLst/>
-                            <a:latin typeface="+mn-lt"/>
-                            <a:ea typeface="Arial Unicode MS" panose="020B0604020202020204" pitchFamily="34" charset="-128"/>
-                          </a:endParaRPr>
-                        </a:p>
-                      </a:txBody>
-                      <a:tcPr marL="10016" marR="10016" marT="10016" marB="0" anchor="ctr"/>
-                    </a:tc>
-                    <a:tc>
-                      <a:txBody>
-                        <a:bodyPr/>
-                        <a:lstStyle/>
-                        <a:p>
                           <a:endParaRPr lang="ru-RU"/>
                         </a:p>
                       </a:txBody>
@@ -7109,7 +8706,7 @@
                         <a:blipFill>
                           <a:blip r:embed="rId2"/>
                           <a:stretch>
-                            <a:fillRect l="-243925" t="-530435" r="-511215" b="-460870"/>
+                            <a:fillRect l="-214754" t="-482609" r="-412295" b="-1352174"/>
                           </a:stretch>
                         </a:blipFill>
                       </a:tcPr>
@@ -7126,6 +8723,13 @@
                               <a:latin typeface="+mn-lt"/>
                             </a:rPr>
                             <a:t>45.7</a:t>
+                          </a:r>
+                          <a:r>
+                            <a:rPr lang="en-US" sz="1500" u="none" strike="noStrike" dirty="0">
+                              <a:effectLst/>
+                              <a:latin typeface="+mn-lt"/>
+                            </a:rPr>
+                            <a:t>2</a:t>
                           </a:r>
                           <a:endParaRPr lang="ru-RU" sz="1500" b="0" i="0" u="none" strike="noStrike" dirty="0">
                             <a:solidFill>
@@ -7146,20 +8750,16 @@
                         <a:p>
                           <a:pPr algn="ctr" fontAlgn="t"/>
                           <a:r>
-                            <a:rPr lang="ru-RU" sz="1400" u="none" strike="noStrike">
-                              <a:effectLst/>
-                              <a:latin typeface="+mn-lt"/>
+                            <a:rPr lang="ru-RU" sz="1500" b="0" i="0" u="none" strike="noStrike" dirty="0">
+                              <a:solidFill>
+                                <a:srgbClr val="000000"/>
+                              </a:solidFill>
+                              <a:effectLst/>
+                              <a:latin typeface="+mn-lt"/>
+                              <a:ea typeface="Arial Unicode MS" panose="020B0604020202020204" pitchFamily="34" charset="-128"/>
                             </a:rPr>
                             <a:t>✗</a:t>
                           </a:r>
-                          <a:endParaRPr lang="ru-RU" sz="1400" b="0" i="0" u="none" strike="noStrike">
-                            <a:solidFill>
-                              <a:srgbClr val="000000"/>
-                            </a:solidFill>
-                            <a:effectLst/>
-                            <a:latin typeface="+mn-lt"/>
-                            <a:ea typeface="Arial Unicode MS" panose="020B0604020202020204" pitchFamily="34" charset="-128"/>
-                          </a:endParaRPr>
                         </a:p>
                       </a:txBody>
                       <a:tcPr marL="10016" marR="10016" marT="10016" marB="0" anchor="ctr"/>
@@ -7171,20 +8771,16 @@
                         <a:p>
                           <a:pPr algn="ctr" fontAlgn="t"/>
                           <a:r>
-                            <a:rPr lang="ru-RU" sz="1400" u="none" strike="noStrike">
-                              <a:effectLst/>
-                              <a:latin typeface="+mn-lt"/>
+                            <a:rPr lang="ru-RU" sz="1500" b="0" i="0" u="none" strike="noStrike" dirty="0">
+                              <a:solidFill>
+                                <a:srgbClr val="000000"/>
+                              </a:solidFill>
+                              <a:effectLst/>
+                              <a:latin typeface="+mn-lt"/>
+                              <a:ea typeface="Arial Unicode MS" panose="020B0604020202020204" pitchFamily="34" charset="-128"/>
                             </a:rPr>
                             <a:t>✗</a:t>
                           </a:r>
-                          <a:endParaRPr lang="ru-RU" sz="1400" b="0" i="0" u="none" strike="noStrike">
-                            <a:solidFill>
-                              <a:srgbClr val="000000"/>
-                            </a:solidFill>
-                            <a:effectLst/>
-                            <a:latin typeface="+mn-lt"/>
-                            <a:ea typeface="Arial Unicode MS" panose="020B0604020202020204" pitchFamily="34" charset="-128"/>
-                          </a:endParaRPr>
                         </a:p>
                       </a:txBody>
                       <a:tcPr marL="10016" marR="10016" marT="10016" marB="0" anchor="ctr"/>
@@ -7196,20 +8792,16 @@
                         <a:p>
                           <a:pPr algn="ctr" fontAlgn="t"/>
                           <a:r>
-                            <a:rPr lang="ru-RU" sz="1400" u="none" strike="noStrike" dirty="0">
-                              <a:effectLst/>
-                              <a:latin typeface="+mn-lt"/>
+                            <a:rPr lang="ru-RU" sz="1500" b="0" i="0" u="none" strike="noStrike" dirty="0">
+                              <a:solidFill>
+                                <a:srgbClr val="000000"/>
+                              </a:solidFill>
+                              <a:effectLst/>
+                              <a:latin typeface="+mn-lt"/>
+                              <a:ea typeface="Arial Unicode MS" panose="020B0604020202020204" pitchFamily="34" charset="-128"/>
                             </a:rPr>
                             <a:t>✗</a:t>
                           </a:r>
-                          <a:endParaRPr lang="ru-RU" sz="1400" b="0" i="0" u="none" strike="noStrike" dirty="0">
-                            <a:solidFill>
-                              <a:srgbClr val="000000"/>
-                            </a:solidFill>
-                            <a:effectLst/>
-                            <a:latin typeface="+mn-lt"/>
-                            <a:ea typeface="Arial Unicode MS" panose="020B0604020202020204" pitchFamily="34" charset="-128"/>
-                          </a:endParaRPr>
                         </a:p>
                       </a:txBody>
                       <a:tcPr marL="10016" marR="10016" marT="10016" marB="0" anchor="ctr"/>
@@ -7228,160 +8820,15 @@
                         <a:p>
                           <a:pPr algn="ctr" fontAlgn="ctr"/>
                           <a:r>
-                            <a:rPr lang="ru-RU" sz="1500" u="none" strike="noStrike">
-                              <a:effectLst/>
-                              <a:latin typeface="+mn-lt"/>
-                            </a:rPr>
-                            <a:t>7531</a:t>
-                          </a:r>
-                          <a:endParaRPr lang="ru-RU" sz="1500" b="0" i="0" u="none" strike="noStrike">
-                            <a:solidFill>
-                              <a:srgbClr val="000000"/>
-                            </a:solidFill>
-                            <a:effectLst/>
-                            <a:latin typeface="+mn-lt"/>
-                            <a:ea typeface="Arial Unicode MS" panose="020B0604020202020204" pitchFamily="34" charset="-128"/>
-                          </a:endParaRPr>
-                        </a:p>
-                      </a:txBody>
-                      <a:tcPr marL="10016" marR="10016" marT="10016" marB="0" anchor="ctr"/>
-                    </a:tc>
-                    <a:tc>
-                      <a:txBody>
-                        <a:bodyPr/>
-                        <a:lstStyle/>
-                        <a:p>
-                          <a:endParaRPr lang="ru-RU"/>
-                        </a:p>
-                      </a:txBody>
-                      <a:tcPr marL="10016" marR="10016" marT="10016" marB="0" anchor="ctr">
-                        <a:blipFill>
-                          <a:blip r:embed="rId2"/>
-                          <a:stretch>
-                            <a:fillRect l="-243925" t="-630435" r="-511215" b="-360870"/>
-                          </a:stretch>
-                        </a:blipFill>
-                      </a:tcPr>
-                    </a:tc>
-                    <a:tc>
-                      <a:txBody>
-                        <a:bodyPr/>
-                        <a:lstStyle/>
-                        <a:p>
-                          <a:pPr algn="ctr" fontAlgn="ctr"/>
-                          <a:r>
-                            <a:rPr lang="ru-RU" sz="1500" u="none" strike="noStrike">
-                              <a:effectLst/>
-                              <a:latin typeface="+mn-lt"/>
-                            </a:rPr>
-                            <a:t>39.6</a:t>
-                          </a:r>
-                          <a:endParaRPr lang="ru-RU" sz="1500" b="0" i="0" u="none" strike="noStrike">
-                            <a:solidFill>
-                              <a:srgbClr val="000000"/>
-                            </a:solidFill>
-                            <a:effectLst/>
-                            <a:latin typeface="+mn-lt"/>
-                            <a:ea typeface="Arial Unicode MS" panose="020B0604020202020204" pitchFamily="34" charset="-128"/>
-                          </a:endParaRPr>
-                        </a:p>
-                      </a:txBody>
-                      <a:tcPr marL="10016" marR="10016" marT="10016" marB="0" anchor="ctr"/>
-                    </a:tc>
-                    <a:tc>
-                      <a:txBody>
-                        <a:bodyPr/>
-                        <a:lstStyle/>
-                        <a:p>
-                          <a:pPr algn="ctr" fontAlgn="t"/>
-                          <a:r>
-                            <a:rPr lang="ru-RU" sz="1400" u="none" strike="noStrike" dirty="0">
-                              <a:effectLst/>
-                              <a:latin typeface="+mn-lt"/>
-                            </a:rPr>
-                            <a:t>✗</a:t>
-                          </a:r>
-                          <a:endParaRPr lang="ru-RU" sz="1400" b="0" i="0" u="none" strike="noStrike" dirty="0">
-                            <a:solidFill>
-                              <a:srgbClr val="000000"/>
-                            </a:solidFill>
-                            <a:effectLst/>
-                            <a:latin typeface="+mn-lt"/>
-                            <a:ea typeface="Arial Unicode MS" panose="020B0604020202020204" pitchFamily="34" charset="-128"/>
-                          </a:endParaRPr>
-                        </a:p>
-                      </a:txBody>
-                      <a:tcPr marL="10016" marR="10016" marT="10016" marB="0" anchor="ctr"/>
-                    </a:tc>
-                    <a:tc>
-                      <a:txBody>
-                        <a:bodyPr/>
-                        <a:lstStyle/>
-                        <a:p>
-                          <a:pPr algn="ctr" fontAlgn="t"/>
-                          <a:r>
-                            <a:rPr lang="ru-RU" sz="1400" u="none" strike="noStrike">
-                              <a:effectLst/>
-                              <a:latin typeface="+mn-lt"/>
-                            </a:rPr>
-                            <a:t>✗</a:t>
-                          </a:r>
-                          <a:endParaRPr lang="ru-RU" sz="1400" b="0" i="0" u="none" strike="noStrike">
-                            <a:solidFill>
-                              <a:srgbClr val="000000"/>
-                            </a:solidFill>
-                            <a:effectLst/>
-                            <a:latin typeface="+mn-lt"/>
-                            <a:ea typeface="Arial Unicode MS" panose="020B0604020202020204" pitchFamily="34" charset="-128"/>
-                          </a:endParaRPr>
-                        </a:p>
-                      </a:txBody>
-                      <a:tcPr marL="10016" marR="10016" marT="10016" marB="0" anchor="ctr"/>
-                    </a:tc>
-                    <a:tc>
-                      <a:txBody>
-                        <a:bodyPr/>
-                        <a:lstStyle/>
-                        <a:p>
-                          <a:pPr algn="ctr" fontAlgn="t"/>
-                          <a:r>
-                            <a:rPr lang="ru-RU" sz="1400" u="none" strike="noStrike" dirty="0">
-                              <a:effectLst/>
-                              <a:latin typeface="+mn-lt"/>
-                            </a:rPr>
-                            <a:t>✗</a:t>
-                          </a:r>
-                          <a:endParaRPr lang="ru-RU" sz="1400" b="0" i="0" u="none" strike="noStrike" dirty="0">
-                            <a:solidFill>
-                              <a:srgbClr val="000000"/>
-                            </a:solidFill>
-                            <a:effectLst/>
-                            <a:latin typeface="+mn-lt"/>
-                            <a:ea typeface="Arial Unicode MS" panose="020B0604020202020204" pitchFamily="34" charset="-128"/>
-                          </a:endParaRPr>
-                        </a:p>
-                      </a:txBody>
-                      <a:tcPr marL="10016" marR="10016" marT="10016" marB="0" anchor="ctr"/>
-                    </a:tc>
-                    <a:extLst>
-                      <a:ext uri="{0D108BD9-81ED-4DB2-BD59-A6C34878D82A}">
-                        <a16:rowId xmlns:a16="http://schemas.microsoft.com/office/drawing/2014/main" val="2984982271"/>
-                      </a:ext>
-                    </a:extLst>
-                  </a:tr>
-                  <a:tr h="280445">
-                    <a:tc>
-                      <a:txBody>
-                        <a:bodyPr/>
-                        <a:lstStyle/>
-                        <a:p>
-                          <a:pPr algn="ctr" fontAlgn="ctr"/>
-                          <a:r>
-                            <a:rPr lang="ru-RU" sz="1500" u="none" strike="noStrike" dirty="0">
-                              <a:effectLst/>
-                              <a:latin typeface="+mn-lt"/>
-                            </a:rPr>
-                            <a:t>8046</a:t>
+                            <a:rPr lang="en-US" sz="1500" b="0" i="0" u="none" strike="noStrike" dirty="0">
+                              <a:solidFill>
+                                <a:srgbClr val="000000"/>
+                              </a:solidFill>
+                              <a:effectLst/>
+                              <a:latin typeface="+mn-lt"/>
+                              <a:ea typeface="Arial Unicode MS" panose="020B0604020202020204" pitchFamily="34" charset="-128"/>
+                            </a:rPr>
+                            <a:t>3869 / 3968</a:t>
                           </a:r>
                           <a:endParaRPr lang="ru-RU" sz="1500" b="0" i="0" u="none" strike="noStrike" dirty="0">
                             <a:solidFill>
@@ -7407,7 +8854,7 @@
                         <a:blipFill>
                           <a:blip r:embed="rId2"/>
                           <a:stretch>
-                            <a:fillRect l="-243925" t="-730435" r="-511215" b="-260870"/>
+                            <a:fillRect l="-214754" t="-570213" r="-412295" b="-1223404"/>
                           </a:stretch>
                         </a:blipFill>
                       </a:tcPr>
@@ -7419,11 +8866,15 @@
                         <a:p>
                           <a:pPr algn="ctr" fontAlgn="ctr"/>
                           <a:r>
-                            <a:rPr lang="ru-RU" sz="1500" u="none" strike="noStrike" dirty="0">
-                              <a:effectLst/>
-                              <a:latin typeface="+mn-lt"/>
-                            </a:rPr>
-                            <a:t>39.6</a:t>
+                            <a:rPr lang="en-US" sz="1500" b="0" i="0" u="none" strike="noStrike" dirty="0">
+                              <a:solidFill>
+                                <a:srgbClr val="000000"/>
+                              </a:solidFill>
+                              <a:effectLst/>
+                              <a:latin typeface="+mn-lt"/>
+                              <a:ea typeface="Arial Unicode MS" panose="020B0604020202020204" pitchFamily="34" charset="-128"/>
+                            </a:rPr>
+                            <a:t>40.962</a:t>
                           </a:r>
                           <a:endParaRPr lang="ru-RU" sz="1500" b="0" i="0" u="none" strike="noStrike" dirty="0">
                             <a:solidFill>
@@ -7444,20 +8895,53 @@
                         <a:p>
                           <a:pPr algn="ctr" fontAlgn="t"/>
                           <a:r>
-                            <a:rPr lang="ru-RU" sz="1400" u="none" strike="noStrike">
-                              <a:effectLst/>
-                              <a:latin typeface="+mn-lt"/>
-                            </a:rPr>
-                            <a:t>✗</a:t>
-                          </a:r>
-                          <a:endParaRPr lang="ru-RU" sz="1400" b="0" i="0" u="none" strike="noStrike">
-                            <a:solidFill>
-                              <a:srgbClr val="000000"/>
-                            </a:solidFill>
-                            <a:effectLst/>
-                            <a:latin typeface="+mn-lt"/>
-                            <a:ea typeface="Arial Unicode MS" panose="020B0604020202020204" pitchFamily="34" charset="-128"/>
-                          </a:endParaRPr>
+                            <a:rPr lang="ru-RU" sz="1500" b="0" i="0" u="none" strike="noStrike" dirty="0">
+                              <a:solidFill>
+                                <a:srgbClr val="000000"/>
+                              </a:solidFill>
+                              <a:effectLst/>
+                              <a:latin typeface="+mn-lt"/>
+                              <a:ea typeface="Arial Unicode MS" panose="020B0604020202020204" pitchFamily="34" charset="-128"/>
+                            </a:rPr>
+                            <a:t>✓</a:t>
+                          </a:r>
+                        </a:p>
+                      </a:txBody>
+                      <a:tcPr marL="10016" marR="10016" marT="10016" marB="0" anchor="ctr"/>
+                    </a:tc>
+                    <a:tc>
+                      <a:txBody>
+                        <a:bodyPr/>
+                        <a:lstStyle/>
+                        <a:p>
+                          <a:pPr marL="0" marR="0" lvl="0" indent="0" algn="ctr" defTabSz="914400" rtl="0" eaLnBrk="1" fontAlgn="t" latinLnBrk="0" hangingPunct="1">
+                            <a:lnSpc>
+                              <a:spcPct val="100000"/>
+                            </a:lnSpc>
+                            <a:spcBef>
+                              <a:spcPts val="0"/>
+                            </a:spcBef>
+                            <a:spcAft>
+                              <a:spcPts val="0"/>
+                            </a:spcAft>
+                            <a:buClrTx/>
+                            <a:buSzTx/>
+                            <a:buFontTx/>
+                            <a:buNone/>
+                            <a:tabLst/>
+                            <a:defRPr/>
+                          </a:pPr>
+                          <a:r>
+                            <a:rPr lang="ru-RU" sz="1500" b="0" i="0" u="none" strike="noStrike" dirty="0">
+                              <a:solidFill>
+                                <a:srgbClr val="000000"/>
+                              </a:solidFill>
+                              <a:effectLst/>
+                              <a:latin typeface="+mn-lt"/>
+                              <a:ea typeface="Arial Unicode MS" panose="020B0604020202020204" pitchFamily="34" charset="-128"/>
+                            </a:rPr>
+                            <a:t>✓</a:t>
+                          </a:r>
                         </a:p>
                       </a:txBody>
                       <a:tcPr marL="10016" marR="10016" marT="10016" marB="0" anchor="ctr"/>
@@ -7469,56 +8953,27 @@
                         <a:p>
                           <a:pPr algn="ctr" fontAlgn="t"/>
                           <a:r>
-                            <a:rPr lang="ru-RU" sz="1400" u="none" strike="noStrike">
-                              <a:effectLst/>
-                              <a:latin typeface="+mn-lt"/>
-                            </a:rPr>
-                            <a:t>✗</a:t>
-                          </a:r>
-                          <a:endParaRPr lang="ru-RU" sz="1400" b="0" i="0" u="none" strike="noStrike">
-                            <a:solidFill>
-                              <a:srgbClr val="000000"/>
-                            </a:solidFill>
-                            <a:effectLst/>
-                            <a:latin typeface="+mn-lt"/>
-                            <a:ea typeface="Arial Unicode MS" panose="020B0604020202020204" pitchFamily="34" charset="-128"/>
-                          </a:endParaRPr>
-                        </a:p>
-                      </a:txBody>
-                      <a:tcPr marL="10016" marR="10016" marT="10016" marB="0" anchor="ctr"/>
-                    </a:tc>
-                    <a:tc>
-                      <a:txBody>
-                        <a:bodyPr/>
-                        <a:lstStyle/>
-                        <a:p>
-                          <a:pPr algn="ctr" fontAlgn="t"/>
-                          <a:r>
-                            <a:rPr lang="ru-RU" sz="1400" u="none" strike="noStrike" dirty="0">
-                              <a:effectLst/>
-                              <a:latin typeface="+mn-lt"/>
-                            </a:rPr>
-                            <a:t>✗</a:t>
-                          </a:r>
-                          <a:endParaRPr lang="ru-RU" sz="1400" b="0" i="0" u="none" strike="noStrike" dirty="0">
-                            <a:solidFill>
-                              <a:srgbClr val="000000"/>
-                            </a:solidFill>
-                            <a:effectLst/>
-                            <a:latin typeface="+mn-lt"/>
-                            <a:ea typeface="Arial Unicode MS" panose="020B0604020202020204" pitchFamily="34" charset="-128"/>
-                          </a:endParaRPr>
+                            <a:rPr lang="ru-RU" sz="1500" b="0" i="0" u="none" strike="noStrike" dirty="0">
+                              <a:solidFill>
+                                <a:srgbClr val="000000"/>
+                              </a:solidFill>
+                              <a:effectLst/>
+                              <a:latin typeface="+mn-lt"/>
+                              <a:ea typeface="Arial Unicode MS" panose="020B0604020202020204" pitchFamily="34" charset="-128"/>
+                            </a:rPr>
+                            <a:t>✓</a:t>
+                          </a:r>
                         </a:p>
                       </a:txBody>
                       <a:tcPr marL="10016" marR="10016" marT="10016" marB="0" anchor="ctr"/>
                     </a:tc>
                     <a:extLst>
                       <a:ext uri="{0D108BD9-81ED-4DB2-BD59-A6C34878D82A}">
-                        <a16:rowId xmlns:a16="http://schemas.microsoft.com/office/drawing/2014/main" val="3514754252"/>
+                        <a16:rowId xmlns:a16="http://schemas.microsoft.com/office/drawing/2014/main" val="2296914025"/>
                       </a:ext>
                     </a:extLst>
                   </a:tr>
-                  <a:tr h="330525">
+                  <a:tr h="280445">
                     <a:tc>
                       <a:txBody>
                         <a:bodyPr/>
@@ -7526,11 +8981,15 @@
                         <a:p>
                           <a:pPr algn="ctr" fontAlgn="ctr"/>
                           <a:r>
-                            <a:rPr lang="ru-RU" sz="1500" u="none" strike="noStrike" dirty="0">
-                              <a:effectLst/>
-                              <a:latin typeface="+mn-lt"/>
-                            </a:rPr>
-                            <a:t>4686</a:t>
+                            <a:rPr lang="en-US" sz="1500" b="0" i="0" u="none" strike="noStrike" dirty="0">
+                              <a:solidFill>
+                                <a:srgbClr val="000000"/>
+                              </a:solidFill>
+                              <a:effectLst/>
+                              <a:latin typeface="+mn-lt"/>
+                              <a:ea typeface="Arial Unicode MS" panose="020B0604020202020204" pitchFamily="34" charset="-128"/>
+                            </a:rPr>
+                            <a:t>4740 / 7236 / 7263</a:t>
                           </a:r>
                           <a:endParaRPr lang="ru-RU" sz="1500" b="0" i="0" u="none" strike="noStrike" dirty="0">
                             <a:solidFill>
@@ -7556,7 +9015,7 @@
                         <a:blipFill>
                           <a:blip r:embed="rId2"/>
                           <a:stretch>
-                            <a:fillRect l="-243925" t="-707407" r="-511215" b="-122222"/>
+                            <a:fillRect l="-214754" t="-684783" r="-412295" b="-1150000"/>
                           </a:stretch>
                         </a:blipFill>
                       </a:tcPr>
@@ -7566,15 +9025,19 @@
                         <a:bodyPr/>
                         <a:lstStyle/>
                         <a:p>
-                          <a:pPr algn="ctr" fontAlgn="t"/>
-                          <a:r>
-                            <a:rPr lang="ru-RU" sz="1400" u="none" strike="noStrike" dirty="0">
-                              <a:effectLst/>
-                              <a:latin typeface="+mn-lt"/>
-                            </a:rPr>
-                            <a:t> </a:t>
-                          </a:r>
-                          <a:endParaRPr lang="ru-RU" sz="1400" b="0" i="0" u="none" strike="noStrike" dirty="0">
+                          <a:pPr algn="ctr" fontAlgn="ctr"/>
+                          <a:r>
+                            <a:rPr lang="en-US" sz="1500" b="0" i="0" u="none" strike="noStrike" dirty="0">
+                              <a:solidFill>
+                                <a:srgbClr val="000000"/>
+                              </a:solidFill>
+                              <a:effectLst/>
+                              <a:latin typeface="+mn-lt"/>
+                              <a:ea typeface="Arial Unicode MS" panose="020B0604020202020204" pitchFamily="34" charset="-128"/>
+                            </a:rPr>
+                            <a:t>40.74</a:t>
+                          </a:r>
+                          <a:endParaRPr lang="ru-RU" sz="1500" b="0" i="0" u="none" strike="noStrike" dirty="0">
                             <a:solidFill>
                               <a:srgbClr val="000000"/>
                             </a:solidFill>
@@ -7593,13 +9056,147 @@
                         <a:p>
                           <a:pPr algn="ctr" fontAlgn="t"/>
                           <a:r>
-                            <a:rPr lang="ru-RU" sz="1400" u="none" strike="noStrike">
-                              <a:effectLst/>
-                              <a:latin typeface="+mn-lt"/>
-                            </a:rPr>
-                            <a:t>✗</a:t>
-                          </a:r>
-                          <a:endParaRPr lang="ru-RU" sz="1400" b="0" i="0" u="none" strike="noStrike">
+                            <a:rPr lang="ru-RU" sz="1500" b="0" i="0" u="none" strike="noStrike" dirty="0">
+                              <a:solidFill>
+                                <a:srgbClr val="000000"/>
+                              </a:solidFill>
+                              <a:effectLst/>
+                              <a:latin typeface="+mn-lt"/>
+                              <a:ea typeface="Arial Unicode MS" panose="020B0604020202020204" pitchFamily="34" charset="-128"/>
+                            </a:rPr>
+                            <a:t>✓</a:t>
+                          </a:r>
+                        </a:p>
+                      </a:txBody>
+                      <a:tcPr marL="10016" marR="10016" marT="10016" marB="0" anchor="ctr"/>
+                    </a:tc>
+                    <a:tc>
+                      <a:txBody>
+                        <a:bodyPr/>
+                        <a:lstStyle/>
+                        <a:p>
+                          <a:pPr marL="0" marR="0" lvl="0" indent="0" algn="ctr" defTabSz="914400" rtl="0" eaLnBrk="1" fontAlgn="t" latinLnBrk="0" hangingPunct="1">
+                            <a:lnSpc>
+                              <a:spcPct val="100000"/>
+                            </a:lnSpc>
+                            <a:spcBef>
+                              <a:spcPts val="0"/>
+                            </a:spcBef>
+                            <a:spcAft>
+                              <a:spcPts val="0"/>
+                            </a:spcAft>
+                            <a:buClrTx/>
+                            <a:buSzTx/>
+                            <a:buFontTx/>
+                            <a:buNone/>
+                            <a:tabLst/>
+                            <a:defRPr/>
+                          </a:pPr>
+                          <a:r>
+                            <a:rPr lang="ru-RU" sz="1500" b="0" i="0" u="none" strike="noStrike" dirty="0">
+                              <a:solidFill>
+                                <a:srgbClr val="000000"/>
+                              </a:solidFill>
+                              <a:effectLst/>
+                              <a:latin typeface="+mn-lt"/>
+                              <a:ea typeface="Arial Unicode MS" panose="020B0604020202020204" pitchFamily="34" charset="-128"/>
+                            </a:rPr>
+                            <a:t>✓</a:t>
+                          </a:r>
+                        </a:p>
+                      </a:txBody>
+                      <a:tcPr marL="10016" marR="10016" marT="10016" marB="0" anchor="ctr"/>
+                    </a:tc>
+                    <a:tc>
+                      <a:txBody>
+                        <a:bodyPr/>
+                        <a:lstStyle/>
+                        <a:p>
+                          <a:pPr algn="ctr" fontAlgn="t"/>
+                          <a:r>
+                            <a:rPr lang="ru-RU" sz="1500" b="0" i="0" u="none" strike="noStrike" dirty="0">
+                              <a:solidFill>
+                                <a:srgbClr val="000000"/>
+                              </a:solidFill>
+                              <a:effectLst/>
+                              <a:latin typeface="+mn-lt"/>
+                              <a:ea typeface="Arial Unicode MS" panose="020B0604020202020204" pitchFamily="34" charset="-128"/>
+                            </a:rPr>
+                            <a:t>✓</a:t>
+                          </a:r>
+                        </a:p>
+                      </a:txBody>
+                      <a:tcPr marL="10016" marR="10016" marT="10016" marB="0" anchor="ctr"/>
+                    </a:tc>
+                    <a:extLst>
+                      <a:ext uri="{0D108BD9-81ED-4DB2-BD59-A6C34878D82A}">
+                        <a16:rowId xmlns:a16="http://schemas.microsoft.com/office/drawing/2014/main" val="3978281421"/>
+                      </a:ext>
+                    </a:extLst>
+                  </a:tr>
+                  <a:tr h="280445">
+                    <a:tc>
+                      <a:txBody>
+                        <a:bodyPr/>
+                        <a:lstStyle/>
+                        <a:p>
+                          <a:pPr algn="ctr" fontAlgn="ctr"/>
+                          <a:r>
+                            <a:rPr lang="ru-RU" sz="1500" u="none" strike="noStrike" dirty="0">
+                              <a:effectLst/>
+                              <a:latin typeface="+mn-lt"/>
+                            </a:rPr>
+                            <a:t>7531</a:t>
+                          </a:r>
+                          <a:r>
+                            <a:rPr lang="en-US" sz="1500" u="none" strike="noStrike" dirty="0">
+                              <a:effectLst/>
+                              <a:latin typeface="+mn-lt"/>
+                            </a:rPr>
+                            <a:t> / 8046</a:t>
+                          </a:r>
+                        </a:p>
+                      </a:txBody>
+                      <a:tcPr marL="10016" marR="10016" marT="10016" marB="0" anchor="ctr"/>
+                    </a:tc>
+                    <a:tc>
+                      <a:txBody>
+                        <a:bodyPr/>
+                        <a:lstStyle/>
+                        <a:p>
+                          <a:endParaRPr lang="ru-RU"/>
+                        </a:p>
+                      </a:txBody>
+                      <a:tcPr marL="10016" marR="10016" marT="10016" marB="0" anchor="ctr">
+                        <a:blipFill>
+                          <a:blip r:embed="rId2"/>
+                          <a:stretch>
+                            <a:fillRect l="-214754" t="-784783" r="-412295" b="-1050000"/>
+                          </a:stretch>
+                        </a:blipFill>
+                      </a:tcPr>
+                    </a:tc>
+                    <a:tc>
+                      <a:txBody>
+                        <a:bodyPr/>
+                        <a:lstStyle/>
+                        <a:p>
+                          <a:pPr algn="ctr" fontAlgn="ctr"/>
+                          <a:r>
+                            <a:rPr lang="ru-RU" sz="1500" u="none" strike="noStrike" dirty="0">
+                              <a:effectLst/>
+                              <a:latin typeface="+mn-lt"/>
+                            </a:rPr>
+                            <a:t>39.6</a:t>
+                          </a:r>
+                          <a:r>
+                            <a:rPr lang="en-US" sz="1500" u="none" strike="noStrike" dirty="0">
+                              <a:effectLst/>
+                              <a:latin typeface="+mn-lt"/>
+                            </a:rPr>
+                            <a:t>1</a:t>
+                          </a:r>
+                          <a:endParaRPr lang="ru-RU" sz="1500" b="0" i="0" u="none" strike="noStrike" dirty="0">
                             <a:solidFill>
                               <a:srgbClr val="000000"/>
                             </a:solidFill>
@@ -7618,13 +9215,121 @@
                         <a:p>
                           <a:pPr algn="ctr" fontAlgn="t"/>
                           <a:r>
-                            <a:rPr lang="ru-RU" sz="1400" u="none" strike="noStrike">
-                              <a:effectLst/>
-                              <a:latin typeface="+mn-lt"/>
+                            <a:rPr lang="ru-RU" sz="1500" b="0" i="0" u="none" strike="noStrike" dirty="0">
+                              <a:solidFill>
+                                <a:srgbClr val="000000"/>
+                              </a:solidFill>
+                              <a:effectLst/>
+                              <a:latin typeface="+mn-lt"/>
+                              <a:ea typeface="Arial Unicode MS" panose="020B0604020202020204" pitchFamily="34" charset="-128"/>
                             </a:rPr>
                             <a:t>✗</a:t>
                           </a:r>
-                          <a:endParaRPr lang="ru-RU" sz="1400" b="0" i="0" u="none" strike="noStrike">
+                        </a:p>
+                      </a:txBody>
+                      <a:tcPr marL="10016" marR="10016" marT="10016" marB="0" anchor="ctr"/>
+                    </a:tc>
+                    <a:tc>
+                      <a:txBody>
+                        <a:bodyPr/>
+                        <a:lstStyle/>
+                        <a:p>
+                          <a:pPr algn="ctr" fontAlgn="t"/>
+                          <a:r>
+                            <a:rPr lang="ru-RU" sz="1500" b="0" i="0" u="none" strike="noStrike" dirty="0">
+                              <a:solidFill>
+                                <a:srgbClr val="000000"/>
+                              </a:solidFill>
+                              <a:effectLst/>
+                              <a:latin typeface="+mn-lt"/>
+                              <a:ea typeface="Arial Unicode MS" panose="020B0604020202020204" pitchFamily="34" charset="-128"/>
+                            </a:rPr>
+                            <a:t>✗</a:t>
+                          </a:r>
+                        </a:p>
+                      </a:txBody>
+                      <a:tcPr marL="10016" marR="10016" marT="10016" marB="0" anchor="ctr"/>
+                    </a:tc>
+                    <a:tc>
+                      <a:txBody>
+                        <a:bodyPr/>
+                        <a:lstStyle/>
+                        <a:p>
+                          <a:pPr algn="ctr" fontAlgn="t"/>
+                          <a:r>
+                            <a:rPr lang="ru-RU" sz="1500" b="0" i="0" u="none" strike="noStrike" dirty="0">
+                              <a:solidFill>
+                                <a:srgbClr val="000000"/>
+                              </a:solidFill>
+                              <a:effectLst/>
+                              <a:latin typeface="+mn-lt"/>
+                              <a:ea typeface="Arial Unicode MS" panose="020B0604020202020204" pitchFamily="34" charset="-128"/>
+                            </a:rPr>
+                            <a:t>✗</a:t>
+                          </a:r>
+                        </a:p>
+                      </a:txBody>
+                      <a:tcPr marL="10016" marR="10016" marT="10016" marB="0" anchor="ctr"/>
+                    </a:tc>
+                    <a:extLst>
+                      <a:ext uri="{0D108BD9-81ED-4DB2-BD59-A6C34878D82A}">
+                        <a16:rowId xmlns:a16="http://schemas.microsoft.com/office/drawing/2014/main" val="2984982271"/>
+                      </a:ext>
+                    </a:extLst>
+                  </a:tr>
+                  <a:tr h="280445">
+                    <a:tc>
+                      <a:txBody>
+                        <a:bodyPr/>
+                        <a:lstStyle/>
+                        <a:p>
+                          <a:pPr algn="ctr" fontAlgn="ctr"/>
+                          <a:r>
+                            <a:rPr lang="en-US" sz="1500" u="none" strike="noStrike" dirty="0">
+                              <a:effectLst/>
+                              <a:latin typeface="+mn-lt"/>
+                            </a:rPr>
+                            <a:t>4363 / 4959 / 5007</a:t>
+                          </a:r>
+                        </a:p>
+                      </a:txBody>
+                      <a:tcPr marL="10016" marR="10016" marT="10016" marB="0" anchor="ctr"/>
+                    </a:tc>
+                    <a:tc>
+                      <a:txBody>
+                        <a:bodyPr/>
+                        <a:lstStyle/>
+                        <a:p>
+                          <a:endParaRPr lang="ru-RU"/>
+                        </a:p>
+                      </a:txBody>
+                      <a:tcPr marL="10016" marR="10016" marT="10016" marB="0" anchor="ctr">
+                        <a:blipFill>
+                          <a:blip r:embed="rId2"/>
+                          <a:stretch>
+                            <a:fillRect l="-214754" t="-884783" r="-412295" b="-950000"/>
+                          </a:stretch>
+                        </a:blipFill>
+                      </a:tcPr>
+                    </a:tc>
+                    <a:tc>
+                      <a:txBody>
+                        <a:bodyPr/>
+                        <a:lstStyle/>
+                        <a:p>
+                          <a:pPr algn="ctr" fontAlgn="ctr"/>
+                          <a:r>
+                            <a:rPr lang="en-US" sz="1500" b="0" i="0" u="none" strike="noStrike" dirty="0">
+                              <a:solidFill>
+                                <a:srgbClr val="000000"/>
+                              </a:solidFill>
+                              <a:effectLst/>
+                              <a:latin typeface="+mn-lt"/>
+                              <a:ea typeface="Arial Unicode MS" panose="020B0604020202020204" pitchFamily="34" charset="-128"/>
+                            </a:rPr>
+                            <a:t>35.116</a:t>
+                          </a:r>
+                          <a:endParaRPr lang="ru-RU" sz="1500" b="0" i="0" u="none" strike="noStrike" dirty="0">
                             <a:solidFill>
                               <a:srgbClr val="000000"/>
                             </a:solidFill>
@@ -7641,15 +9346,155 @@
                         <a:bodyPr/>
                         <a:lstStyle/>
                         <a:p>
+                          <a:pPr marL="0" marR="0" lvl="0" indent="0" algn="ctr" defTabSz="914400" rtl="0" eaLnBrk="1" fontAlgn="t" latinLnBrk="0" hangingPunct="1">
+                            <a:lnSpc>
+                              <a:spcPct val="100000"/>
+                            </a:lnSpc>
+                            <a:spcBef>
+                              <a:spcPts val="0"/>
+                            </a:spcBef>
+                            <a:spcAft>
+                              <a:spcPts val="0"/>
+                            </a:spcAft>
+                            <a:buClrTx/>
+                            <a:buSzTx/>
+                            <a:buFontTx/>
+                            <a:buNone/>
+                            <a:tabLst/>
+                            <a:defRPr/>
+                          </a:pPr>
+                          <a:r>
+                            <a:rPr lang="ru-RU" sz="1500" b="0" i="0" u="none" strike="noStrike" dirty="0">
+                              <a:solidFill>
+                                <a:srgbClr val="000000"/>
+                              </a:solidFill>
+                              <a:effectLst/>
+                              <a:latin typeface="+mn-lt"/>
+                              <a:ea typeface="Arial Unicode MS" panose="020B0604020202020204" pitchFamily="34" charset="-128"/>
+                            </a:rPr>
+                            <a:t>✓</a:t>
+                          </a:r>
+                        </a:p>
+                      </a:txBody>
+                      <a:tcPr marL="10016" marR="10016" marT="10016" marB="0" anchor="ctr"/>
+                    </a:tc>
+                    <a:tc>
+                      <a:txBody>
+                        <a:bodyPr/>
+                        <a:lstStyle/>
+                        <a:p>
+                          <a:pPr marL="0" marR="0" lvl="0" indent="0" algn="ctr" defTabSz="914400" rtl="0" eaLnBrk="1" fontAlgn="t" latinLnBrk="0" hangingPunct="1">
+                            <a:lnSpc>
+                              <a:spcPct val="100000"/>
+                            </a:lnSpc>
+                            <a:spcBef>
+                              <a:spcPts val="0"/>
+                            </a:spcBef>
+                            <a:spcAft>
+                              <a:spcPts val="0"/>
+                            </a:spcAft>
+                            <a:buClrTx/>
+                            <a:buSzTx/>
+                            <a:buFontTx/>
+                            <a:buNone/>
+                            <a:tabLst/>
+                            <a:defRPr/>
+                          </a:pPr>
+                          <a:r>
+                            <a:rPr lang="ru-RU" sz="1500" b="0" i="0" u="none" strike="noStrike" dirty="0">
+                              <a:solidFill>
+                                <a:srgbClr val="000000"/>
+                              </a:solidFill>
+                              <a:effectLst/>
+                              <a:latin typeface="+mn-lt"/>
+                              <a:ea typeface="Arial Unicode MS" panose="020B0604020202020204" pitchFamily="34" charset="-128"/>
+                            </a:rPr>
+                            <a:t>✓</a:t>
+                          </a:r>
+                        </a:p>
+                      </a:txBody>
+                      <a:tcPr marL="10016" marR="10016" marT="10016" marB="0" anchor="ctr"/>
+                    </a:tc>
+                    <a:tc>
+                      <a:txBody>
+                        <a:bodyPr/>
+                        <a:lstStyle/>
+                        <a:p>
                           <a:pPr algn="ctr" fontAlgn="t"/>
                           <a:r>
-                            <a:rPr lang="ru-RU" sz="1400" u="none" strike="noStrike" dirty="0">
-                              <a:effectLst/>
-                              <a:latin typeface="+mn-lt"/>
-                            </a:rPr>
-                            <a:t>✗</a:t>
-                          </a:r>
-                          <a:endParaRPr lang="ru-RU" sz="1400" b="0" i="0" u="none" strike="noStrike" dirty="0">
+                            <a:rPr lang="ru-RU" sz="1500" b="0" i="0" u="none" strike="noStrike" dirty="0">
+                              <a:solidFill>
+                                <a:srgbClr val="000000"/>
+                              </a:solidFill>
+                              <a:effectLst/>
+                              <a:latin typeface="+mn-lt"/>
+                              <a:ea typeface="Arial Unicode MS" panose="020B0604020202020204" pitchFamily="34" charset="-128"/>
+                            </a:rPr>
+                            <a:t>✓</a:t>
+                          </a:r>
+                        </a:p>
+                      </a:txBody>
+                      <a:tcPr marL="10016" marR="10016" marT="10016" marB="0" anchor="ctr"/>
+                    </a:tc>
+                    <a:extLst>
+                      <a:ext uri="{0D108BD9-81ED-4DB2-BD59-A6C34878D82A}">
+                        <a16:rowId xmlns:a16="http://schemas.microsoft.com/office/drawing/2014/main" val="3379956036"/>
+                      </a:ext>
+                    </a:extLst>
+                  </a:tr>
+                  <a:tr h="280445">
+                    <a:tc>
+                      <a:txBody>
+                        <a:bodyPr/>
+                        <a:lstStyle/>
+                        <a:p>
+                          <a:pPr algn="ctr" fontAlgn="ctr"/>
+                          <a:r>
+                            <a:rPr lang="en-US" sz="1500" u="none" strike="noStrike" dirty="0">
+                              <a:effectLst/>
+                              <a:latin typeface="+mn-lt"/>
+                            </a:rPr>
+                            <a:t>7135 / 7751</a:t>
+                          </a:r>
+                        </a:p>
+                      </a:txBody>
+                      <a:tcPr marL="10016" marR="10016" marT="10016" marB="0" anchor="ctr"/>
+                    </a:tc>
+                    <a:tc>
+                      <a:txBody>
+                        <a:bodyPr/>
+                        <a:lstStyle/>
+                        <a:p>
+                          <a:endParaRPr lang="ru-RU"/>
+                        </a:p>
+                      </a:txBody>
+                      <a:tcPr marL="10016" marR="10016" marT="10016" marB="0" anchor="ctr">
+                        <a:blipFill>
+                          <a:blip r:embed="rId2"/>
+                          <a:stretch>
+                            <a:fillRect l="-214754" t="-984783" r="-412295" b="-850000"/>
+                          </a:stretch>
+                        </a:blipFill>
+                      </a:tcPr>
+                    </a:tc>
+                    <a:tc>
+                      <a:txBody>
+                        <a:bodyPr/>
+                        <a:lstStyle/>
+                        <a:p>
+                          <a:pPr algn="ctr" fontAlgn="ctr"/>
+                          <a:r>
+                            <a:rPr lang="en-US" sz="1500" b="0" i="0" u="none" strike="noStrike" dirty="0">
+                              <a:solidFill>
+                                <a:srgbClr val="000000"/>
+                              </a:solidFill>
+                              <a:effectLst/>
+                              <a:latin typeface="+mn-lt"/>
+                              <a:ea typeface="Arial Unicode MS" panose="020B0604020202020204" pitchFamily="34" charset="-128"/>
+                            </a:rPr>
+                            <a:t>27.629</a:t>
+                          </a:r>
+                          <a:endParaRPr lang="ru-RU" sz="1500" b="0" i="0" u="none" strike="noStrike" dirty="0">
                             <a:solidFill>
                               <a:srgbClr val="000000"/>
                             </a:solidFill>
@@ -7661,9 +9506,1023 @@
                       </a:txBody>
                       <a:tcPr marL="10016" marR="10016" marT="10016" marB="0" anchor="ctr"/>
                     </a:tc>
+                    <a:tc>
+                      <a:txBody>
+                        <a:bodyPr/>
+                        <a:lstStyle/>
+                        <a:p>
+                          <a:pPr marL="0" marR="0" lvl="0" indent="0" algn="ctr" defTabSz="914400" rtl="0" eaLnBrk="1" fontAlgn="t" latinLnBrk="0" hangingPunct="1">
+                            <a:lnSpc>
+                              <a:spcPct val="100000"/>
+                            </a:lnSpc>
+                            <a:spcBef>
+                              <a:spcPts val="0"/>
+                            </a:spcBef>
+                            <a:spcAft>
+                              <a:spcPts val="0"/>
+                            </a:spcAft>
+                            <a:buClrTx/>
+                            <a:buSzTx/>
+                            <a:buFontTx/>
+                            <a:buNone/>
+                            <a:tabLst/>
+                            <a:defRPr/>
+                          </a:pPr>
+                          <a:r>
+                            <a:rPr lang="ru-RU" sz="1500" b="0" i="0" u="none" strike="noStrike" dirty="0">
+                              <a:solidFill>
+                                <a:srgbClr val="000000"/>
+                              </a:solidFill>
+                              <a:effectLst/>
+                              <a:latin typeface="+mn-lt"/>
+                              <a:ea typeface="Arial Unicode MS" panose="020B0604020202020204" pitchFamily="34" charset="-128"/>
+                            </a:rPr>
+                            <a:t>✓</a:t>
+                          </a:r>
+                        </a:p>
+                      </a:txBody>
+                      <a:tcPr marL="10016" marR="10016" marT="10016" marB="0" anchor="ctr"/>
+                    </a:tc>
+                    <a:tc>
+                      <a:txBody>
+                        <a:bodyPr/>
+                        <a:lstStyle/>
+                        <a:p>
+                          <a:pPr marL="0" marR="0" lvl="0" indent="0" algn="ctr" defTabSz="914400" rtl="0" eaLnBrk="1" fontAlgn="t" latinLnBrk="0" hangingPunct="1">
+                            <a:lnSpc>
+                              <a:spcPct val="100000"/>
+                            </a:lnSpc>
+                            <a:spcBef>
+                              <a:spcPts val="0"/>
+                            </a:spcBef>
+                            <a:spcAft>
+                              <a:spcPts val="0"/>
+                            </a:spcAft>
+                            <a:buClrTx/>
+                            <a:buSzTx/>
+                            <a:buFontTx/>
+                            <a:buNone/>
+                            <a:tabLst/>
+                            <a:defRPr/>
+                          </a:pPr>
+                          <a:r>
+                            <a:rPr lang="ru-RU" sz="1500" b="0" i="0" u="none" strike="noStrike" dirty="0">
+                              <a:solidFill>
+                                <a:srgbClr val="000000"/>
+                              </a:solidFill>
+                              <a:effectLst/>
+                              <a:latin typeface="+mn-lt"/>
+                              <a:ea typeface="Arial Unicode MS" panose="020B0604020202020204" pitchFamily="34" charset="-128"/>
+                            </a:rPr>
+                            <a:t>✓</a:t>
+                          </a:r>
+                        </a:p>
+                      </a:txBody>
+                      <a:tcPr marL="10016" marR="10016" marT="10016" marB="0" anchor="ctr"/>
+                    </a:tc>
+                    <a:tc>
+                      <a:txBody>
+                        <a:bodyPr/>
+                        <a:lstStyle/>
+                        <a:p>
+                          <a:pPr algn="ctr" fontAlgn="t"/>
+                          <a:r>
+                            <a:rPr lang="ru-RU" sz="1500" b="0" i="0" u="none" strike="noStrike" dirty="0">
+                              <a:solidFill>
+                                <a:srgbClr val="000000"/>
+                              </a:solidFill>
+                              <a:effectLst/>
+                              <a:latin typeface="+mn-lt"/>
+                              <a:ea typeface="Arial Unicode MS" panose="020B0604020202020204" pitchFamily="34" charset="-128"/>
+                            </a:rPr>
+                            <a:t>✓</a:t>
+                          </a:r>
+                        </a:p>
+                      </a:txBody>
+                      <a:tcPr marL="10016" marR="10016" marT="10016" marB="0" anchor="ctr"/>
+                    </a:tc>
+                    <a:extLst>
+                      <a:ext uri="{0D108BD9-81ED-4DB2-BD59-A6C34878D82A}">
+                        <a16:rowId xmlns:a16="http://schemas.microsoft.com/office/drawing/2014/main" val="3311056456"/>
+                      </a:ext>
+                    </a:extLst>
+                  </a:tr>
+                  <a:tr h="330525">
+                    <a:tc>
+                      <a:txBody>
+                        <a:bodyPr/>
+                        <a:lstStyle/>
+                        <a:p>
+                          <a:pPr algn="ctr" fontAlgn="ctr"/>
+                          <a:r>
+                            <a:rPr lang="ru-RU" sz="1500" u="none" strike="noStrike" dirty="0">
+                              <a:effectLst/>
+                              <a:latin typeface="+mn-lt"/>
+                            </a:rPr>
+                            <a:t>4686</a:t>
+                          </a:r>
+                          <a:endParaRPr lang="ru-RU" sz="1500" b="0" i="0" u="none" strike="noStrike" dirty="0">
+                            <a:solidFill>
+                              <a:srgbClr val="000000"/>
+                            </a:solidFill>
+                            <a:effectLst/>
+                            <a:latin typeface="+mn-lt"/>
+                            <a:ea typeface="Arial Unicode MS" panose="020B0604020202020204" pitchFamily="34" charset="-128"/>
+                          </a:endParaRPr>
+                        </a:p>
+                      </a:txBody>
+                      <a:tcPr marL="10016" marR="10016" marT="10016" marB="0" anchor="ctr"/>
+                    </a:tc>
+                    <a:tc>
+                      <a:txBody>
+                        <a:bodyPr/>
+                        <a:lstStyle/>
+                        <a:p>
+                          <a:endParaRPr lang="ru-RU"/>
+                        </a:p>
+                      </a:txBody>
+                      <a:tcPr marL="10016" marR="10016" marT="10016" marB="0" anchor="ctr">
+                        <a:blipFill>
+                          <a:blip r:embed="rId2"/>
+                          <a:stretch>
+                            <a:fillRect l="-214754" t="-924074" r="-412295" b="-624074"/>
+                          </a:stretch>
+                        </a:blipFill>
+                      </a:tcPr>
+                    </a:tc>
+                    <a:tc>
+                      <a:txBody>
+                        <a:bodyPr/>
+                        <a:lstStyle/>
+                        <a:p>
+                          <a:pPr algn="ctr" fontAlgn="t"/>
+                          <a:r>
+                            <a:rPr lang="ru-RU" sz="1500" u="none" strike="noStrike" dirty="0">
+                              <a:effectLst/>
+                              <a:latin typeface="+mn-lt"/>
+                            </a:rPr>
+                            <a:t>24</a:t>
+                          </a:r>
+                          <a:r>
+                            <a:rPr lang="en-US" sz="1500" u="none" strike="noStrike" dirty="0">
+                              <a:effectLst/>
+                              <a:latin typeface="+mn-lt"/>
+                            </a:rPr>
+                            <a:t>.587</a:t>
+                          </a:r>
+                          <a:r>
+                            <a:rPr lang="ru-RU" sz="1500" u="none" strike="noStrike" dirty="0">
+                              <a:effectLst/>
+                              <a:latin typeface="+mn-lt"/>
+                            </a:rPr>
+                            <a:t> </a:t>
+                          </a:r>
+                          <a:endParaRPr lang="ru-RU" sz="1500" b="0" i="0" u="none" strike="noStrike" dirty="0">
+                            <a:solidFill>
+                              <a:srgbClr val="000000"/>
+                            </a:solidFill>
+                            <a:effectLst/>
+                            <a:latin typeface="+mn-lt"/>
+                            <a:ea typeface="Arial Unicode MS" panose="020B0604020202020204" pitchFamily="34" charset="-128"/>
+                          </a:endParaRPr>
+                        </a:p>
+                      </a:txBody>
+                      <a:tcPr marL="10016" marR="10016" marT="10016" marB="0" anchor="ctr"/>
+                    </a:tc>
+                    <a:tc>
+                      <a:txBody>
+                        <a:bodyPr/>
+                        <a:lstStyle/>
+                        <a:p>
+                          <a:pPr algn="ctr" fontAlgn="t"/>
+                          <a:r>
+                            <a:rPr lang="ru-RU" sz="1500" b="0" i="0" u="none" strike="noStrike" dirty="0">
+                              <a:solidFill>
+                                <a:srgbClr val="000000"/>
+                              </a:solidFill>
+                              <a:effectLst/>
+                              <a:latin typeface="+mn-lt"/>
+                              <a:ea typeface="Arial Unicode MS" panose="020B0604020202020204" pitchFamily="34" charset="-128"/>
+                            </a:rPr>
+                            <a:t>✗</a:t>
+                          </a:r>
+                        </a:p>
+                      </a:txBody>
+                      <a:tcPr marL="10016" marR="10016" marT="10016" marB="0" anchor="ctr"/>
+                    </a:tc>
+                    <a:tc>
+                      <a:txBody>
+                        <a:bodyPr/>
+                        <a:lstStyle/>
+                        <a:p>
+                          <a:pPr algn="ctr" fontAlgn="t"/>
+                          <a:r>
+                            <a:rPr lang="ru-RU" sz="1500" b="0" i="0" u="none" strike="noStrike" dirty="0">
+                              <a:solidFill>
+                                <a:srgbClr val="000000"/>
+                              </a:solidFill>
+                              <a:effectLst/>
+                              <a:latin typeface="+mn-lt"/>
+                              <a:ea typeface="Arial Unicode MS" panose="020B0604020202020204" pitchFamily="34" charset="-128"/>
+                            </a:rPr>
+                            <a:t>✗</a:t>
+                          </a:r>
+                        </a:p>
+                      </a:txBody>
+                      <a:tcPr marL="10016" marR="10016" marT="10016" marB="0" anchor="ctr"/>
+                    </a:tc>
+                    <a:tc>
+                      <a:txBody>
+                        <a:bodyPr/>
+                        <a:lstStyle/>
+                        <a:p>
+                          <a:pPr algn="ctr" fontAlgn="t"/>
+                          <a:r>
+                            <a:rPr lang="ru-RU" sz="1500" b="0" i="0" u="none" strike="noStrike" dirty="0">
+                              <a:solidFill>
+                                <a:srgbClr val="000000"/>
+                              </a:solidFill>
+                              <a:effectLst/>
+                              <a:latin typeface="+mn-lt"/>
+                              <a:ea typeface="Arial Unicode MS" panose="020B0604020202020204" pitchFamily="34" charset="-128"/>
+                            </a:rPr>
+                            <a:t>✓</a:t>
+                          </a:r>
+                        </a:p>
+                      </a:txBody>
+                      <a:tcPr marL="10016" marR="10016" marT="10016" marB="0" anchor="ctr"/>
+                    </a:tc>
                     <a:extLst>
                       <a:ext uri="{0D108BD9-81ED-4DB2-BD59-A6C34878D82A}">
                         <a16:rowId xmlns:a16="http://schemas.microsoft.com/office/drawing/2014/main" val="1446920858"/>
+                      </a:ext>
+                    </a:extLst>
+                  </a:tr>
+                  <a:tr h="330525">
+                    <a:tc>
+                      <a:txBody>
+                        <a:bodyPr/>
+                        <a:lstStyle/>
+                        <a:p>
+                          <a:pPr algn="ctr" fontAlgn="ctr"/>
+                          <a:r>
+                            <a:rPr lang="en-US" sz="1500" b="0" i="0" u="none" strike="noStrike" dirty="0">
+                              <a:solidFill>
+                                <a:srgbClr val="000000"/>
+                              </a:solidFill>
+                              <a:effectLst/>
+                              <a:latin typeface="+mn-lt"/>
+                              <a:ea typeface="Arial Unicode MS" panose="020B0604020202020204" pitchFamily="34" charset="-128"/>
+                            </a:rPr>
+                            <a:t>9069 / 9532</a:t>
+                          </a:r>
+                          <a:endParaRPr lang="ru-RU" sz="1500" b="0" i="0" u="none" strike="noStrike" dirty="0">
+                            <a:solidFill>
+                              <a:srgbClr val="000000"/>
+                            </a:solidFill>
+                            <a:effectLst/>
+                            <a:latin typeface="+mn-lt"/>
+                            <a:ea typeface="Arial Unicode MS" panose="020B0604020202020204" pitchFamily="34" charset="-128"/>
+                          </a:endParaRPr>
+                        </a:p>
+                      </a:txBody>
+                      <a:tcPr marL="10016" marR="10016" marT="10016" marB="0" anchor="ctr"/>
+                    </a:tc>
+                    <a:tc>
+                      <a:txBody>
+                        <a:bodyPr/>
+                        <a:lstStyle/>
+                        <a:p>
+                          <a:endParaRPr lang="ru-RU"/>
+                        </a:p>
+                      </a:txBody>
+                      <a:tcPr marL="10016" marR="10016" marT="10016" marB="0" anchor="ctr">
+                        <a:blipFill>
+                          <a:blip r:embed="rId2"/>
+                          <a:stretch>
+                            <a:fillRect l="-214754" t="-1024074" r="-412295" b="-524074"/>
+                          </a:stretch>
+                        </a:blipFill>
+                      </a:tcPr>
+                    </a:tc>
+                    <a:tc>
+                      <a:txBody>
+                        <a:bodyPr/>
+                        <a:lstStyle/>
+                        <a:p>
+                          <a:pPr algn="ctr" fontAlgn="t"/>
+                          <a:r>
+                            <a:rPr lang="en-US" sz="1500" b="0" i="0" u="none" strike="noStrike" dirty="0">
+                              <a:solidFill>
+                                <a:srgbClr val="000000"/>
+                              </a:solidFill>
+                              <a:effectLst/>
+                              <a:latin typeface="+mn-lt"/>
+                              <a:ea typeface="Arial Unicode MS" panose="020B0604020202020204" pitchFamily="34" charset="-128"/>
+                            </a:rPr>
+                            <a:t>23.33</a:t>
+                          </a:r>
+                          <a:endParaRPr lang="ru-RU" sz="1500" b="0" i="0" u="none" strike="noStrike" dirty="0">
+                            <a:solidFill>
+                              <a:srgbClr val="000000"/>
+                            </a:solidFill>
+                            <a:effectLst/>
+                            <a:latin typeface="+mn-lt"/>
+                            <a:ea typeface="Arial Unicode MS" panose="020B0604020202020204" pitchFamily="34" charset="-128"/>
+                          </a:endParaRPr>
+                        </a:p>
+                      </a:txBody>
+                      <a:tcPr marL="10016" marR="10016" marT="10016" marB="0" anchor="ctr"/>
+                    </a:tc>
+                    <a:tc>
+                      <a:txBody>
+                        <a:bodyPr/>
+                        <a:lstStyle/>
+                        <a:p>
+                          <a:pPr algn="ctr" fontAlgn="t"/>
+                          <a:r>
+                            <a:rPr lang="ru-RU" sz="1500" b="0" i="0" u="none" strike="noStrike" dirty="0">
+                              <a:solidFill>
+                                <a:srgbClr val="000000"/>
+                              </a:solidFill>
+                              <a:effectLst/>
+                              <a:latin typeface="+mn-lt"/>
+                              <a:ea typeface="Arial Unicode MS" panose="020B0604020202020204" pitchFamily="34" charset="-128"/>
+                            </a:rPr>
+                            <a:t>✓</a:t>
+                          </a:r>
+                        </a:p>
+                      </a:txBody>
+                      <a:tcPr marL="10016" marR="10016" marT="10016" marB="0" anchor="ctr"/>
+                    </a:tc>
+                    <a:tc>
+                      <a:txBody>
+                        <a:bodyPr/>
+                        <a:lstStyle/>
+                        <a:p>
+                          <a:pPr algn="ctr" fontAlgn="t"/>
+                          <a:r>
+                            <a:rPr lang="ru-RU" sz="1500" b="0" i="0" u="none" strike="noStrike" dirty="0">
+                              <a:solidFill>
+                                <a:srgbClr val="000000"/>
+                              </a:solidFill>
+                              <a:effectLst/>
+                              <a:latin typeface="+mn-lt"/>
+                              <a:ea typeface="Arial Unicode MS" panose="020B0604020202020204" pitchFamily="34" charset="-128"/>
+                            </a:rPr>
+                            <a:t>✓</a:t>
+                          </a:r>
+                        </a:p>
+                      </a:txBody>
+                      <a:tcPr marL="10016" marR="10016" marT="10016" marB="0" anchor="ctr"/>
+                    </a:tc>
+                    <a:tc>
+                      <a:txBody>
+                        <a:bodyPr/>
+                        <a:lstStyle/>
+                        <a:p>
+                          <a:pPr algn="ctr" fontAlgn="t"/>
+                          <a:r>
+                            <a:rPr lang="ru-RU" sz="1500" b="0" i="0" u="none" strike="noStrike" dirty="0">
+                              <a:solidFill>
+                                <a:srgbClr val="000000"/>
+                              </a:solidFill>
+                              <a:effectLst/>
+                              <a:latin typeface="+mn-lt"/>
+                              <a:ea typeface="Arial Unicode MS" panose="020B0604020202020204" pitchFamily="34" charset="-128"/>
+                            </a:rPr>
+                            <a:t>✓</a:t>
+                          </a:r>
+                        </a:p>
+                      </a:txBody>
+                      <a:tcPr marL="10016" marR="10016" marT="10016" marB="0" anchor="ctr"/>
+                    </a:tc>
+                    <a:extLst>
+                      <a:ext uri="{0D108BD9-81ED-4DB2-BD59-A6C34878D82A}">
+                        <a16:rowId xmlns:a16="http://schemas.microsoft.com/office/drawing/2014/main" val="3373021648"/>
+                      </a:ext>
+                    </a:extLst>
+                  </a:tr>
+                  <a:tr h="330525">
+                    <a:tc>
+                      <a:txBody>
+                        <a:bodyPr/>
+                        <a:lstStyle/>
+                        <a:p>
+                          <a:pPr algn="ctr" fontAlgn="ctr"/>
+                          <a:r>
+                            <a:rPr lang="en-US" sz="1500" b="0" i="0" u="none" strike="noStrike" dirty="0">
+                              <a:solidFill>
+                                <a:srgbClr val="000000"/>
+                              </a:solidFill>
+                              <a:effectLst/>
+                              <a:latin typeface="+mn-lt"/>
+                              <a:ea typeface="Arial Unicode MS" panose="020B0604020202020204" pitchFamily="34" charset="-128"/>
+                            </a:rPr>
+                            <a:t>5517 / 5537</a:t>
+                          </a:r>
+                          <a:endParaRPr lang="ru-RU" sz="1500" b="0" i="0" u="none" strike="noStrike" dirty="0">
+                            <a:solidFill>
+                              <a:srgbClr val="000000"/>
+                            </a:solidFill>
+                            <a:effectLst/>
+                            <a:latin typeface="+mn-lt"/>
+                            <a:ea typeface="Arial Unicode MS" panose="020B0604020202020204" pitchFamily="34" charset="-128"/>
+                          </a:endParaRPr>
+                        </a:p>
+                      </a:txBody>
+                      <a:tcPr marL="10016" marR="10016" marT="10016" marB="0" anchor="ctr"/>
+                    </a:tc>
+                    <a:tc>
+                      <a:txBody>
+                        <a:bodyPr/>
+                        <a:lstStyle/>
+                        <a:p>
+                          <a:endParaRPr lang="ru-RU"/>
+                        </a:p>
+                      </a:txBody>
+                      <a:tcPr marL="10016" marR="10016" marT="10016" marB="0" anchor="ctr">
+                        <a:blipFill>
+                          <a:blip r:embed="rId2"/>
+                          <a:stretch>
+                            <a:fillRect l="-214754" t="-1103636" r="-412295" b="-414545"/>
+                          </a:stretch>
+                        </a:blipFill>
+                      </a:tcPr>
+                    </a:tc>
+                    <a:tc>
+                      <a:txBody>
+                        <a:bodyPr/>
+                        <a:lstStyle/>
+                        <a:p>
+                          <a:pPr algn="ctr" fontAlgn="t"/>
+                          <a:r>
+                            <a:rPr lang="en-US" sz="1500" b="0" i="0" u="none" strike="noStrike" dirty="0">
+                              <a:solidFill>
+                                <a:srgbClr val="000000"/>
+                              </a:solidFill>
+                              <a:effectLst/>
+                              <a:latin typeface="+mn-lt"/>
+                              <a:ea typeface="Arial Unicode MS" panose="020B0604020202020204" pitchFamily="34" charset="-128"/>
+                            </a:rPr>
+                            <a:t>23.81</a:t>
+                          </a:r>
+                          <a:endParaRPr lang="ru-RU" sz="1500" b="0" i="0" u="none" strike="noStrike" dirty="0">
+                            <a:solidFill>
+                              <a:srgbClr val="000000"/>
+                            </a:solidFill>
+                            <a:effectLst/>
+                            <a:latin typeface="+mn-lt"/>
+                            <a:ea typeface="Arial Unicode MS" panose="020B0604020202020204" pitchFamily="34" charset="-128"/>
+                          </a:endParaRPr>
+                        </a:p>
+                      </a:txBody>
+                      <a:tcPr marL="10016" marR="10016" marT="10016" marB="0" anchor="ctr"/>
+                    </a:tc>
+                    <a:tc>
+                      <a:txBody>
+                        <a:bodyPr/>
+                        <a:lstStyle/>
+                        <a:p>
+                          <a:pPr algn="ctr" fontAlgn="t"/>
+                          <a:r>
+                            <a:rPr lang="ru-RU" sz="1500" b="0" i="0" u="none" strike="noStrike" dirty="0">
+                              <a:solidFill>
+                                <a:srgbClr val="000000"/>
+                              </a:solidFill>
+                              <a:effectLst/>
+                              <a:latin typeface="+mn-lt"/>
+                              <a:ea typeface="Arial Unicode MS" panose="020B0604020202020204" pitchFamily="34" charset="-128"/>
+                            </a:rPr>
+                            <a:t>✗</a:t>
+                          </a:r>
+                        </a:p>
+                      </a:txBody>
+                      <a:tcPr marL="10016" marR="10016" marT="10016" marB="0" anchor="ctr"/>
+                    </a:tc>
+                    <a:tc>
+                      <a:txBody>
+                        <a:bodyPr/>
+                        <a:lstStyle/>
+                        <a:p>
+                          <a:pPr algn="ctr" fontAlgn="t"/>
+                          <a:r>
+                            <a:rPr lang="ru-RU" sz="1500" b="0" i="0" u="none" strike="noStrike" dirty="0">
+                              <a:solidFill>
+                                <a:srgbClr val="000000"/>
+                              </a:solidFill>
+                              <a:effectLst/>
+                              <a:latin typeface="+mn-lt"/>
+                              <a:ea typeface="Arial Unicode MS" panose="020B0604020202020204" pitchFamily="34" charset="-128"/>
+                            </a:rPr>
+                            <a:t>✗</a:t>
+                          </a:r>
+                        </a:p>
+                      </a:txBody>
+                      <a:tcPr marL="10016" marR="10016" marT="10016" marB="0" anchor="ctr"/>
+                    </a:tc>
+                    <a:tc>
+                      <a:txBody>
+                        <a:bodyPr/>
+                        <a:lstStyle/>
+                        <a:p>
+                          <a:pPr algn="ctr" fontAlgn="t"/>
+                          <a:r>
+                            <a:rPr lang="ru-RU" sz="1500" b="0" i="0" u="none" strike="noStrike" dirty="0">
+                              <a:solidFill>
+                                <a:srgbClr val="000000"/>
+                              </a:solidFill>
+                              <a:effectLst/>
+                              <a:latin typeface="+mn-lt"/>
+                              <a:ea typeface="Arial Unicode MS" panose="020B0604020202020204" pitchFamily="34" charset="-128"/>
+                            </a:rPr>
+                            <a:t>✓</a:t>
+                          </a:r>
+                        </a:p>
+                      </a:txBody>
+                      <a:tcPr marL="10016" marR="10016" marT="10016" marB="0" anchor="ctr"/>
+                    </a:tc>
+                    <a:extLst>
+                      <a:ext uri="{0D108BD9-81ED-4DB2-BD59-A6C34878D82A}">
+                        <a16:rowId xmlns:a16="http://schemas.microsoft.com/office/drawing/2014/main" val="121325891"/>
+                      </a:ext>
+                    </a:extLst>
+                  </a:tr>
+                  <a:tr h="330525">
+                    <a:tc>
+                      <a:txBody>
+                        <a:bodyPr/>
+                        <a:lstStyle/>
+                        <a:p>
+                          <a:pPr algn="ctr" fontAlgn="ctr"/>
+                          <a:r>
+                            <a:rPr lang="en-US" sz="1500" b="0" i="0" u="none" strike="noStrike" dirty="0">
+                              <a:solidFill>
+                                <a:srgbClr val="000000"/>
+                              </a:solidFill>
+                              <a:effectLst/>
+                              <a:latin typeface="+mn-lt"/>
+                              <a:ea typeface="Arial Unicode MS" panose="020B0604020202020204" pitchFamily="34" charset="-128"/>
+                            </a:rPr>
+                            <a:t>5755 / 6548 / 6584</a:t>
+                          </a:r>
+                          <a:endParaRPr lang="ru-RU" sz="1500" b="0" i="0" u="none" strike="noStrike" dirty="0">
+                            <a:solidFill>
+                              <a:srgbClr val="000000"/>
+                            </a:solidFill>
+                            <a:effectLst/>
+                            <a:latin typeface="+mn-lt"/>
+                            <a:ea typeface="Arial Unicode MS" panose="020B0604020202020204" pitchFamily="34" charset="-128"/>
+                          </a:endParaRPr>
+                        </a:p>
+                      </a:txBody>
+                      <a:tcPr marL="10016" marR="10016" marT="10016" marB="0" anchor="ctr"/>
+                    </a:tc>
+                    <a:tc>
+                      <a:txBody>
+                        <a:bodyPr/>
+                        <a:lstStyle/>
+                        <a:p>
+                          <a:endParaRPr lang="ru-RU"/>
+                        </a:p>
+                      </a:txBody>
+                      <a:tcPr marL="10016" marR="10016" marT="10016" marB="0" anchor="ctr">
+                        <a:blipFill>
+                          <a:blip r:embed="rId2"/>
+                          <a:stretch>
+                            <a:fillRect l="-214754" t="-1225926" r="-412295" b="-322222"/>
+                          </a:stretch>
+                        </a:blipFill>
+                      </a:tcPr>
+                    </a:tc>
+                    <a:tc>
+                      <a:txBody>
+                        <a:bodyPr/>
+                        <a:lstStyle/>
+                        <a:p>
+                          <a:pPr algn="ctr" fontAlgn="t"/>
+                          <a:r>
+                            <a:rPr lang="en-US" sz="1500" b="0" i="0" u="none" strike="noStrike" dirty="0">
+                              <a:solidFill>
+                                <a:srgbClr val="000000"/>
+                              </a:solidFill>
+                              <a:effectLst/>
+                              <a:latin typeface="+mn-lt"/>
+                              <a:ea typeface="Arial Unicode MS" panose="020B0604020202020204" pitchFamily="34" charset="-128"/>
+                            </a:rPr>
+                            <a:t>14.534</a:t>
+                          </a:r>
+                          <a:endParaRPr lang="ru-RU" sz="1500" b="0" i="0" u="none" strike="noStrike" dirty="0">
+                            <a:solidFill>
+                              <a:srgbClr val="000000"/>
+                            </a:solidFill>
+                            <a:effectLst/>
+                            <a:latin typeface="+mn-lt"/>
+                            <a:ea typeface="Arial Unicode MS" panose="020B0604020202020204" pitchFamily="34" charset="-128"/>
+                          </a:endParaRPr>
+                        </a:p>
+                      </a:txBody>
+                      <a:tcPr marL="10016" marR="10016" marT="10016" marB="0" anchor="ctr"/>
+                    </a:tc>
+                    <a:tc>
+                      <a:txBody>
+                        <a:bodyPr/>
+                        <a:lstStyle/>
+                        <a:p>
+                          <a:pPr algn="ctr" fontAlgn="t"/>
+                          <a:r>
+                            <a:rPr lang="ru-RU" sz="1500" b="0" i="0" u="none" strike="noStrike" dirty="0">
+                              <a:solidFill>
+                                <a:srgbClr val="000000"/>
+                              </a:solidFill>
+                              <a:effectLst/>
+                              <a:latin typeface="+mn-lt"/>
+                              <a:ea typeface="Arial Unicode MS" panose="020B0604020202020204" pitchFamily="34" charset="-128"/>
+                            </a:rPr>
+                            <a:t>✓</a:t>
+                          </a:r>
+                        </a:p>
+                      </a:txBody>
+                      <a:tcPr marL="10016" marR="10016" marT="10016" marB="0" anchor="ctr"/>
+                    </a:tc>
+                    <a:tc>
+                      <a:txBody>
+                        <a:bodyPr/>
+                        <a:lstStyle/>
+                        <a:p>
+                          <a:pPr algn="ctr" fontAlgn="t"/>
+                          <a:r>
+                            <a:rPr lang="ru-RU" sz="1500" b="0" i="0" u="none" strike="noStrike" dirty="0">
+                              <a:solidFill>
+                                <a:srgbClr val="000000"/>
+                              </a:solidFill>
+                              <a:effectLst/>
+                              <a:latin typeface="+mn-lt"/>
+                              <a:ea typeface="Arial Unicode MS" panose="020B0604020202020204" pitchFamily="34" charset="-128"/>
+                            </a:rPr>
+                            <a:t>✓</a:t>
+                          </a:r>
+                        </a:p>
+                      </a:txBody>
+                      <a:tcPr marL="10016" marR="10016" marT="10016" marB="0" anchor="ctr"/>
+                    </a:tc>
+                    <a:tc>
+                      <a:txBody>
+                        <a:bodyPr/>
+                        <a:lstStyle/>
+                        <a:p>
+                          <a:pPr algn="ctr" fontAlgn="t"/>
+                          <a:r>
+                            <a:rPr lang="ru-RU" sz="1500" b="0" i="0" u="none" strike="noStrike" dirty="0">
+                              <a:solidFill>
+                                <a:srgbClr val="000000"/>
+                              </a:solidFill>
+                              <a:effectLst/>
+                              <a:latin typeface="+mn-lt"/>
+                              <a:ea typeface="Arial Unicode MS" panose="020B0604020202020204" pitchFamily="34" charset="-128"/>
+                            </a:rPr>
+                            <a:t>✓</a:t>
+                          </a:r>
+                        </a:p>
+                      </a:txBody>
+                      <a:tcPr marL="10016" marR="10016" marT="10016" marB="0" anchor="ctr"/>
+                    </a:tc>
+                    <a:extLst>
+                      <a:ext uri="{0D108BD9-81ED-4DB2-BD59-A6C34878D82A}">
+                        <a16:rowId xmlns:a16="http://schemas.microsoft.com/office/drawing/2014/main" val="2024429951"/>
+                      </a:ext>
+                    </a:extLst>
+                  </a:tr>
+                  <a:tr h="330525">
+                    <a:tc>
+                      <a:txBody>
+                        <a:bodyPr/>
+                        <a:lstStyle/>
+                        <a:p>
+                          <a:pPr algn="ctr" fontAlgn="ctr"/>
+                          <a:r>
+                            <a:rPr lang="en-US" sz="1500" b="0" i="0" u="none" strike="noStrike" dirty="0">
+                              <a:solidFill>
+                                <a:srgbClr val="000000"/>
+                              </a:solidFill>
+                              <a:effectLst/>
+                              <a:latin typeface="+mn-lt"/>
+                              <a:ea typeface="Arial Unicode MS" panose="020B0604020202020204" pitchFamily="34" charset="-128"/>
+                            </a:rPr>
+                            <a:t>3727 / 7323</a:t>
+                          </a:r>
+                          <a:endParaRPr lang="ru-RU" sz="1500" b="0" i="0" u="none" strike="noStrike" dirty="0">
+                            <a:solidFill>
+                              <a:srgbClr val="000000"/>
+                            </a:solidFill>
+                            <a:effectLst/>
+                            <a:latin typeface="+mn-lt"/>
+                            <a:ea typeface="Arial Unicode MS" panose="020B0604020202020204" pitchFamily="34" charset="-128"/>
+                          </a:endParaRPr>
+                        </a:p>
+                      </a:txBody>
+                      <a:tcPr marL="10016" marR="10016" marT="10016" marB="0" anchor="ctr"/>
+                    </a:tc>
+                    <a:tc>
+                      <a:txBody>
+                        <a:bodyPr/>
+                        <a:lstStyle/>
+                        <a:p>
+                          <a:endParaRPr lang="ru-RU"/>
+                        </a:p>
+                      </a:txBody>
+                      <a:tcPr marL="10016" marR="10016" marT="10016" marB="0" anchor="ctr">
+                        <a:blipFill>
+                          <a:blip r:embed="rId2"/>
+                          <a:stretch>
+                            <a:fillRect l="-214754" t="-1325926" r="-412295" b="-222222"/>
+                          </a:stretch>
+                        </a:blipFill>
+                      </a:tcPr>
+                    </a:tc>
+                    <a:tc>
+                      <a:txBody>
+                        <a:bodyPr/>
+                        <a:lstStyle/>
+                        <a:p>
+                          <a:pPr algn="ctr" fontAlgn="t"/>
+                          <a:r>
+                            <a:rPr lang="ru-RU" sz="1500" b="0" i="0" u="none" strike="noStrike" dirty="0">
+                              <a:solidFill>
+                                <a:srgbClr val="000000"/>
+                              </a:solidFill>
+                              <a:effectLst/>
+                              <a:latin typeface="+mn-lt"/>
+                              <a:ea typeface="Arial Unicode MS" panose="020B0604020202020204" pitchFamily="34" charset="-128"/>
+                            </a:rPr>
+                            <a:t>13</a:t>
+                          </a:r>
+                          <a:r>
+                            <a:rPr lang="en-US" sz="1500" b="0" i="0" u="none" strike="noStrike" dirty="0">
+                              <a:solidFill>
+                                <a:srgbClr val="000000"/>
+                              </a:solidFill>
+                              <a:effectLst/>
+                              <a:latin typeface="+mn-lt"/>
+                              <a:ea typeface="Arial Unicode MS" panose="020B0604020202020204" pitchFamily="34" charset="-128"/>
+                            </a:rPr>
+                            <a:t>.618</a:t>
+                          </a:r>
+                          <a:endParaRPr lang="ru-RU" sz="1500" b="0" i="0" u="none" strike="noStrike" dirty="0">
+                            <a:solidFill>
+                              <a:srgbClr val="000000"/>
+                            </a:solidFill>
+                            <a:effectLst/>
+                            <a:latin typeface="+mn-lt"/>
+                            <a:ea typeface="Arial Unicode MS" panose="020B0604020202020204" pitchFamily="34" charset="-128"/>
+                          </a:endParaRPr>
+                        </a:p>
+                      </a:txBody>
+                      <a:tcPr marL="10016" marR="10016" marT="10016" marB="0" anchor="ctr"/>
+                    </a:tc>
+                    <a:tc>
+                      <a:txBody>
+                        <a:bodyPr/>
+                        <a:lstStyle/>
+                        <a:p>
+                          <a:pPr algn="ctr" fontAlgn="t"/>
+                          <a:r>
+                            <a:rPr lang="ru-RU" sz="1500" b="0" i="0" u="none" strike="noStrike" dirty="0">
+                              <a:solidFill>
+                                <a:srgbClr val="000000"/>
+                              </a:solidFill>
+                              <a:effectLst/>
+                              <a:latin typeface="+mn-lt"/>
+                              <a:ea typeface="Arial Unicode MS" panose="020B0604020202020204" pitchFamily="34" charset="-128"/>
+                            </a:rPr>
+                            <a:t>✓</a:t>
+                          </a:r>
+                        </a:p>
+                      </a:txBody>
+                      <a:tcPr marL="10016" marR="10016" marT="10016" marB="0" anchor="ctr"/>
+                    </a:tc>
+                    <a:tc>
+                      <a:txBody>
+                        <a:bodyPr/>
+                        <a:lstStyle/>
+                        <a:p>
+                          <a:pPr algn="ctr" fontAlgn="t"/>
+                          <a:r>
+                            <a:rPr lang="ru-RU" sz="1500" b="0" i="0" u="none" strike="noStrike" dirty="0">
+                              <a:solidFill>
+                                <a:srgbClr val="000000"/>
+                              </a:solidFill>
+                              <a:effectLst/>
+                              <a:latin typeface="+mn-lt"/>
+                              <a:ea typeface="Arial Unicode MS" panose="020B0604020202020204" pitchFamily="34" charset="-128"/>
+                            </a:rPr>
+                            <a:t>✓</a:t>
+                          </a:r>
+                        </a:p>
+                      </a:txBody>
+                      <a:tcPr marL="10016" marR="10016" marT="10016" marB="0" anchor="ctr"/>
+                    </a:tc>
+                    <a:tc>
+                      <a:txBody>
+                        <a:bodyPr/>
+                        <a:lstStyle/>
+                        <a:p>
+                          <a:pPr marL="0" marR="0" lvl="0" indent="0" algn="ctr" defTabSz="914400" rtl="0" eaLnBrk="1" fontAlgn="t" latinLnBrk="0" hangingPunct="1">
+                            <a:lnSpc>
+                              <a:spcPct val="100000"/>
+                            </a:lnSpc>
+                            <a:spcBef>
+                              <a:spcPts val="0"/>
+                            </a:spcBef>
+                            <a:spcAft>
+                              <a:spcPts val="0"/>
+                            </a:spcAft>
+                            <a:buClrTx/>
+                            <a:buSzTx/>
+                            <a:buFontTx/>
+                            <a:buNone/>
+                            <a:tabLst/>
+                            <a:defRPr/>
+                          </a:pPr>
+                          <a:r>
+                            <a:rPr lang="ru-RU" sz="1500" b="0" i="0" u="none" strike="noStrike" dirty="0">
+                              <a:solidFill>
+                                <a:srgbClr val="000000"/>
+                              </a:solidFill>
+                              <a:effectLst/>
+                              <a:latin typeface="+mn-lt"/>
+                              <a:ea typeface="Arial Unicode MS" panose="020B0604020202020204" pitchFamily="34" charset="-128"/>
+                            </a:rPr>
+                            <a:t>✓</a:t>
+                          </a:r>
+                        </a:p>
+                      </a:txBody>
+                      <a:tcPr marL="10016" marR="10016" marT="10016" marB="0" anchor="ctr"/>
+                    </a:tc>
+                    <a:extLst>
+                      <a:ext uri="{0D108BD9-81ED-4DB2-BD59-A6C34878D82A}">
+                        <a16:rowId xmlns:a16="http://schemas.microsoft.com/office/drawing/2014/main" val="2043830585"/>
+                      </a:ext>
+                    </a:extLst>
+                  </a:tr>
+                  <a:tr h="330525">
+                    <a:tc>
+                      <a:txBody>
+                        <a:bodyPr/>
+                        <a:lstStyle/>
+                        <a:p>
+                          <a:pPr algn="ctr" fontAlgn="ctr"/>
+                          <a:r>
+                            <a:rPr lang="en-US" sz="1500" b="0" i="0" u="none" strike="noStrike" dirty="0">
+                              <a:solidFill>
+                                <a:srgbClr val="000000"/>
+                              </a:solidFill>
+                              <a:effectLst/>
+                              <a:latin typeface="+mn-lt"/>
+                              <a:ea typeface="Arial Unicode MS" panose="020B0604020202020204" pitchFamily="34" charset="-128"/>
+                            </a:rPr>
+                            <a:t>4070 / 6717 / 6731</a:t>
+                          </a:r>
+                          <a:endParaRPr lang="ru-RU" sz="1500" b="0" i="0" u="none" strike="noStrike" dirty="0">
+                            <a:solidFill>
+                              <a:srgbClr val="000000"/>
+                            </a:solidFill>
+                            <a:effectLst/>
+                            <a:latin typeface="+mn-lt"/>
+                            <a:ea typeface="Arial Unicode MS" panose="020B0604020202020204" pitchFamily="34" charset="-128"/>
+                          </a:endParaRPr>
+                        </a:p>
+                      </a:txBody>
+                      <a:tcPr marL="10016" marR="10016" marT="10016" marB="0" anchor="ctr"/>
+                    </a:tc>
+                    <a:tc>
+                      <a:txBody>
+                        <a:bodyPr/>
+                        <a:lstStyle/>
+                        <a:p>
+                          <a:endParaRPr lang="ru-RU"/>
+                        </a:p>
+                      </a:txBody>
+                      <a:tcPr marL="10016" marR="10016" marT="10016" marB="0" anchor="ctr">
+                        <a:blipFill>
+                          <a:blip r:embed="rId2"/>
+                          <a:stretch>
+                            <a:fillRect l="-214754" t="-1400000" r="-412295" b="-118182"/>
+                          </a:stretch>
+                        </a:blipFill>
+                      </a:tcPr>
+                    </a:tc>
+                    <a:tc>
+                      <a:txBody>
+                        <a:bodyPr/>
+                        <a:lstStyle/>
+                        <a:p>
+                          <a:pPr algn="ctr" fontAlgn="t"/>
+                          <a:r>
+                            <a:rPr lang="en-US" sz="1500" b="0" i="0" u="none" strike="noStrike" dirty="0">
+                              <a:solidFill>
+                                <a:srgbClr val="000000"/>
+                              </a:solidFill>
+                              <a:effectLst/>
+                              <a:latin typeface="+mn-lt"/>
+                              <a:ea typeface="Arial Unicode MS" panose="020B0604020202020204" pitchFamily="34" charset="-128"/>
+                            </a:rPr>
+                            <a:t>10.36</a:t>
+                          </a:r>
+                          <a:endParaRPr lang="ru-RU" sz="1500" b="0" i="0" u="none" strike="noStrike" dirty="0">
+                            <a:solidFill>
+                              <a:srgbClr val="000000"/>
+                            </a:solidFill>
+                            <a:effectLst/>
+                            <a:latin typeface="+mn-lt"/>
+                            <a:ea typeface="Arial Unicode MS" panose="020B0604020202020204" pitchFamily="34" charset="-128"/>
+                          </a:endParaRPr>
+                        </a:p>
+                      </a:txBody>
+                      <a:tcPr marL="10016" marR="10016" marT="10016" marB="0" anchor="ctr"/>
+                    </a:tc>
+                    <a:tc>
+                      <a:txBody>
+                        <a:bodyPr/>
+                        <a:lstStyle/>
+                        <a:p>
+                          <a:pPr algn="ctr" fontAlgn="t"/>
+                          <a:r>
+                            <a:rPr lang="ru-RU" sz="1500" b="0" i="0" u="none" strike="noStrike" dirty="0">
+                              <a:solidFill>
+                                <a:srgbClr val="000000"/>
+                              </a:solidFill>
+                              <a:effectLst/>
+                              <a:latin typeface="+mn-lt"/>
+                              <a:ea typeface="Arial Unicode MS" panose="020B0604020202020204" pitchFamily="34" charset="-128"/>
+                            </a:rPr>
+                            <a:t>✓</a:t>
+                          </a:r>
+                        </a:p>
+                      </a:txBody>
+                      <a:tcPr marL="10016" marR="10016" marT="10016" marB="0" anchor="ctr"/>
+                    </a:tc>
+                    <a:tc>
+                      <a:txBody>
+                        <a:bodyPr/>
+                        <a:lstStyle/>
+                        <a:p>
+                          <a:pPr algn="ctr" fontAlgn="t"/>
+                          <a:r>
+                            <a:rPr lang="ru-RU" sz="1500" b="0" i="0" u="none" strike="noStrike" dirty="0">
+                              <a:solidFill>
+                                <a:srgbClr val="000000"/>
+                              </a:solidFill>
+                              <a:effectLst/>
+                              <a:latin typeface="+mn-lt"/>
+                              <a:ea typeface="Arial Unicode MS" panose="020B0604020202020204" pitchFamily="34" charset="-128"/>
+                            </a:rPr>
+                            <a:t>✓</a:t>
+                          </a:r>
+                        </a:p>
+                      </a:txBody>
+                      <a:tcPr marL="10016" marR="10016" marT="10016" marB="0" anchor="ctr"/>
+                    </a:tc>
+                    <a:tc>
+                      <a:txBody>
+                        <a:bodyPr/>
+                        <a:lstStyle/>
+                        <a:p>
+                          <a:pPr marL="0" marR="0" lvl="0" indent="0" algn="ctr" defTabSz="914400" rtl="0" eaLnBrk="1" fontAlgn="t" latinLnBrk="0" hangingPunct="1">
+                            <a:lnSpc>
+                              <a:spcPct val="100000"/>
+                            </a:lnSpc>
+                            <a:spcBef>
+                              <a:spcPts val="0"/>
+                            </a:spcBef>
+                            <a:spcAft>
+                              <a:spcPts val="0"/>
+                            </a:spcAft>
+                            <a:buClrTx/>
+                            <a:buSzTx/>
+                            <a:buFontTx/>
+                            <a:buNone/>
+                            <a:tabLst/>
+                            <a:defRPr/>
+                          </a:pPr>
+                          <a:r>
+                            <a:rPr lang="ru-RU" sz="1500" b="0" i="0" u="none" strike="noStrike" dirty="0">
+                              <a:solidFill>
+                                <a:srgbClr val="000000"/>
+                              </a:solidFill>
+                              <a:effectLst/>
+                              <a:latin typeface="+mn-lt"/>
+                              <a:ea typeface="Arial Unicode MS" panose="020B0604020202020204" pitchFamily="34" charset="-128"/>
+                            </a:rPr>
+                            <a:t>✓</a:t>
+                          </a:r>
+                        </a:p>
+                      </a:txBody>
+                      <a:tcPr marL="10016" marR="10016" marT="10016" marB="0" anchor="ctr"/>
+                    </a:tc>
+                    <a:extLst>
+                      <a:ext uri="{0D108BD9-81ED-4DB2-BD59-A6C34878D82A}">
+                        <a16:rowId xmlns:a16="http://schemas.microsoft.com/office/drawing/2014/main" val="1965944292"/>
                       </a:ext>
                     </a:extLst>
                   </a:tr>
@@ -7725,7 +10584,7 @@
                         <a:blipFill>
                           <a:blip r:embed="rId2"/>
                           <a:stretch>
-                            <a:fillRect l="-624490" t="-738983" r="-209184" b="-11864"/>
+                            <a:fillRect l="-595918" t="-1422414" r="-209184" b="-12069"/>
                           </a:stretch>
                         </a:blipFill>
                       </a:tcPr>
@@ -7742,7 +10601,7 @@
                         <a:blipFill>
                           <a:blip r:embed="rId2"/>
                           <a:stretch>
-                            <a:fillRect l="-702970" t="-738983" r="-102970" b="-11864"/>
+                            <a:fillRect l="-675248" t="-1422414" r="-102970" b="-12069"/>
                           </a:stretch>
                         </a:blipFill>
                       </a:tcPr>
@@ -7759,7 +10618,7 @@
                         <a:blipFill>
                           <a:blip r:embed="rId2"/>
                           <a:stretch>
-                            <a:fillRect l="-795098" t="-738983" r="-1961" b="-11864"/>
+                            <a:fillRect l="-767647" t="-1422414" r="-1961" b="-12069"/>
                           </a:stretch>
                         </a:blipFill>
                       </a:tcPr>
@@ -7776,6 +10635,41 @@
           </p:graphicFrame>
         </mc:Fallback>
       </mc:AlternateContent>
+      <p:sp>
+        <p:nvSpPr>
+          <p:cNvPr id="2" name="TextBox 1">
+            <a:extLst>
+              <a:ext uri="{FF2B5EF4-FFF2-40B4-BE49-F238E27FC236}">
+                <a16:creationId xmlns:a16="http://schemas.microsoft.com/office/drawing/2014/main" id="{B4AA8586-49F2-4F15-BED9-D900A609CCD0}"/>
+              </a:ext>
+            </a:extLst>
+          </p:cNvPr>
+          <p:cNvSpPr txBox="1"/>
+          <p:nvPr/>
+        </p:nvSpPr>
+        <p:spPr>
+          <a:xfrm>
+            <a:off x="3136429" y="6301693"/>
+            <a:ext cx="6005105" cy="307777"/>
+          </a:xfrm>
+          <a:prstGeom prst="rect">
+            <a:avLst/>
+          </a:prstGeom>
+          <a:noFill/>
+        </p:spPr>
+        <p:txBody>
+          <a:bodyPr wrap="none" rtlCol="0">
+            <a:spAutoFit/>
+          </a:bodyPr>
+          <a:lstStyle/>
+          <a:p>
+            <a:r>
+              <a:rPr lang="ru-RU" sz="1400" dirty="0"/>
+              <a:t>* Энергия, необходимая для перехода с предыдущего уровня на указанный</a:t>
+            </a:r>
+          </a:p>
+        </p:txBody>
+      </p:sp>
     </p:spTree>
     <p:extLst>
       <p:ext uri="{BB962C8B-B14F-4D97-AF65-F5344CB8AC3E}">
@@ -7820,8 +10714,8 @@
         </p:nvSpPr>
         <p:spPr>
           <a:xfrm>
-            <a:off x="1568158" y="2828835"/>
-            <a:ext cx="9055685" cy="1200329"/>
+            <a:off x="984056" y="2274838"/>
+            <a:ext cx="10223888" cy="2308324"/>
           </a:xfrm>
           <a:prstGeom prst="rect">
             <a:avLst/>
@@ -7837,14 +10731,27 @@
             <a:pPr algn="ctr"/>
             <a:r>
               <a:rPr lang="ru-RU" sz="2400" dirty="0"/>
-              <a:t>Вследствие отсутствия запрещенных линий и наличия интенсивных</a:t>
+              <a:t>В спектрах всех туманностей интенсивность </a:t>
             </a:r>
+            <a:r>
+              <a:rPr lang="ru-RU" sz="2400" dirty="0" err="1"/>
+              <a:t>бальмеровских</a:t>
+            </a:r>
+            <a:endParaRPr lang="ru-RU" sz="2400" dirty="0"/>
           </a:p>
           <a:p>
             <a:pPr algn="ctr"/>
             <a:r>
-              <a:rPr lang="ru-RU" sz="2400" dirty="0" err="1"/>
-              <a:t>бальмеровских</a:t>
+              <a:rPr lang="ru-RU" sz="2400" dirty="0"/>
+              <a:t>линий сравнима (</a:t>
+            </a:r>
+            <a:r>
+              <a:rPr lang="en-US" sz="2400" dirty="0"/>
+              <a:t>M 1-9, M 1-13</a:t>
+            </a:r>
+            <a:r>
+              <a:rPr lang="ru-RU" sz="2400" dirty="0"/>
+              <a:t>)</a:t>
             </a:r>
             <a:r>
               <a:rPr lang="en-US" sz="2400" dirty="0"/>
@@ -7852,14 +10759,96 @@
             </a:r>
             <a:r>
               <a:rPr lang="ru-RU" sz="2400" dirty="0"/>
-              <a:t>линий в спектрах туманностей можем оценить </a:t>
+              <a:t>или превышает (</a:t>
+            </a:r>
+            <a:r>
+              <a:rPr lang="en-US" sz="2400" dirty="0"/>
+              <a:t>M-12</a:t>
+            </a:r>
+            <a:r>
+              <a:rPr lang="ru-RU" sz="2400" dirty="0"/>
+              <a:t>)</a:t>
+            </a:r>
+            <a:r>
+              <a:rPr lang="en-US" sz="2400" dirty="0"/>
+              <a:t> </a:t>
+            </a:r>
+            <a:r>
+              <a:rPr lang="ru-RU" sz="2400" dirty="0"/>
+              <a:t>интенсивность</a:t>
+            </a:r>
+            <a:r>
+              <a:rPr lang="en-US" sz="2400" dirty="0"/>
+              <a:t> </a:t>
+            </a:r>
+            <a:endParaRPr lang="ru-RU" sz="2400" dirty="0"/>
+          </a:p>
+          <a:p>
+            <a:pPr algn="ctr"/>
+            <a:r>
+              <a:rPr lang="ru-RU" sz="2400" dirty="0"/>
+              <a:t>запрещенных линий</a:t>
+            </a:r>
+            <a:r>
+              <a:rPr lang="en-US" sz="2400" dirty="0"/>
+              <a:t>. </a:t>
+            </a:r>
+            <a:r>
+              <a:rPr lang="ru-RU" sz="2400" dirty="0"/>
+              <a:t>Это позволяет дать оценку температуре центральных </a:t>
             </a:r>
           </a:p>
           <a:p>
             <a:pPr algn="ctr"/>
             <a:r>
               <a:rPr lang="ru-RU" sz="2400" dirty="0"/>
-              <a:t>температуры центральных звезд</a:t>
+              <a:t>звезд сверху</a:t>
+            </a:r>
+            <a:r>
+              <a:rPr lang="en-US" sz="2400" dirty="0"/>
+              <a:t>: 50000</a:t>
+            </a:r>
+            <a:r>
+              <a:rPr lang="ru-RU" sz="2400" dirty="0"/>
+              <a:t> °</a:t>
+            </a:r>
+            <a:r>
+              <a:rPr lang="en-US" sz="2400" dirty="0"/>
+              <a:t>K. </a:t>
+            </a:r>
+            <a:r>
+              <a:rPr lang="ru-RU" sz="2400" dirty="0"/>
+              <a:t>В спектре туманности </a:t>
+            </a:r>
+            <a:r>
+              <a:rPr lang="en-US" sz="2400" dirty="0"/>
+              <a:t>M 1-13</a:t>
+            </a:r>
+            <a:r>
+              <a:rPr lang="ru-RU" sz="2400" dirty="0"/>
+              <a:t>, однако, наблюдается </a:t>
+            </a:r>
+          </a:p>
+          <a:p>
+            <a:pPr algn="ctr"/>
+            <a:r>
+              <a:rPr lang="ru-RU" sz="2400" dirty="0"/>
+              <a:t>большее число ионизированных атомов (включая </a:t>
+            </a:r>
+            <a:r>
+              <a:rPr lang="en-US" sz="2400" dirty="0"/>
+              <a:t>He II)</a:t>
+            </a:r>
+            <a:r>
+              <a:rPr lang="ru-RU" sz="2400" dirty="0"/>
+              <a:t>, что означает, </a:t>
+            </a:r>
+          </a:p>
+          <a:p>
+            <a:pPr algn="ctr"/>
+            <a:r>
+              <a:rPr lang="ru-RU" sz="2400" dirty="0"/>
+              <a:t>что температура её центральной звезды ещё выше</a:t>
             </a:r>
             <a:r>
               <a:rPr lang="en-US" sz="2400" dirty="0"/>
@@ -7867,11 +10856,11 @@
             </a:r>
             <a:r>
               <a:rPr lang="ru-RU" sz="2400" dirty="0"/>
-              <a:t>они меньше</a:t>
+              <a:t>до 9</a:t>
             </a:r>
             <a:r>
               <a:rPr lang="en-US" sz="2400" dirty="0"/>
-              <a:t> 50000</a:t>
+              <a:t>0000</a:t>
             </a:r>
             <a:r>
               <a:rPr lang="ru-RU" sz="2400" dirty="0"/>
@@ -8730,8 +11719,8 @@
           </a:p>
         </p:txBody>
       </p:sp>
-      <mc:AlternateContent xmlns:mc="http://schemas.openxmlformats.org/markup-compatibility/2006">
-        <mc:Choice xmlns:a14="http://schemas.microsoft.com/office/drawing/2010/main" Requires="a14">
+      <mc:AlternateContent xmlns:mc="http://schemas.openxmlformats.org/markup-compatibility/2006" xmlns:a14="http://schemas.microsoft.com/office/drawing/2010/main">
+        <mc:Choice Requires="a14">
           <p:graphicFrame>
             <p:nvGraphicFramePr>
               <p:cNvPr id="2" name="Таблица 1">
@@ -9214,7 +12203,7 @@
             </a:graphic>
           </p:graphicFrame>
         </mc:Choice>
-        <mc:Fallback>
+        <mc:Fallback xmlns="">
           <p:graphicFrame>
             <p:nvGraphicFramePr>
               <p:cNvPr id="2" name="Таблица 1">
@@ -9392,8 +12381,8 @@
           </p:graphicFrame>
         </mc:Fallback>
       </mc:AlternateContent>
-      <mc:AlternateContent xmlns:mc="http://schemas.openxmlformats.org/markup-compatibility/2006">
-        <mc:Choice xmlns:a14="http://schemas.microsoft.com/office/drawing/2010/main" Requires="a14">
+      <mc:AlternateContent xmlns:mc="http://schemas.openxmlformats.org/markup-compatibility/2006" xmlns:a14="http://schemas.microsoft.com/office/drawing/2010/main">
+        <mc:Choice Requires="a14">
           <p:graphicFrame>
             <p:nvGraphicFramePr>
               <p:cNvPr id="11" name="Таблица 10">
@@ -9876,7 +12865,7 @@
             </a:graphic>
           </p:graphicFrame>
         </mc:Choice>
-        <mc:Fallback>
+        <mc:Fallback xmlns="">
           <p:graphicFrame>
             <p:nvGraphicFramePr>
               <p:cNvPr id="11" name="Таблица 10">
@@ -10084,8 +13073,8 @@
           <a:chExt cx="0" cy="0"/>
         </a:xfrm>
       </p:grpSpPr>
-      <mc:AlternateContent xmlns:mc="http://schemas.openxmlformats.org/markup-compatibility/2006">
-        <mc:Choice xmlns:a14="http://schemas.microsoft.com/office/drawing/2010/main" Requires="a14">
+      <mc:AlternateContent xmlns:mc="http://schemas.openxmlformats.org/markup-compatibility/2006" xmlns:a14="http://schemas.microsoft.com/office/drawing/2010/main">
+        <mc:Choice Requires="a14">
           <p:graphicFrame>
             <p:nvGraphicFramePr>
               <p:cNvPr id="6" name="Таблица 5">
@@ -10204,7 +13193,7 @@
                                     <m:ctrlPr>
                                       <a:rPr lang="el-GR" sz="1400" b="0" i="1" smtClean="0">
                                         <a:effectLst/>
-                                        <a:latin typeface="+mn-lt"/>
+                                        <a:latin typeface="Cambria Math" panose="02040503050406030204" pitchFamily="18" charset="0"/>
                                         <a:ea typeface="Liberation Serif"/>
                                         <a:cs typeface="Liberation Serif"/>
                                       </a:rPr>
@@ -10216,7 +13205,7 @@
                                         <m:ctrlPr>
                                           <a:rPr lang="el-GR" sz="1400" b="0" i="1" smtClean="0">
                                             <a:effectLst/>
-                                            <a:latin typeface="+mn-lt"/>
+                                            <a:latin typeface="Cambria Math" panose="02040503050406030204" pitchFamily="18" charset="0"/>
                                           </a:rPr>
                                         </m:ctrlPr>
                                       </m:sSubPr>
@@ -10224,7 +13213,7 @@
                                         <m:r>
                                           <a:rPr lang="en-US" sz="1400" b="0" i="1" smtClean="0">
                                             <a:effectLst/>
-                                            <a:latin typeface="+mn-lt"/>
+                                            <a:latin typeface="Cambria Math" panose="02040503050406030204" pitchFamily="18" charset="0"/>
                                           </a:rPr>
                                           <m:t>𝐻</m:t>
                                         </m:r>
@@ -10233,7 +13222,7 @@
                                         <m:r>
                                           <a:rPr lang="el-GR" sz="1400" b="0" i="1" smtClean="0">
                                             <a:effectLst/>
-                                            <a:latin typeface="+mn-lt"/>
+                                            <a:latin typeface="Cambria Math" panose="02040503050406030204" pitchFamily="18" charset="0"/>
                                             <a:ea typeface="Liberation Serif"/>
                                             <a:cs typeface="Liberation Serif"/>
                                           </a:rPr>
@@ -10248,7 +13237,7 @@
                                         <m:ctrlPr>
                                           <a:rPr lang="en-US" sz="1400" b="0" i="1" smtClean="0">
                                             <a:effectLst/>
-                                            <a:latin typeface="+mn-lt"/>
+                                            <a:latin typeface="Cambria Math" panose="02040503050406030204" pitchFamily="18" charset="0"/>
                                           </a:rPr>
                                         </m:ctrlPr>
                                       </m:sSubPr>
@@ -10256,7 +13245,7 @@
                                         <m:r>
                                           <a:rPr lang="en-US" sz="1400" b="0" i="1" smtClean="0">
                                             <a:effectLst/>
-                                            <a:latin typeface="+mn-lt"/>
+                                            <a:latin typeface="Cambria Math" panose="02040503050406030204" pitchFamily="18" charset="0"/>
                                             <a:ea typeface="Liberation Serif"/>
                                             <a:cs typeface="Liberation Serif"/>
                                           </a:rPr>
@@ -10267,7 +13256,7 @@
                                         <m:r>
                                           <a:rPr lang="el-GR" sz="1400" b="0" i="1" smtClean="0">
                                             <a:effectLst/>
-                                            <a:latin typeface="+mn-lt"/>
+                                            <a:latin typeface="Cambria Math" panose="02040503050406030204" pitchFamily="18" charset="0"/>
                                             <a:ea typeface="Liberation Serif"/>
                                             <a:cs typeface="Liberation Serif"/>
                                           </a:rPr>
@@ -10307,7 +13296,7 @@
                                     <m:ctrlPr>
                                       <a:rPr lang="el-GR" sz="1400" b="0" i="1" smtClean="0">
                                         <a:effectLst/>
-                                        <a:latin typeface="+mn-lt"/>
+                                        <a:latin typeface="Cambria Math" panose="02040503050406030204" pitchFamily="18" charset="0"/>
                                       </a:rPr>
                                     </m:ctrlPr>
                                   </m:fPr>
@@ -10315,14 +13304,14 @@
                                     <m:r>
                                       <a:rPr lang="en-US" sz="1400" b="0" i="1" smtClean="0">
                                         <a:effectLst/>
-                                        <a:latin typeface="+mn-lt"/>
+                                        <a:latin typeface="Cambria Math" panose="02040503050406030204" pitchFamily="18" charset="0"/>
                                       </a:rPr>
                                       <m:t>𝐼</m:t>
                                     </m:r>
                                     <m:r>
                                       <a:rPr lang="en-US" sz="1400" b="0" i="1" smtClean="0">
                                         <a:effectLst/>
-                                        <a:latin typeface="+mn-lt"/>
+                                        <a:latin typeface="Cambria Math" panose="02040503050406030204" pitchFamily="18" charset="0"/>
                                       </a:rPr>
                                       <m:t>(</m:t>
                                     </m:r>
@@ -10331,7 +13320,7 @@
                                         <m:ctrlPr>
                                           <a:rPr lang="en-US" sz="1400" b="0" i="1" smtClean="0">
                                             <a:effectLst/>
-                                            <a:latin typeface="+mn-lt"/>
+                                            <a:latin typeface="Cambria Math" panose="02040503050406030204" pitchFamily="18" charset="0"/>
                                           </a:rPr>
                                         </m:ctrlPr>
                                       </m:sSubPr>
@@ -10339,7 +13328,7 @@
                                         <m:r>
                                           <a:rPr lang="el-GR" sz="1400" b="0" i="1" smtClean="0">
                                             <a:effectLst/>
-                                            <a:latin typeface="+mn-lt"/>
+                                            <a:latin typeface="Cambria Math" panose="02040503050406030204" pitchFamily="18" charset="0"/>
                                           </a:rPr>
                                           <m:t>𝜆</m:t>
                                         </m:r>
@@ -10348,7 +13337,7 @@
                                         <m:r>
                                           <a:rPr lang="el-GR" sz="1400" b="0" i="1" smtClean="0">
                                             <a:effectLst/>
-                                            <a:latin typeface="+mn-lt"/>
+                                            <a:latin typeface="Cambria Math" panose="02040503050406030204" pitchFamily="18" charset="0"/>
                                           </a:rPr>
                                           <m:t>6716</m:t>
                                         </m:r>
@@ -10357,7 +13346,7 @@
                                     <m:r>
                                       <a:rPr lang="el-GR" sz="1400" b="0" i="1" smtClean="0">
                                         <a:effectLst/>
-                                        <a:latin typeface="+mn-lt"/>
+                                        <a:latin typeface="Cambria Math" panose="02040503050406030204" pitchFamily="18" charset="0"/>
                                       </a:rPr>
                                       <m:t>)</m:t>
                                     </m:r>
@@ -10376,14 +13365,14 @@
                                     <m:r>
                                       <a:rPr lang="en-US" sz="1400" b="0" i="1" smtClean="0">
                                         <a:effectLst/>
-                                        <a:latin typeface="+mn-lt"/>
+                                        <a:latin typeface="Cambria Math" panose="02040503050406030204" pitchFamily="18" charset="0"/>
                                       </a:rPr>
                                       <m:t>𝐼</m:t>
                                     </m:r>
                                     <m:r>
                                       <a:rPr lang="en-US" sz="1400" b="0" i="1" smtClean="0">
                                         <a:effectLst/>
-                                        <a:latin typeface="+mn-lt"/>
+                                        <a:latin typeface="Cambria Math" panose="02040503050406030204" pitchFamily="18" charset="0"/>
                                       </a:rPr>
                                       <m:t> (</m:t>
                                     </m:r>
@@ -10392,7 +13381,7 @@
                                         <m:ctrlPr>
                                           <a:rPr lang="el-GR" sz="1400" b="0" i="1" smtClean="0">
                                             <a:effectLst/>
-                                            <a:latin typeface="+mn-lt"/>
+                                            <a:latin typeface="Cambria Math" panose="02040503050406030204" pitchFamily="18" charset="0"/>
                                           </a:rPr>
                                         </m:ctrlPr>
                                       </m:sSubPr>
@@ -10400,7 +13389,7 @@
                                         <m:r>
                                           <a:rPr lang="el-GR" sz="1400" b="0" i="1" smtClean="0">
                                             <a:effectLst/>
-                                            <a:latin typeface="+mn-lt"/>
+                                            <a:latin typeface="Cambria Math" panose="02040503050406030204" pitchFamily="18" charset="0"/>
                                           </a:rPr>
                                           <m:t>𝜆</m:t>
                                         </m:r>
@@ -10409,7 +13398,7 @@
                                         <m:r>
                                           <a:rPr lang="el-GR" sz="1400" b="0" i="1" smtClean="0">
                                             <a:effectLst/>
-                                            <a:latin typeface="+mn-lt"/>
+                                            <a:latin typeface="Cambria Math" panose="02040503050406030204" pitchFamily="18" charset="0"/>
                                           </a:rPr>
                                           <m:t>6731</m:t>
                                         </m:r>
@@ -10418,7 +13407,7 @@
                                     <m:r>
                                       <a:rPr lang="el-GR" sz="1400" b="0" i="1" smtClean="0">
                                         <a:effectLst/>
-                                        <a:latin typeface="+mn-lt"/>
+                                        <a:latin typeface="Cambria Math" panose="02040503050406030204" pitchFamily="18" charset="0"/>
                                       </a:rPr>
                                       <m:t>)</m:t>
                                     </m:r>
@@ -10427,6 +13416,7 @@
                               </m:oMath>
                             </m:oMathPara>
                           </a14:m>
+                          <a:endParaRPr/>
                         </a:p>
                       </a:txBody>
                       <a:tcPr marL="63500" marR="63500" marT="63500" marB="63500" anchor="ctr"/>
@@ -10480,7 +13470,7 @@
                                   <a:effectLst/>
                                   <a:latin typeface="+mn-lt"/>
                                 </a:rPr>
-                                <m:t>-3</m:t>
+                                <m:t>−3</m:t>
                               </m:r>
                             </m:oMath>
                           </a14:m>
@@ -10856,7 +13846,7 @@
             </a:graphic>
           </p:graphicFrame>
         </mc:Choice>
-        <mc:Fallback>
+        <mc:Fallback xmlns="">
           <p:graphicFrame>
             <p:nvGraphicFramePr>
               <p:cNvPr id="6" name="Таблица 5">
